--- a/meshes.pptx
+++ b/meshes.pptx
@@ -2,12 +2,15 @@
 <file path=ppt/presentation.xml><?xml version="1.0" encoding="utf-8"?>
 <p:presentation xmlns:a="http://schemas.openxmlformats.org/drawingml/2006/main" xmlns:r="http://schemas.openxmlformats.org/officeDocument/2006/relationships" xmlns:p="http://schemas.openxmlformats.org/presentationml/2006/main" saveSubsetFonts="1">
   <p:sldMasterIdLst>
-    <p:sldMasterId id="2147483672" r:id="rId1"/>
+    <p:sldMasterId id="2147483696" r:id="rId1"/>
   </p:sldMasterIdLst>
   <p:sldIdLst>
     <p:sldId id="256" r:id="rId2"/>
+    <p:sldId id="257" r:id="rId3"/>
+    <p:sldId id="258" r:id="rId4"/>
+    <p:sldId id="259" r:id="rId5"/>
   </p:sldIdLst>
-  <p:sldSz cx="12192000" cy="18018125"/>
+  <p:sldSz cx="32032575" cy="18018125"/>
   <p:notesSz cx="6858000" cy="9144000"/>
   <p:defaultTextStyle>
     <a:defPPr>
@@ -104,7 +107,3659 @@
       </a:defRPr>
     </a:lvl9pPr>
   </p:defaultTextStyle>
+  <p:extLst>
+    <p:ext uri="{EFAFB233-063F-42B5-8137-9DF3F51BA10A}">
+      <p15:sldGuideLst xmlns:p15="http://schemas.microsoft.com/office/powerpoint/2012/main"/>
+    </p:ext>
+  </p:extLst>
 </p:presentation>
+</file>
+
+<file path=ppt/diagrams/colors1.xml><?xml version="1.0" encoding="utf-8"?>
+<dgm:colorsDef xmlns:dgm="http://schemas.openxmlformats.org/drawingml/2006/diagram" xmlns:a="http://schemas.openxmlformats.org/drawingml/2006/main" uniqueId="urn:microsoft.com/office/officeart/2005/8/colors/accent6_2">
+  <dgm:title val=""/>
+  <dgm:desc val=""/>
+  <dgm:catLst>
+    <dgm:cat type="accent6" pri="11200"/>
+  </dgm:catLst>
+  <dgm:styleLbl name="node0">
+    <dgm:fillClrLst meth="repeat">
+      <a:schemeClr val="accent6"/>
+    </dgm:fillClrLst>
+    <dgm:linClrLst meth="repeat">
+      <a:schemeClr val="lt1"/>
+    </dgm:linClrLst>
+    <dgm:effectClrLst/>
+    <dgm:txLinClrLst/>
+    <dgm:txFillClrLst/>
+    <dgm:txEffectClrLst/>
+  </dgm:styleLbl>
+  <dgm:styleLbl name="node1">
+    <dgm:fillClrLst meth="repeat">
+      <a:schemeClr val="accent6"/>
+    </dgm:fillClrLst>
+    <dgm:linClrLst meth="repeat">
+      <a:schemeClr val="lt1"/>
+    </dgm:linClrLst>
+    <dgm:effectClrLst/>
+    <dgm:txLinClrLst/>
+    <dgm:txFillClrLst/>
+    <dgm:txEffectClrLst/>
+  </dgm:styleLbl>
+  <dgm:styleLbl name="alignNode1">
+    <dgm:fillClrLst meth="repeat">
+      <a:schemeClr val="accent6"/>
+    </dgm:fillClrLst>
+    <dgm:linClrLst meth="repeat">
+      <a:schemeClr val="accent6"/>
+    </dgm:linClrLst>
+    <dgm:effectClrLst/>
+    <dgm:txLinClrLst/>
+    <dgm:txFillClrLst/>
+    <dgm:txEffectClrLst/>
+  </dgm:styleLbl>
+  <dgm:styleLbl name="lnNode1">
+    <dgm:fillClrLst meth="repeat">
+      <a:schemeClr val="accent6"/>
+    </dgm:fillClrLst>
+    <dgm:linClrLst meth="repeat">
+      <a:schemeClr val="lt1"/>
+    </dgm:linClrLst>
+    <dgm:effectClrLst/>
+    <dgm:txLinClrLst/>
+    <dgm:txFillClrLst/>
+    <dgm:txEffectClrLst/>
+  </dgm:styleLbl>
+  <dgm:styleLbl name="vennNode1">
+    <dgm:fillClrLst meth="repeat">
+      <a:schemeClr val="accent6">
+        <a:alpha val="50000"/>
+      </a:schemeClr>
+    </dgm:fillClrLst>
+    <dgm:linClrLst meth="repeat">
+      <a:schemeClr val="lt1"/>
+    </dgm:linClrLst>
+    <dgm:effectClrLst/>
+    <dgm:txLinClrLst/>
+    <dgm:txFillClrLst/>
+    <dgm:txEffectClrLst/>
+  </dgm:styleLbl>
+  <dgm:styleLbl name="node2">
+    <dgm:fillClrLst meth="repeat">
+      <a:schemeClr val="accent6"/>
+    </dgm:fillClrLst>
+    <dgm:linClrLst meth="repeat">
+      <a:schemeClr val="lt1"/>
+    </dgm:linClrLst>
+    <dgm:effectClrLst/>
+    <dgm:txLinClrLst/>
+    <dgm:txFillClrLst/>
+    <dgm:txEffectClrLst/>
+  </dgm:styleLbl>
+  <dgm:styleLbl name="node3">
+    <dgm:fillClrLst meth="repeat">
+      <a:schemeClr val="accent6"/>
+    </dgm:fillClrLst>
+    <dgm:linClrLst meth="repeat">
+      <a:schemeClr val="lt1"/>
+    </dgm:linClrLst>
+    <dgm:effectClrLst/>
+    <dgm:txLinClrLst/>
+    <dgm:txFillClrLst/>
+    <dgm:txEffectClrLst/>
+  </dgm:styleLbl>
+  <dgm:styleLbl name="node4">
+    <dgm:fillClrLst meth="repeat">
+      <a:schemeClr val="accent6"/>
+    </dgm:fillClrLst>
+    <dgm:linClrLst meth="repeat">
+      <a:schemeClr val="lt1"/>
+    </dgm:linClrLst>
+    <dgm:effectClrLst/>
+    <dgm:txLinClrLst/>
+    <dgm:txFillClrLst/>
+    <dgm:txEffectClrLst/>
+  </dgm:styleLbl>
+  <dgm:styleLbl name="fgImgPlace1">
+    <dgm:fillClrLst meth="repeat">
+      <a:schemeClr val="accent6">
+        <a:tint val="50000"/>
+      </a:schemeClr>
+    </dgm:fillClrLst>
+    <dgm:linClrLst meth="repeat">
+      <a:schemeClr val="lt1"/>
+    </dgm:linClrLst>
+    <dgm:effectClrLst/>
+    <dgm:txLinClrLst/>
+    <dgm:txFillClrLst meth="repeat">
+      <a:schemeClr val="lt1"/>
+    </dgm:txFillClrLst>
+    <dgm:txEffectClrLst/>
+  </dgm:styleLbl>
+  <dgm:styleLbl name="alignImgPlace1">
+    <dgm:fillClrLst meth="repeat">
+      <a:schemeClr val="accent6">
+        <a:tint val="50000"/>
+      </a:schemeClr>
+    </dgm:fillClrLst>
+    <dgm:linClrLst meth="repeat">
+      <a:schemeClr val="lt1"/>
+    </dgm:linClrLst>
+    <dgm:effectClrLst/>
+    <dgm:txLinClrLst/>
+    <dgm:txFillClrLst meth="repeat">
+      <a:schemeClr val="lt1"/>
+    </dgm:txFillClrLst>
+    <dgm:txEffectClrLst/>
+  </dgm:styleLbl>
+  <dgm:styleLbl name="bgImgPlace1">
+    <dgm:fillClrLst meth="repeat">
+      <a:schemeClr val="accent6">
+        <a:tint val="50000"/>
+      </a:schemeClr>
+    </dgm:fillClrLst>
+    <dgm:linClrLst meth="repeat">
+      <a:schemeClr val="lt1"/>
+    </dgm:linClrLst>
+    <dgm:effectClrLst/>
+    <dgm:txLinClrLst/>
+    <dgm:txFillClrLst meth="repeat">
+      <a:schemeClr val="lt1"/>
+    </dgm:txFillClrLst>
+    <dgm:txEffectClrLst/>
+  </dgm:styleLbl>
+  <dgm:styleLbl name="sibTrans2D1">
+    <dgm:fillClrLst meth="repeat">
+      <a:schemeClr val="accent6">
+        <a:tint val="60000"/>
+      </a:schemeClr>
+    </dgm:fillClrLst>
+    <dgm:linClrLst meth="repeat">
+      <a:schemeClr val="accent6">
+        <a:tint val="60000"/>
+      </a:schemeClr>
+    </dgm:linClrLst>
+    <dgm:effectClrLst/>
+    <dgm:txLinClrLst/>
+    <dgm:txFillClrLst/>
+    <dgm:txEffectClrLst/>
+  </dgm:styleLbl>
+  <dgm:styleLbl name="fgSibTrans2D1">
+    <dgm:fillClrLst meth="repeat">
+      <a:schemeClr val="accent6">
+        <a:tint val="60000"/>
+      </a:schemeClr>
+    </dgm:fillClrLst>
+    <dgm:linClrLst meth="repeat">
+      <a:schemeClr val="accent6">
+        <a:tint val="60000"/>
+      </a:schemeClr>
+    </dgm:linClrLst>
+    <dgm:effectClrLst/>
+    <dgm:txLinClrLst/>
+    <dgm:txFillClrLst/>
+    <dgm:txEffectClrLst/>
+  </dgm:styleLbl>
+  <dgm:styleLbl name="bgSibTrans2D1">
+    <dgm:fillClrLst meth="repeat">
+      <a:schemeClr val="accent6">
+        <a:tint val="60000"/>
+      </a:schemeClr>
+    </dgm:fillClrLst>
+    <dgm:linClrLst meth="repeat">
+      <a:schemeClr val="accent6">
+        <a:tint val="60000"/>
+      </a:schemeClr>
+    </dgm:linClrLst>
+    <dgm:effectClrLst/>
+    <dgm:txLinClrLst/>
+    <dgm:txFillClrLst/>
+    <dgm:txEffectClrLst/>
+  </dgm:styleLbl>
+  <dgm:styleLbl name="sibTrans1D1">
+    <dgm:fillClrLst meth="repeat">
+      <a:schemeClr val="accent6"/>
+    </dgm:fillClrLst>
+    <dgm:linClrLst meth="repeat">
+      <a:schemeClr val="accent6"/>
+    </dgm:linClrLst>
+    <dgm:effectClrLst/>
+    <dgm:txLinClrLst/>
+    <dgm:txFillClrLst meth="repeat">
+      <a:schemeClr val="tx1"/>
+    </dgm:txFillClrLst>
+    <dgm:txEffectClrLst/>
+  </dgm:styleLbl>
+  <dgm:styleLbl name="callout">
+    <dgm:fillClrLst meth="repeat">
+      <a:schemeClr val="accent6"/>
+    </dgm:fillClrLst>
+    <dgm:linClrLst meth="repeat">
+      <a:schemeClr val="accent6">
+        <a:tint val="50000"/>
+      </a:schemeClr>
+    </dgm:linClrLst>
+    <dgm:effectClrLst/>
+    <dgm:txLinClrLst/>
+    <dgm:txFillClrLst meth="repeat">
+      <a:schemeClr val="tx1"/>
+    </dgm:txFillClrLst>
+    <dgm:txEffectClrLst/>
+  </dgm:styleLbl>
+  <dgm:styleLbl name="asst0">
+    <dgm:fillClrLst meth="repeat">
+      <a:schemeClr val="accent6"/>
+    </dgm:fillClrLst>
+    <dgm:linClrLst meth="repeat">
+      <a:schemeClr val="lt1"/>
+    </dgm:linClrLst>
+    <dgm:effectClrLst/>
+    <dgm:txLinClrLst/>
+    <dgm:txFillClrLst/>
+    <dgm:txEffectClrLst/>
+  </dgm:styleLbl>
+  <dgm:styleLbl name="asst1">
+    <dgm:fillClrLst meth="repeat">
+      <a:schemeClr val="accent6"/>
+    </dgm:fillClrLst>
+    <dgm:linClrLst meth="repeat">
+      <a:schemeClr val="lt1"/>
+    </dgm:linClrLst>
+    <dgm:effectClrLst/>
+    <dgm:txLinClrLst/>
+    <dgm:txFillClrLst/>
+    <dgm:txEffectClrLst/>
+  </dgm:styleLbl>
+  <dgm:styleLbl name="asst2">
+    <dgm:fillClrLst meth="repeat">
+      <a:schemeClr val="accent6"/>
+    </dgm:fillClrLst>
+    <dgm:linClrLst meth="repeat">
+      <a:schemeClr val="lt1"/>
+    </dgm:linClrLst>
+    <dgm:effectClrLst/>
+    <dgm:txLinClrLst/>
+    <dgm:txFillClrLst/>
+    <dgm:txEffectClrLst/>
+  </dgm:styleLbl>
+  <dgm:styleLbl name="asst3">
+    <dgm:fillClrLst meth="repeat">
+      <a:schemeClr val="accent6"/>
+    </dgm:fillClrLst>
+    <dgm:linClrLst meth="repeat">
+      <a:schemeClr val="lt1"/>
+    </dgm:linClrLst>
+    <dgm:effectClrLst/>
+    <dgm:txLinClrLst/>
+    <dgm:txFillClrLst/>
+    <dgm:txEffectClrLst/>
+  </dgm:styleLbl>
+  <dgm:styleLbl name="asst4">
+    <dgm:fillClrLst meth="repeat">
+      <a:schemeClr val="accent6"/>
+    </dgm:fillClrLst>
+    <dgm:linClrLst meth="repeat">
+      <a:schemeClr val="lt1"/>
+    </dgm:linClrLst>
+    <dgm:effectClrLst/>
+    <dgm:txLinClrLst/>
+    <dgm:txFillClrLst/>
+    <dgm:txEffectClrLst/>
+  </dgm:styleLbl>
+  <dgm:styleLbl name="parChTrans2D1">
+    <dgm:fillClrLst meth="repeat">
+      <a:schemeClr val="accent6">
+        <a:tint val="60000"/>
+      </a:schemeClr>
+    </dgm:fillClrLst>
+    <dgm:linClrLst meth="repeat">
+      <a:schemeClr val="accent6">
+        <a:tint val="60000"/>
+      </a:schemeClr>
+    </dgm:linClrLst>
+    <dgm:effectClrLst/>
+    <dgm:txLinClrLst/>
+    <dgm:txFillClrLst meth="repeat">
+      <a:schemeClr val="lt1"/>
+    </dgm:txFillClrLst>
+    <dgm:txEffectClrLst/>
+  </dgm:styleLbl>
+  <dgm:styleLbl name="parChTrans2D2">
+    <dgm:fillClrLst meth="repeat">
+      <a:schemeClr val="accent6"/>
+    </dgm:fillClrLst>
+    <dgm:linClrLst meth="repeat">
+      <a:schemeClr val="accent6"/>
+    </dgm:linClrLst>
+    <dgm:effectClrLst/>
+    <dgm:txLinClrLst/>
+    <dgm:txFillClrLst meth="repeat">
+      <a:schemeClr val="lt1"/>
+    </dgm:txFillClrLst>
+    <dgm:txEffectClrLst/>
+  </dgm:styleLbl>
+  <dgm:styleLbl name="parChTrans2D3">
+    <dgm:fillClrLst meth="repeat">
+      <a:schemeClr val="accent6"/>
+    </dgm:fillClrLst>
+    <dgm:linClrLst meth="repeat">
+      <a:schemeClr val="accent6"/>
+    </dgm:linClrLst>
+    <dgm:effectClrLst/>
+    <dgm:txLinClrLst/>
+    <dgm:txFillClrLst meth="repeat">
+      <a:schemeClr val="lt1"/>
+    </dgm:txFillClrLst>
+    <dgm:txEffectClrLst/>
+  </dgm:styleLbl>
+  <dgm:styleLbl name="parChTrans2D4">
+    <dgm:fillClrLst meth="repeat">
+      <a:schemeClr val="accent6"/>
+    </dgm:fillClrLst>
+    <dgm:linClrLst meth="repeat">
+      <a:schemeClr val="accent6"/>
+    </dgm:linClrLst>
+    <dgm:effectClrLst/>
+    <dgm:txLinClrLst/>
+    <dgm:txFillClrLst meth="repeat">
+      <a:schemeClr val="lt1"/>
+    </dgm:txFillClrLst>
+    <dgm:txEffectClrLst/>
+  </dgm:styleLbl>
+  <dgm:styleLbl name="parChTrans1D1">
+    <dgm:fillClrLst meth="repeat">
+      <a:schemeClr val="accent6"/>
+    </dgm:fillClrLst>
+    <dgm:linClrLst meth="repeat">
+      <a:schemeClr val="accent6">
+        <a:shade val="60000"/>
+      </a:schemeClr>
+    </dgm:linClrLst>
+    <dgm:effectClrLst/>
+    <dgm:txLinClrLst/>
+    <dgm:txFillClrLst meth="repeat">
+      <a:schemeClr val="tx1"/>
+    </dgm:txFillClrLst>
+    <dgm:txEffectClrLst/>
+  </dgm:styleLbl>
+  <dgm:styleLbl name="parChTrans1D2">
+    <dgm:fillClrLst meth="repeat">
+      <a:schemeClr val="accent6"/>
+    </dgm:fillClrLst>
+    <dgm:linClrLst meth="repeat">
+      <a:schemeClr val="accent6">
+        <a:shade val="60000"/>
+      </a:schemeClr>
+    </dgm:linClrLst>
+    <dgm:effectClrLst/>
+    <dgm:txLinClrLst/>
+    <dgm:txFillClrLst meth="repeat">
+      <a:schemeClr val="tx1"/>
+    </dgm:txFillClrLst>
+    <dgm:txEffectClrLst/>
+  </dgm:styleLbl>
+  <dgm:styleLbl name="parChTrans1D3">
+    <dgm:fillClrLst meth="repeat">
+      <a:schemeClr val="accent6"/>
+    </dgm:fillClrLst>
+    <dgm:linClrLst meth="repeat">
+      <a:schemeClr val="accent6">
+        <a:shade val="80000"/>
+      </a:schemeClr>
+    </dgm:linClrLst>
+    <dgm:effectClrLst/>
+    <dgm:txLinClrLst/>
+    <dgm:txFillClrLst meth="repeat">
+      <a:schemeClr val="tx1"/>
+    </dgm:txFillClrLst>
+    <dgm:txEffectClrLst/>
+  </dgm:styleLbl>
+  <dgm:styleLbl name="parChTrans1D4">
+    <dgm:fillClrLst meth="repeat">
+      <a:schemeClr val="accent6"/>
+    </dgm:fillClrLst>
+    <dgm:linClrLst meth="repeat">
+      <a:schemeClr val="accent6">
+        <a:shade val="80000"/>
+      </a:schemeClr>
+    </dgm:linClrLst>
+    <dgm:effectClrLst/>
+    <dgm:txLinClrLst/>
+    <dgm:txFillClrLst meth="repeat">
+      <a:schemeClr val="tx1"/>
+    </dgm:txFillClrLst>
+    <dgm:txEffectClrLst/>
+  </dgm:styleLbl>
+  <dgm:styleLbl name="fgAcc1">
+    <dgm:fillClrLst meth="repeat">
+      <a:schemeClr val="lt1">
+        <a:alpha val="90000"/>
+      </a:schemeClr>
+    </dgm:fillClrLst>
+    <dgm:linClrLst meth="repeat">
+      <a:schemeClr val="accent6"/>
+    </dgm:linClrLst>
+    <dgm:effectClrLst/>
+    <dgm:txLinClrLst/>
+    <dgm:txFillClrLst meth="repeat">
+      <a:schemeClr val="dk1"/>
+    </dgm:txFillClrLst>
+    <dgm:txEffectClrLst/>
+  </dgm:styleLbl>
+  <dgm:styleLbl name="conFgAcc1">
+    <dgm:fillClrLst meth="repeat">
+      <a:schemeClr val="lt1">
+        <a:alpha val="90000"/>
+      </a:schemeClr>
+    </dgm:fillClrLst>
+    <dgm:linClrLst meth="repeat">
+      <a:schemeClr val="accent6"/>
+    </dgm:linClrLst>
+    <dgm:effectClrLst/>
+    <dgm:txLinClrLst/>
+    <dgm:txFillClrLst meth="repeat">
+      <a:schemeClr val="dk1"/>
+    </dgm:txFillClrLst>
+    <dgm:txEffectClrLst/>
+  </dgm:styleLbl>
+  <dgm:styleLbl name="alignAcc1">
+    <dgm:fillClrLst meth="repeat">
+      <a:schemeClr val="lt1">
+        <a:alpha val="90000"/>
+      </a:schemeClr>
+    </dgm:fillClrLst>
+    <dgm:linClrLst meth="repeat">
+      <a:schemeClr val="accent6"/>
+    </dgm:linClrLst>
+    <dgm:effectClrLst/>
+    <dgm:txLinClrLst/>
+    <dgm:txFillClrLst meth="repeat">
+      <a:schemeClr val="dk1"/>
+    </dgm:txFillClrLst>
+    <dgm:txEffectClrLst/>
+  </dgm:styleLbl>
+  <dgm:styleLbl name="trAlignAcc1">
+    <dgm:fillClrLst meth="repeat">
+      <a:schemeClr val="lt1">
+        <a:alpha val="40000"/>
+      </a:schemeClr>
+    </dgm:fillClrLst>
+    <dgm:linClrLst meth="repeat">
+      <a:schemeClr val="accent6"/>
+    </dgm:linClrLst>
+    <dgm:effectClrLst/>
+    <dgm:txLinClrLst/>
+    <dgm:txFillClrLst meth="repeat">
+      <a:schemeClr val="dk1"/>
+    </dgm:txFillClrLst>
+    <dgm:txEffectClrLst/>
+  </dgm:styleLbl>
+  <dgm:styleLbl name="bgAcc1">
+    <dgm:fillClrLst meth="repeat">
+      <a:schemeClr val="lt1">
+        <a:alpha val="90000"/>
+      </a:schemeClr>
+    </dgm:fillClrLst>
+    <dgm:linClrLst meth="repeat">
+      <a:schemeClr val="accent6"/>
+    </dgm:linClrLst>
+    <dgm:effectClrLst/>
+    <dgm:txLinClrLst/>
+    <dgm:txFillClrLst meth="repeat">
+      <a:schemeClr val="dk1"/>
+    </dgm:txFillClrLst>
+    <dgm:txEffectClrLst/>
+  </dgm:styleLbl>
+  <dgm:styleLbl name="solidFgAcc1">
+    <dgm:fillClrLst meth="repeat">
+      <a:schemeClr val="lt1"/>
+    </dgm:fillClrLst>
+    <dgm:linClrLst meth="repeat">
+      <a:schemeClr val="accent6"/>
+    </dgm:linClrLst>
+    <dgm:effectClrLst/>
+    <dgm:txLinClrLst/>
+    <dgm:txFillClrLst meth="repeat">
+      <a:schemeClr val="dk1"/>
+    </dgm:txFillClrLst>
+    <dgm:txEffectClrLst/>
+  </dgm:styleLbl>
+  <dgm:styleLbl name="solidAlignAcc1">
+    <dgm:fillClrLst meth="repeat">
+      <a:schemeClr val="lt1"/>
+    </dgm:fillClrLst>
+    <dgm:linClrLst meth="repeat">
+      <a:schemeClr val="accent6"/>
+    </dgm:linClrLst>
+    <dgm:effectClrLst/>
+    <dgm:txLinClrLst/>
+    <dgm:txFillClrLst meth="repeat">
+      <a:schemeClr val="dk1"/>
+    </dgm:txFillClrLst>
+    <dgm:txEffectClrLst/>
+  </dgm:styleLbl>
+  <dgm:styleLbl name="solidBgAcc1">
+    <dgm:fillClrLst meth="repeat">
+      <a:schemeClr val="lt1"/>
+    </dgm:fillClrLst>
+    <dgm:linClrLst meth="repeat">
+      <a:schemeClr val="accent6"/>
+    </dgm:linClrLst>
+    <dgm:effectClrLst/>
+    <dgm:txLinClrLst/>
+    <dgm:txFillClrLst meth="repeat">
+      <a:schemeClr val="dk1"/>
+    </dgm:txFillClrLst>
+    <dgm:txEffectClrLst/>
+  </dgm:styleLbl>
+  <dgm:styleLbl name="fgAccFollowNode1">
+    <dgm:fillClrLst meth="repeat">
+      <a:schemeClr val="accent6">
+        <a:alpha val="90000"/>
+        <a:tint val="40000"/>
+      </a:schemeClr>
+    </dgm:fillClrLst>
+    <dgm:linClrLst meth="repeat">
+      <a:schemeClr val="accent6">
+        <a:alpha val="90000"/>
+        <a:tint val="40000"/>
+      </a:schemeClr>
+    </dgm:linClrLst>
+    <dgm:effectClrLst/>
+    <dgm:txLinClrLst/>
+    <dgm:txFillClrLst meth="repeat">
+      <a:schemeClr val="dk1"/>
+    </dgm:txFillClrLst>
+    <dgm:txEffectClrLst/>
+  </dgm:styleLbl>
+  <dgm:styleLbl name="alignAccFollowNode1">
+    <dgm:fillClrLst meth="repeat">
+      <a:schemeClr val="accent6">
+        <a:alpha val="90000"/>
+        <a:tint val="40000"/>
+      </a:schemeClr>
+    </dgm:fillClrLst>
+    <dgm:linClrLst meth="repeat">
+      <a:schemeClr val="accent6">
+        <a:alpha val="90000"/>
+        <a:tint val="40000"/>
+      </a:schemeClr>
+    </dgm:linClrLst>
+    <dgm:effectClrLst/>
+    <dgm:txLinClrLst/>
+    <dgm:txFillClrLst meth="repeat">
+      <a:schemeClr val="dk1"/>
+    </dgm:txFillClrLst>
+    <dgm:txEffectClrLst/>
+  </dgm:styleLbl>
+  <dgm:styleLbl name="bgAccFollowNode1">
+    <dgm:fillClrLst meth="repeat">
+      <a:schemeClr val="accent6">
+        <a:alpha val="90000"/>
+        <a:tint val="40000"/>
+      </a:schemeClr>
+    </dgm:fillClrLst>
+    <dgm:linClrLst meth="repeat">
+      <a:schemeClr val="accent6">
+        <a:alpha val="90000"/>
+        <a:tint val="40000"/>
+      </a:schemeClr>
+    </dgm:linClrLst>
+    <dgm:effectClrLst/>
+    <dgm:txLinClrLst/>
+    <dgm:txFillClrLst meth="repeat">
+      <a:schemeClr val="dk1"/>
+    </dgm:txFillClrLst>
+    <dgm:txEffectClrLst/>
+  </dgm:styleLbl>
+  <dgm:styleLbl name="fgAcc0">
+    <dgm:fillClrLst meth="repeat">
+      <a:schemeClr val="lt1">
+        <a:alpha val="90000"/>
+      </a:schemeClr>
+    </dgm:fillClrLst>
+    <dgm:linClrLst meth="repeat">
+      <a:schemeClr val="accent6"/>
+    </dgm:linClrLst>
+    <dgm:effectClrLst/>
+    <dgm:txLinClrLst/>
+    <dgm:txFillClrLst meth="repeat">
+      <a:schemeClr val="dk1"/>
+    </dgm:txFillClrLst>
+    <dgm:txEffectClrLst/>
+  </dgm:styleLbl>
+  <dgm:styleLbl name="fgAcc2">
+    <dgm:fillClrLst meth="repeat">
+      <a:schemeClr val="lt1">
+        <a:alpha val="90000"/>
+      </a:schemeClr>
+    </dgm:fillClrLst>
+    <dgm:linClrLst meth="repeat">
+      <a:schemeClr val="accent6"/>
+    </dgm:linClrLst>
+    <dgm:effectClrLst/>
+    <dgm:txLinClrLst/>
+    <dgm:txFillClrLst meth="repeat">
+      <a:schemeClr val="dk1"/>
+    </dgm:txFillClrLst>
+    <dgm:txEffectClrLst/>
+  </dgm:styleLbl>
+  <dgm:styleLbl name="fgAcc3">
+    <dgm:fillClrLst meth="repeat">
+      <a:schemeClr val="lt1">
+        <a:alpha val="90000"/>
+      </a:schemeClr>
+    </dgm:fillClrLst>
+    <dgm:linClrLst meth="repeat">
+      <a:schemeClr val="accent6"/>
+    </dgm:linClrLst>
+    <dgm:effectClrLst/>
+    <dgm:txLinClrLst/>
+    <dgm:txFillClrLst meth="repeat">
+      <a:schemeClr val="dk1"/>
+    </dgm:txFillClrLst>
+    <dgm:txEffectClrLst/>
+  </dgm:styleLbl>
+  <dgm:styleLbl name="fgAcc4">
+    <dgm:fillClrLst meth="repeat">
+      <a:schemeClr val="lt1">
+        <a:alpha val="90000"/>
+      </a:schemeClr>
+    </dgm:fillClrLst>
+    <dgm:linClrLst meth="repeat">
+      <a:schemeClr val="accent6"/>
+    </dgm:linClrLst>
+    <dgm:effectClrLst/>
+    <dgm:txLinClrLst/>
+    <dgm:txFillClrLst meth="repeat">
+      <a:schemeClr val="dk1"/>
+    </dgm:txFillClrLst>
+    <dgm:txEffectClrLst/>
+  </dgm:styleLbl>
+  <dgm:styleLbl name="bgShp">
+    <dgm:fillClrLst meth="repeat">
+      <a:schemeClr val="accent6">
+        <a:tint val="40000"/>
+      </a:schemeClr>
+    </dgm:fillClrLst>
+    <dgm:linClrLst meth="repeat">
+      <a:schemeClr val="accent6"/>
+    </dgm:linClrLst>
+    <dgm:effectClrLst/>
+    <dgm:txLinClrLst/>
+    <dgm:txFillClrLst meth="repeat">
+      <a:schemeClr val="dk1"/>
+    </dgm:txFillClrLst>
+    <dgm:txEffectClrLst/>
+  </dgm:styleLbl>
+  <dgm:styleLbl name="dkBgShp">
+    <dgm:fillClrLst meth="repeat">
+      <a:schemeClr val="accent6">
+        <a:shade val="80000"/>
+      </a:schemeClr>
+    </dgm:fillClrLst>
+    <dgm:linClrLst meth="repeat">
+      <a:schemeClr val="accent6"/>
+    </dgm:linClrLst>
+    <dgm:effectClrLst/>
+    <dgm:txLinClrLst/>
+    <dgm:txFillClrLst meth="repeat">
+      <a:schemeClr val="lt1"/>
+    </dgm:txFillClrLst>
+    <dgm:txEffectClrLst/>
+  </dgm:styleLbl>
+  <dgm:styleLbl name="trBgShp">
+    <dgm:fillClrLst meth="repeat">
+      <a:schemeClr val="accent6">
+        <a:tint val="50000"/>
+        <a:alpha val="40000"/>
+      </a:schemeClr>
+    </dgm:fillClrLst>
+    <dgm:linClrLst meth="repeat">
+      <a:schemeClr val="accent6"/>
+    </dgm:linClrLst>
+    <dgm:effectClrLst/>
+    <dgm:txLinClrLst/>
+    <dgm:txFillClrLst meth="repeat">
+      <a:schemeClr val="lt1"/>
+    </dgm:txFillClrLst>
+    <dgm:txEffectClrLst/>
+  </dgm:styleLbl>
+  <dgm:styleLbl name="fgShp">
+    <dgm:fillClrLst meth="repeat">
+      <a:schemeClr val="accent6">
+        <a:tint val="60000"/>
+      </a:schemeClr>
+    </dgm:fillClrLst>
+    <dgm:linClrLst meth="repeat">
+      <a:schemeClr val="lt1"/>
+    </dgm:linClrLst>
+    <dgm:effectClrLst/>
+    <dgm:txLinClrLst/>
+    <dgm:txFillClrLst meth="repeat">
+      <a:schemeClr val="dk1"/>
+    </dgm:txFillClrLst>
+    <dgm:txEffectClrLst/>
+  </dgm:styleLbl>
+  <dgm:styleLbl name="revTx">
+    <dgm:fillClrLst meth="repeat">
+      <a:schemeClr val="lt1">
+        <a:alpha val="0"/>
+      </a:schemeClr>
+    </dgm:fillClrLst>
+    <dgm:linClrLst meth="repeat">
+      <a:schemeClr val="dk1">
+        <a:alpha val="0"/>
+      </a:schemeClr>
+    </dgm:linClrLst>
+    <dgm:effectClrLst/>
+    <dgm:txLinClrLst/>
+    <dgm:txFillClrLst meth="repeat">
+      <a:schemeClr val="tx1"/>
+    </dgm:txFillClrLst>
+    <dgm:txEffectClrLst/>
+  </dgm:styleLbl>
+</dgm:colorsDef>
+</file>
+
+<file path=ppt/diagrams/data1.xml><?xml version="1.0" encoding="utf-8"?>
+<dgm:dataModel xmlns:dgm="http://schemas.openxmlformats.org/drawingml/2006/diagram" xmlns:a="http://schemas.openxmlformats.org/drawingml/2006/main">
+  <dgm:ptLst>
+    <dgm:pt modelId="{D4047605-51A8-49DD-B4A3-5140BA1B9770}" type="doc">
+      <dgm:prSet loTypeId="urn:microsoft.com/office/officeart/2005/8/layout/cycle6" loCatId="cycle" qsTypeId="urn:microsoft.com/office/officeart/2005/8/quickstyle/simple2" qsCatId="simple" csTypeId="urn:microsoft.com/office/officeart/2005/8/colors/accent6_2" csCatId="accent6" phldr="1"/>
+      <dgm:spPr/>
+      <dgm:t>
+        <a:bodyPr/>
+        <a:lstStyle/>
+        <a:p>
+          <a:endParaRPr lang="es-ES"/>
+        </a:p>
+      </dgm:t>
+    </dgm:pt>
+    <dgm:pt modelId="{81D99D8B-AC0B-439F-BB80-EAEF057628A2}">
+      <dgm:prSet phldrT="[Texto]" custT="1"/>
+      <dgm:spPr>
+        <a:solidFill>
+          <a:srgbClr val="37BD4D"/>
+        </a:solidFill>
+      </dgm:spPr>
+      <dgm:t>
+        <a:bodyPr/>
+        <a:lstStyle/>
+        <a:p>
+          <a:pPr algn="ctr"/>
+          <a:r>
+            <a:rPr lang="es-NI" sz="4400" b="1" noProof="0" dirty="0"/>
+            <a:t>Proyectos</a:t>
+          </a:r>
+          <a:endParaRPr lang="es-NI" sz="3400" b="1" noProof="0" dirty="0"/>
+        </a:p>
+        <a:p>
+          <a:pPr algn="l"/>
+          <a:r>
+            <a:rPr lang="en-US" sz="3400" b="1" i="1" dirty="0"/>
+            <a:t>-</a:t>
+          </a:r>
+          <a:r>
+            <a:rPr lang="en-US" sz="3400" b="1" i="1" dirty="0" err="1"/>
+            <a:t>QMake</a:t>
+          </a:r>
+          <a:endParaRPr lang="en-US" sz="3400" b="1" i="1" dirty="0"/>
+        </a:p>
+        <a:p>
+          <a:pPr algn="l"/>
+          <a:r>
+            <a:rPr lang="en-US" sz="3400" b="1" i="1" dirty="0"/>
+            <a:t>-</a:t>
+          </a:r>
+          <a:r>
+            <a:rPr lang="en-US" sz="3400" b="1" i="1" dirty="0" err="1"/>
+            <a:t>CMake</a:t>
+          </a:r>
+          <a:r>
+            <a:rPr lang="en-US" sz="3400" b="1" i="1" dirty="0"/>
+            <a:t> </a:t>
+          </a:r>
+        </a:p>
+        <a:p>
+          <a:pPr algn="ctr"/>
+          <a:endParaRPr lang="es-ES" sz="3400" dirty="0"/>
+        </a:p>
+      </dgm:t>
+    </dgm:pt>
+    <dgm:pt modelId="{011534F4-2CC0-4740-871D-97C7DF59061F}" type="parTrans" cxnId="{144EE2C8-521C-4AE6-9255-858EDB8A0053}">
+      <dgm:prSet/>
+      <dgm:spPr/>
+      <dgm:t>
+        <a:bodyPr/>
+        <a:lstStyle/>
+        <a:p>
+          <a:endParaRPr lang="es-ES"/>
+        </a:p>
+      </dgm:t>
+    </dgm:pt>
+    <dgm:pt modelId="{5281A7D9-9A73-4809-AFA0-C39092670CA3}" type="sibTrans" cxnId="{144EE2C8-521C-4AE6-9255-858EDB8A0053}">
+      <dgm:prSet/>
+      <dgm:spPr>
+        <a:ln w="76200">
+          <a:solidFill>
+            <a:srgbClr val="37BD4D"/>
+          </a:solidFill>
+        </a:ln>
+      </dgm:spPr>
+      <dgm:t>
+        <a:bodyPr/>
+        <a:lstStyle/>
+        <a:p>
+          <a:endParaRPr lang="es-ES"/>
+        </a:p>
+      </dgm:t>
+    </dgm:pt>
+    <dgm:pt modelId="{CD1BB4D9-4A36-48BB-95B3-3478AEBB3434}">
+      <dgm:prSet phldrT="[Texto]" custT="1"/>
+      <dgm:spPr>
+        <a:solidFill>
+          <a:srgbClr val="37BD4D"/>
+        </a:solidFill>
+      </dgm:spPr>
+      <dgm:t>
+        <a:bodyPr/>
+        <a:lstStyle/>
+        <a:p>
+          <a:pPr marL="0" lvl="0" indent="0" algn="ctr" defTabSz="1778000">
+            <a:lnSpc>
+              <a:spcPct val="90000"/>
+            </a:lnSpc>
+            <a:spcBef>
+              <a:spcPct val="0"/>
+            </a:spcBef>
+            <a:spcAft>
+              <a:spcPct val="35000"/>
+            </a:spcAft>
+            <a:buNone/>
+          </a:pPr>
+          <a:r>
+            <a:rPr lang="es-NI" sz="4400" b="1" kern="1200" noProof="0" dirty="0">
+              <a:solidFill>
+                <a:prstClr val="white"/>
+              </a:solidFill>
+              <a:latin typeface="Calibri" panose="020F0502020204030204"/>
+              <a:ea typeface="+mn-ea"/>
+              <a:cs typeface="+mn-cs"/>
+            </a:rPr>
+            <a:t>Lenguajes</a:t>
+          </a:r>
+          <a:endParaRPr lang="es-NI" sz="4000" b="1" kern="1200" noProof="0" dirty="0">
+            <a:solidFill>
+              <a:prstClr val="white"/>
+            </a:solidFill>
+            <a:latin typeface="Calibri" panose="020F0502020204030204"/>
+            <a:ea typeface="+mn-ea"/>
+            <a:cs typeface="+mn-cs"/>
+          </a:endParaRPr>
+        </a:p>
+        <a:p>
+          <a:pPr marL="0" lvl="0" algn="l" defTabSz="1644650">
+            <a:lnSpc>
+              <a:spcPct val="90000"/>
+            </a:lnSpc>
+            <a:spcBef>
+              <a:spcPct val="0"/>
+            </a:spcBef>
+            <a:spcAft>
+              <a:spcPct val="35000"/>
+            </a:spcAft>
+            <a:buNone/>
+          </a:pPr>
+          <a:r>
+            <a:rPr lang="es-NI" sz="3700" kern="1200" noProof="0" dirty="0"/>
+            <a:t>-C++ </a:t>
+          </a:r>
+        </a:p>
+        <a:p>
+          <a:pPr marL="0" lvl="0" algn="l" defTabSz="1644650">
+            <a:lnSpc>
+              <a:spcPct val="90000"/>
+            </a:lnSpc>
+            <a:spcBef>
+              <a:spcPct val="0"/>
+            </a:spcBef>
+            <a:spcAft>
+              <a:spcPct val="35000"/>
+            </a:spcAft>
+            <a:buNone/>
+          </a:pPr>
+          <a:r>
+            <a:rPr lang="es-NI" sz="3700" kern="1200" noProof="0" dirty="0"/>
+            <a:t>-QML</a:t>
+          </a:r>
+        </a:p>
+      </dgm:t>
+    </dgm:pt>
+    <dgm:pt modelId="{B197BF18-2D26-4CA3-8C84-BD268DE8A4A2}" type="parTrans" cxnId="{688C9F76-3CBE-4FBF-999C-770D4A60F803}">
+      <dgm:prSet/>
+      <dgm:spPr/>
+      <dgm:t>
+        <a:bodyPr/>
+        <a:lstStyle/>
+        <a:p>
+          <a:endParaRPr lang="es-ES"/>
+        </a:p>
+      </dgm:t>
+    </dgm:pt>
+    <dgm:pt modelId="{CF956315-B83B-42DB-A1BA-AE3445E679A2}" type="sibTrans" cxnId="{688C9F76-3CBE-4FBF-999C-770D4A60F803}">
+      <dgm:prSet/>
+      <dgm:spPr>
+        <a:ln w="76200">
+          <a:solidFill>
+            <a:srgbClr val="37BD4D"/>
+          </a:solidFill>
+        </a:ln>
+      </dgm:spPr>
+      <dgm:t>
+        <a:bodyPr/>
+        <a:lstStyle/>
+        <a:p>
+          <a:endParaRPr lang="es-ES"/>
+        </a:p>
+      </dgm:t>
+    </dgm:pt>
+    <dgm:pt modelId="{AFD53041-46AE-4CDC-AB62-E9EE0511F913}">
+      <dgm:prSet phldrT="[Texto]" custT="1"/>
+      <dgm:spPr>
+        <a:solidFill>
+          <a:srgbClr val="37BD4D"/>
+        </a:solidFill>
+      </dgm:spPr>
+      <dgm:t>
+        <a:bodyPr/>
+        <a:lstStyle/>
+        <a:p>
+          <a:r>
+            <a:rPr lang="es-NI" sz="4400" b="1" kern="1200" noProof="0" dirty="0">
+              <a:solidFill>
+                <a:prstClr val="white"/>
+              </a:solidFill>
+              <a:latin typeface="Calibri" panose="020F0502020204030204"/>
+              <a:ea typeface="+mn-ea"/>
+              <a:cs typeface="+mn-cs"/>
+            </a:rPr>
+            <a:t>Sistemas</a:t>
+          </a:r>
+        </a:p>
+        <a:p>
+          <a:r>
+            <a:rPr lang="es-NI" sz="3700" kern="1200" noProof="0" dirty="0"/>
+            <a:t>Escritorio</a:t>
+          </a:r>
+        </a:p>
+        <a:p>
+          <a:r>
+            <a:rPr lang="es-NI" sz="3700" kern="1200" noProof="0" dirty="0"/>
+            <a:t>Móviles</a:t>
+          </a:r>
+        </a:p>
+      </dgm:t>
+    </dgm:pt>
+    <dgm:pt modelId="{0B27D6E5-BB6A-47A3-AE6D-87D45B8A4AB3}" type="parTrans" cxnId="{797B12F8-C618-456D-8172-08FAA851BFCE}">
+      <dgm:prSet/>
+      <dgm:spPr/>
+      <dgm:t>
+        <a:bodyPr/>
+        <a:lstStyle/>
+        <a:p>
+          <a:endParaRPr lang="es-ES"/>
+        </a:p>
+      </dgm:t>
+    </dgm:pt>
+    <dgm:pt modelId="{5630ECAC-10A8-43AE-AF3B-4087FB6F2983}" type="sibTrans" cxnId="{797B12F8-C618-456D-8172-08FAA851BFCE}">
+      <dgm:prSet/>
+      <dgm:spPr>
+        <a:ln w="76200">
+          <a:solidFill>
+            <a:srgbClr val="37BD4D"/>
+          </a:solidFill>
+        </a:ln>
+      </dgm:spPr>
+      <dgm:t>
+        <a:bodyPr/>
+        <a:lstStyle/>
+        <a:p>
+          <a:endParaRPr lang="es-ES"/>
+        </a:p>
+      </dgm:t>
+    </dgm:pt>
+    <dgm:pt modelId="{109C7D2F-C6D1-413A-8864-72CE514BCD10}">
+      <dgm:prSet phldrT="[Texto]" custT="1"/>
+      <dgm:spPr>
+        <a:solidFill>
+          <a:srgbClr val="37BD4D"/>
+        </a:solidFill>
+      </dgm:spPr>
+      <dgm:t>
+        <a:bodyPr/>
+        <a:lstStyle/>
+        <a:p>
+          <a:pPr marL="0" lvl="0" indent="0" algn="ctr" defTabSz="1778000">
+            <a:lnSpc>
+              <a:spcPct val="90000"/>
+            </a:lnSpc>
+            <a:spcBef>
+              <a:spcPct val="0"/>
+            </a:spcBef>
+            <a:spcAft>
+              <a:spcPct val="35000"/>
+            </a:spcAft>
+            <a:buNone/>
+          </a:pPr>
+          <a:r>
+            <a:rPr lang="en-US" sz="4400" b="1" kern="1200" dirty="0">
+              <a:solidFill>
+                <a:prstClr val="white"/>
+              </a:solidFill>
+              <a:latin typeface="Calibri" panose="020F0502020204030204"/>
+              <a:ea typeface="+mn-ea"/>
+              <a:cs typeface="+mn-cs"/>
+            </a:rPr>
+            <a:t>Debug</a:t>
+          </a:r>
+        </a:p>
+        <a:p>
+          <a:pPr marL="0" lvl="0" algn="ctr" defTabSz="1333500">
+            <a:lnSpc>
+              <a:spcPct val="90000"/>
+            </a:lnSpc>
+            <a:spcBef>
+              <a:spcPct val="0"/>
+            </a:spcBef>
+            <a:spcAft>
+              <a:spcPct val="35000"/>
+            </a:spcAft>
+            <a:buNone/>
+          </a:pPr>
+          <a:r>
+            <a:rPr lang="en-US" sz="3600" kern="1200" dirty="0"/>
+            <a:t>GDB</a:t>
+          </a:r>
+          <a:endParaRPr lang="en-US" sz="3000" kern="1200" dirty="0"/>
+        </a:p>
+        <a:p>
+          <a:pPr marL="0" lvl="0" algn="ctr" defTabSz="1333500">
+            <a:lnSpc>
+              <a:spcPct val="90000"/>
+            </a:lnSpc>
+            <a:spcBef>
+              <a:spcPct val="0"/>
+            </a:spcBef>
+            <a:spcAft>
+              <a:spcPct val="35000"/>
+            </a:spcAft>
+            <a:buNone/>
+          </a:pPr>
+          <a:endParaRPr lang="es-ES" sz="3000" kern="1200" dirty="0"/>
+        </a:p>
+      </dgm:t>
+    </dgm:pt>
+    <dgm:pt modelId="{5EDDDC04-4092-4464-AC19-91AE3C506674}" type="parTrans" cxnId="{FB850B07-76CA-4CF1-8AAE-4481CA9F6536}">
+      <dgm:prSet/>
+      <dgm:spPr/>
+      <dgm:t>
+        <a:bodyPr/>
+        <a:lstStyle/>
+        <a:p>
+          <a:endParaRPr lang="es-ES"/>
+        </a:p>
+      </dgm:t>
+    </dgm:pt>
+    <dgm:pt modelId="{9CCECFB7-68A7-4D36-AEB7-9D002BA2F31C}" type="sibTrans" cxnId="{FB850B07-76CA-4CF1-8AAE-4481CA9F6536}">
+      <dgm:prSet/>
+      <dgm:spPr>
+        <a:ln w="76200">
+          <a:solidFill>
+            <a:srgbClr val="37BD4D"/>
+          </a:solidFill>
+        </a:ln>
+      </dgm:spPr>
+      <dgm:t>
+        <a:bodyPr/>
+        <a:lstStyle/>
+        <a:p>
+          <a:endParaRPr lang="es-ES"/>
+        </a:p>
+      </dgm:t>
+    </dgm:pt>
+    <dgm:pt modelId="{5DEF2712-3605-4131-8CAC-748033978968}">
+      <dgm:prSet custT="1"/>
+      <dgm:spPr>
+        <a:solidFill>
+          <a:srgbClr val="37BD4D"/>
+        </a:solidFill>
+        <a:ln>
+          <a:solidFill>
+            <a:srgbClr val="37BD4D"/>
+          </a:solidFill>
+        </a:ln>
+      </dgm:spPr>
+      <dgm:t>
+        <a:bodyPr/>
+        <a:lstStyle/>
+        <a:p>
+          <a:pPr marL="0" lvl="0" indent="0" algn="ctr" defTabSz="1778000">
+            <a:lnSpc>
+              <a:spcPct val="90000"/>
+            </a:lnSpc>
+            <a:spcBef>
+              <a:spcPct val="0"/>
+            </a:spcBef>
+            <a:spcAft>
+              <a:spcPct val="35000"/>
+            </a:spcAft>
+            <a:buNone/>
+          </a:pPr>
+          <a:r>
+            <a:rPr lang="es-NI" sz="4400" b="1" kern="1200" noProof="0" dirty="0">
+              <a:solidFill>
+                <a:prstClr val="white"/>
+              </a:solidFill>
+              <a:latin typeface="Calibri" panose="020F0502020204030204"/>
+              <a:ea typeface="+mn-ea"/>
+              <a:cs typeface="+mn-cs"/>
+            </a:rPr>
+            <a:t>Herramientas</a:t>
+          </a:r>
+          <a:r>
+            <a:rPr lang="es-NI" sz="4000" kern="1200" noProof="0" dirty="0"/>
+            <a:t>-Control de Versiones (GitHub)</a:t>
+          </a:r>
+          <a:endParaRPr lang="es-NI" sz="3000" kern="1200" noProof="0" dirty="0"/>
+        </a:p>
+      </dgm:t>
+    </dgm:pt>
+    <dgm:pt modelId="{C4CA8A88-D070-4D1B-BF46-D94033688CE1}" type="parTrans" cxnId="{E2A0EAA6-6DBD-4D79-88E2-DB6240E096CC}">
+      <dgm:prSet/>
+      <dgm:spPr/>
+      <dgm:t>
+        <a:bodyPr/>
+        <a:lstStyle/>
+        <a:p>
+          <a:endParaRPr lang="es-ES"/>
+        </a:p>
+      </dgm:t>
+    </dgm:pt>
+    <dgm:pt modelId="{805B202F-069B-45BD-97F1-C25ECACAF32B}" type="sibTrans" cxnId="{E2A0EAA6-6DBD-4D79-88E2-DB6240E096CC}">
+      <dgm:prSet/>
+      <dgm:spPr>
+        <a:ln w="76200">
+          <a:solidFill>
+            <a:srgbClr val="37BD4D"/>
+          </a:solidFill>
+        </a:ln>
+      </dgm:spPr>
+      <dgm:t>
+        <a:bodyPr/>
+        <a:lstStyle/>
+        <a:p>
+          <a:endParaRPr lang="es-ES"/>
+        </a:p>
+      </dgm:t>
+    </dgm:pt>
+    <dgm:pt modelId="{AC618344-5189-46A4-81AF-14D8E0950ECF}">
+      <dgm:prSet phldrT="[Texto]" custT="1"/>
+      <dgm:spPr>
+        <a:solidFill>
+          <a:srgbClr val="37BD4D"/>
+        </a:solidFill>
+      </dgm:spPr>
+      <dgm:t>
+        <a:bodyPr/>
+        <a:lstStyle/>
+        <a:p>
+          <a:pPr algn="ctr"/>
+          <a:r>
+            <a:rPr lang="es-NI" sz="4400" b="1" kern="1200" noProof="0" dirty="0">
+              <a:solidFill>
+                <a:prstClr val="white"/>
+              </a:solidFill>
+              <a:latin typeface="Calibri" panose="020F0502020204030204"/>
+              <a:ea typeface="+mn-ea"/>
+              <a:cs typeface="+mn-cs"/>
+            </a:rPr>
+            <a:t>Editores</a:t>
+          </a:r>
+        </a:p>
+        <a:p>
+          <a:pPr algn="l"/>
+          <a:r>
+            <a:rPr lang="es-NI" sz="3700" kern="1200" noProof="0" dirty="0"/>
+            <a:t>-Editor de código</a:t>
+          </a:r>
+        </a:p>
+        <a:p>
+          <a:pPr algn="l"/>
+          <a:r>
+            <a:rPr lang="es-NI" sz="3700" kern="1200" noProof="0" dirty="0"/>
+            <a:t>-Diseño de UI</a:t>
+          </a:r>
+        </a:p>
+      </dgm:t>
+    </dgm:pt>
+    <dgm:pt modelId="{B4373444-5D92-4230-B217-CA801D4EAE64}" type="sibTrans" cxnId="{97AD4BD7-CCBB-46A8-BB30-2190049E039E}">
+      <dgm:prSet/>
+      <dgm:spPr>
+        <a:ln w="76200">
+          <a:solidFill>
+            <a:srgbClr val="37BD4D"/>
+          </a:solidFill>
+        </a:ln>
+      </dgm:spPr>
+      <dgm:t>
+        <a:bodyPr/>
+        <a:lstStyle/>
+        <a:p>
+          <a:endParaRPr lang="es-ES"/>
+        </a:p>
+      </dgm:t>
+    </dgm:pt>
+    <dgm:pt modelId="{B4A9B734-42C6-4B0E-84F9-80AAE25564CB}" type="parTrans" cxnId="{97AD4BD7-CCBB-46A8-BB30-2190049E039E}">
+      <dgm:prSet/>
+      <dgm:spPr/>
+      <dgm:t>
+        <a:bodyPr/>
+        <a:lstStyle/>
+        <a:p>
+          <a:endParaRPr lang="es-ES"/>
+        </a:p>
+      </dgm:t>
+    </dgm:pt>
+    <dgm:pt modelId="{33770FD0-ECEA-4946-A0B3-3D34A50B8F6C}" type="pres">
+      <dgm:prSet presAssocID="{D4047605-51A8-49DD-B4A3-5140BA1B9770}" presName="cycle" presStyleCnt="0">
+        <dgm:presLayoutVars>
+          <dgm:dir/>
+          <dgm:resizeHandles val="exact"/>
+        </dgm:presLayoutVars>
+      </dgm:prSet>
+      <dgm:spPr/>
+    </dgm:pt>
+    <dgm:pt modelId="{2B763649-1FC0-484D-A2AF-84770351A4E9}" type="pres">
+      <dgm:prSet presAssocID="{81D99D8B-AC0B-439F-BB80-EAEF057628A2}" presName="node" presStyleLbl="node1" presStyleIdx="0" presStyleCnt="6">
+        <dgm:presLayoutVars>
+          <dgm:bulletEnabled val="1"/>
+        </dgm:presLayoutVars>
+      </dgm:prSet>
+      <dgm:spPr/>
+    </dgm:pt>
+    <dgm:pt modelId="{96866815-6EC4-4817-A9A8-A88A94B1DCDA}" type="pres">
+      <dgm:prSet presAssocID="{81D99D8B-AC0B-439F-BB80-EAEF057628A2}" presName="spNode" presStyleCnt="0"/>
+      <dgm:spPr/>
+    </dgm:pt>
+    <dgm:pt modelId="{DF04A0FF-E624-431F-939F-1202DCA0BFDC}" type="pres">
+      <dgm:prSet presAssocID="{5281A7D9-9A73-4809-AFA0-C39092670CA3}" presName="sibTrans" presStyleLbl="sibTrans1D1" presStyleIdx="0" presStyleCnt="6"/>
+      <dgm:spPr/>
+    </dgm:pt>
+    <dgm:pt modelId="{E2CBA7DE-0B34-4714-8F70-BB80C7BAE699}" type="pres">
+      <dgm:prSet presAssocID="{AC618344-5189-46A4-81AF-14D8E0950ECF}" presName="node" presStyleLbl="node1" presStyleIdx="1" presStyleCnt="6" custScaleX="114104" custRadScaleRad="102828" custRadScaleInc="11580">
+        <dgm:presLayoutVars>
+          <dgm:bulletEnabled val="1"/>
+        </dgm:presLayoutVars>
+      </dgm:prSet>
+      <dgm:spPr/>
+    </dgm:pt>
+    <dgm:pt modelId="{F85DAC83-4037-4376-9FE5-8324DB2DEC55}" type="pres">
+      <dgm:prSet presAssocID="{AC618344-5189-46A4-81AF-14D8E0950ECF}" presName="spNode" presStyleCnt="0"/>
+      <dgm:spPr/>
+    </dgm:pt>
+    <dgm:pt modelId="{CC01F395-6CB4-4CC9-AEED-E067E69DAFF2}" type="pres">
+      <dgm:prSet presAssocID="{B4373444-5D92-4230-B217-CA801D4EAE64}" presName="sibTrans" presStyleLbl="sibTrans1D1" presStyleIdx="1" presStyleCnt="6"/>
+      <dgm:spPr/>
+    </dgm:pt>
+    <dgm:pt modelId="{2B608926-AE0D-4172-9DE7-0BFD6CB66A77}" type="pres">
+      <dgm:prSet presAssocID="{CD1BB4D9-4A36-48BB-95B3-3478AEBB3434}" presName="node" presStyleLbl="node1" presStyleIdx="2" presStyleCnt="6" custRadScaleRad="99192" custRadScaleInc="4952">
+        <dgm:presLayoutVars>
+          <dgm:bulletEnabled val="1"/>
+        </dgm:presLayoutVars>
+      </dgm:prSet>
+      <dgm:spPr/>
+    </dgm:pt>
+    <dgm:pt modelId="{F8800823-7F0E-4B73-BEC6-A9C281B3B8F0}" type="pres">
+      <dgm:prSet presAssocID="{CD1BB4D9-4A36-48BB-95B3-3478AEBB3434}" presName="spNode" presStyleCnt="0"/>
+      <dgm:spPr/>
+    </dgm:pt>
+    <dgm:pt modelId="{B280899B-96B4-490C-92A6-8AC6E562D5BD}" type="pres">
+      <dgm:prSet presAssocID="{CF956315-B83B-42DB-A1BA-AE3445E679A2}" presName="sibTrans" presStyleLbl="sibTrans1D1" presStyleIdx="2" presStyleCnt="6"/>
+      <dgm:spPr/>
+    </dgm:pt>
+    <dgm:pt modelId="{C60CFA07-9BFF-42C4-9DED-3006155A0D2A}" type="pres">
+      <dgm:prSet presAssocID="{AFD53041-46AE-4CDC-AB62-E9EE0511F913}" presName="node" presStyleLbl="node1" presStyleIdx="3" presStyleCnt="6" custRadScaleRad="102784">
+        <dgm:presLayoutVars>
+          <dgm:bulletEnabled val="1"/>
+        </dgm:presLayoutVars>
+      </dgm:prSet>
+      <dgm:spPr/>
+    </dgm:pt>
+    <dgm:pt modelId="{10D7213F-3654-4FE3-AB05-EC9E7BE59DB9}" type="pres">
+      <dgm:prSet presAssocID="{AFD53041-46AE-4CDC-AB62-E9EE0511F913}" presName="spNode" presStyleCnt="0"/>
+      <dgm:spPr/>
+    </dgm:pt>
+    <dgm:pt modelId="{094B092C-A75F-4FE3-B438-56E75AC9FEBA}" type="pres">
+      <dgm:prSet presAssocID="{5630ECAC-10A8-43AE-AF3B-4087FB6F2983}" presName="sibTrans" presStyleLbl="sibTrans1D1" presStyleIdx="3" presStyleCnt="6"/>
+      <dgm:spPr/>
+    </dgm:pt>
+    <dgm:pt modelId="{425DDFE0-4DC1-46E1-9B7E-4F0EFB7971CC}" type="pres">
+      <dgm:prSet presAssocID="{5DEF2712-3605-4131-8CAC-748033978968}" presName="node" presStyleLbl="node1" presStyleIdx="4" presStyleCnt="6">
+        <dgm:presLayoutVars>
+          <dgm:bulletEnabled val="1"/>
+        </dgm:presLayoutVars>
+      </dgm:prSet>
+      <dgm:spPr/>
+    </dgm:pt>
+    <dgm:pt modelId="{03CAB868-6417-4112-A226-6768A6873A6F}" type="pres">
+      <dgm:prSet presAssocID="{5DEF2712-3605-4131-8CAC-748033978968}" presName="spNode" presStyleCnt="0"/>
+      <dgm:spPr/>
+    </dgm:pt>
+    <dgm:pt modelId="{F79F62BE-15DA-4526-A026-2E28AA646F2F}" type="pres">
+      <dgm:prSet presAssocID="{805B202F-069B-45BD-97F1-C25ECACAF32B}" presName="sibTrans" presStyleLbl="sibTrans1D1" presStyleIdx="4" presStyleCnt="6"/>
+      <dgm:spPr/>
+    </dgm:pt>
+    <dgm:pt modelId="{BA2305B2-83FC-4D37-9C92-72210D836277}" type="pres">
+      <dgm:prSet presAssocID="{109C7D2F-C6D1-413A-8864-72CE514BCD10}" presName="node" presStyleLbl="node1" presStyleIdx="5" presStyleCnt="6">
+        <dgm:presLayoutVars>
+          <dgm:bulletEnabled val="1"/>
+        </dgm:presLayoutVars>
+      </dgm:prSet>
+      <dgm:spPr/>
+    </dgm:pt>
+    <dgm:pt modelId="{15CD80B4-2F32-4165-AB53-9ABC41B36B3D}" type="pres">
+      <dgm:prSet presAssocID="{109C7D2F-C6D1-413A-8864-72CE514BCD10}" presName="spNode" presStyleCnt="0"/>
+      <dgm:spPr/>
+    </dgm:pt>
+    <dgm:pt modelId="{C6F9D121-BD2A-40C0-958F-5DCCF7568177}" type="pres">
+      <dgm:prSet presAssocID="{9CCECFB7-68A7-4D36-AEB7-9D002BA2F31C}" presName="sibTrans" presStyleLbl="sibTrans1D1" presStyleIdx="5" presStyleCnt="6"/>
+      <dgm:spPr/>
+    </dgm:pt>
+  </dgm:ptLst>
+  <dgm:cxnLst>
+    <dgm:cxn modelId="{FB850B07-76CA-4CF1-8AAE-4481CA9F6536}" srcId="{D4047605-51A8-49DD-B4A3-5140BA1B9770}" destId="{109C7D2F-C6D1-413A-8864-72CE514BCD10}" srcOrd="5" destOrd="0" parTransId="{5EDDDC04-4092-4464-AC19-91AE3C506674}" sibTransId="{9CCECFB7-68A7-4D36-AEB7-9D002BA2F31C}"/>
+    <dgm:cxn modelId="{D6CA2E0C-C4E6-4FE6-92AE-11880B20962F}" type="presOf" srcId="{81D99D8B-AC0B-439F-BB80-EAEF057628A2}" destId="{2B763649-1FC0-484D-A2AF-84770351A4E9}" srcOrd="0" destOrd="0" presId="urn:microsoft.com/office/officeart/2005/8/layout/cycle6"/>
+    <dgm:cxn modelId="{25999513-F056-4232-9FB6-4D554568BDE9}" type="presOf" srcId="{AFD53041-46AE-4CDC-AB62-E9EE0511F913}" destId="{C60CFA07-9BFF-42C4-9DED-3006155A0D2A}" srcOrd="0" destOrd="0" presId="urn:microsoft.com/office/officeart/2005/8/layout/cycle6"/>
+    <dgm:cxn modelId="{1A46C32A-4A02-4C24-97C0-DA2982A46E68}" type="presOf" srcId="{AC618344-5189-46A4-81AF-14D8E0950ECF}" destId="{E2CBA7DE-0B34-4714-8F70-BB80C7BAE699}" srcOrd="0" destOrd="0" presId="urn:microsoft.com/office/officeart/2005/8/layout/cycle6"/>
+    <dgm:cxn modelId="{E57FEC31-6864-4817-B6A2-105CB15CE47A}" type="presOf" srcId="{CD1BB4D9-4A36-48BB-95B3-3478AEBB3434}" destId="{2B608926-AE0D-4172-9DE7-0BFD6CB66A77}" srcOrd="0" destOrd="0" presId="urn:microsoft.com/office/officeart/2005/8/layout/cycle6"/>
+    <dgm:cxn modelId="{34B63B36-A04C-402E-96F8-92E39853DF07}" type="presOf" srcId="{D4047605-51A8-49DD-B4A3-5140BA1B9770}" destId="{33770FD0-ECEA-4946-A0B3-3D34A50B8F6C}" srcOrd="0" destOrd="0" presId="urn:microsoft.com/office/officeart/2005/8/layout/cycle6"/>
+    <dgm:cxn modelId="{17AB4B3E-49B3-4A43-BD67-62DFBB2E763B}" type="presOf" srcId="{B4373444-5D92-4230-B217-CA801D4EAE64}" destId="{CC01F395-6CB4-4CC9-AEED-E067E69DAFF2}" srcOrd="0" destOrd="0" presId="urn:microsoft.com/office/officeart/2005/8/layout/cycle6"/>
+    <dgm:cxn modelId="{B3834240-4CA0-4C33-A263-86550CA34741}" type="presOf" srcId="{9CCECFB7-68A7-4D36-AEB7-9D002BA2F31C}" destId="{C6F9D121-BD2A-40C0-958F-5DCCF7568177}" srcOrd="0" destOrd="0" presId="urn:microsoft.com/office/officeart/2005/8/layout/cycle6"/>
+    <dgm:cxn modelId="{8D0F7169-DBD3-4238-B6AC-6BA8FF16ACA6}" type="presOf" srcId="{CF956315-B83B-42DB-A1BA-AE3445E679A2}" destId="{B280899B-96B4-490C-92A6-8AC6E562D5BD}" srcOrd="0" destOrd="0" presId="urn:microsoft.com/office/officeart/2005/8/layout/cycle6"/>
+    <dgm:cxn modelId="{9CB6E56D-8446-43E1-933E-091E850ED10B}" type="presOf" srcId="{5281A7D9-9A73-4809-AFA0-C39092670CA3}" destId="{DF04A0FF-E624-431F-939F-1202DCA0BFDC}" srcOrd="0" destOrd="0" presId="urn:microsoft.com/office/officeart/2005/8/layout/cycle6"/>
+    <dgm:cxn modelId="{688C9F76-3CBE-4FBF-999C-770D4A60F803}" srcId="{D4047605-51A8-49DD-B4A3-5140BA1B9770}" destId="{CD1BB4D9-4A36-48BB-95B3-3478AEBB3434}" srcOrd="2" destOrd="0" parTransId="{B197BF18-2D26-4CA3-8C84-BD268DE8A4A2}" sibTransId="{CF956315-B83B-42DB-A1BA-AE3445E679A2}"/>
+    <dgm:cxn modelId="{A8D67782-94F9-4FCF-A6F3-A5D96F470115}" type="presOf" srcId="{5630ECAC-10A8-43AE-AF3B-4087FB6F2983}" destId="{094B092C-A75F-4FE3-B438-56E75AC9FEBA}" srcOrd="0" destOrd="0" presId="urn:microsoft.com/office/officeart/2005/8/layout/cycle6"/>
+    <dgm:cxn modelId="{FF1B8A88-6280-439E-91C6-528CCB584A54}" type="presOf" srcId="{5DEF2712-3605-4131-8CAC-748033978968}" destId="{425DDFE0-4DC1-46E1-9B7E-4F0EFB7971CC}" srcOrd="0" destOrd="0" presId="urn:microsoft.com/office/officeart/2005/8/layout/cycle6"/>
+    <dgm:cxn modelId="{D4AB5296-2B5C-4236-8E94-132E90260BCE}" type="presOf" srcId="{805B202F-069B-45BD-97F1-C25ECACAF32B}" destId="{F79F62BE-15DA-4526-A026-2E28AA646F2F}" srcOrd="0" destOrd="0" presId="urn:microsoft.com/office/officeart/2005/8/layout/cycle6"/>
+    <dgm:cxn modelId="{A957D69A-C8CD-41FE-8AE2-7C010041105A}" type="presOf" srcId="{109C7D2F-C6D1-413A-8864-72CE514BCD10}" destId="{BA2305B2-83FC-4D37-9C92-72210D836277}" srcOrd="0" destOrd="0" presId="urn:microsoft.com/office/officeart/2005/8/layout/cycle6"/>
+    <dgm:cxn modelId="{E2A0EAA6-6DBD-4D79-88E2-DB6240E096CC}" srcId="{D4047605-51A8-49DD-B4A3-5140BA1B9770}" destId="{5DEF2712-3605-4131-8CAC-748033978968}" srcOrd="4" destOrd="0" parTransId="{C4CA8A88-D070-4D1B-BF46-D94033688CE1}" sibTransId="{805B202F-069B-45BD-97F1-C25ECACAF32B}"/>
+    <dgm:cxn modelId="{144EE2C8-521C-4AE6-9255-858EDB8A0053}" srcId="{D4047605-51A8-49DD-B4A3-5140BA1B9770}" destId="{81D99D8B-AC0B-439F-BB80-EAEF057628A2}" srcOrd="0" destOrd="0" parTransId="{011534F4-2CC0-4740-871D-97C7DF59061F}" sibTransId="{5281A7D9-9A73-4809-AFA0-C39092670CA3}"/>
+    <dgm:cxn modelId="{97AD4BD7-CCBB-46A8-BB30-2190049E039E}" srcId="{D4047605-51A8-49DD-B4A3-5140BA1B9770}" destId="{AC618344-5189-46A4-81AF-14D8E0950ECF}" srcOrd="1" destOrd="0" parTransId="{B4A9B734-42C6-4B0E-84F9-80AAE25564CB}" sibTransId="{B4373444-5D92-4230-B217-CA801D4EAE64}"/>
+    <dgm:cxn modelId="{797B12F8-C618-456D-8172-08FAA851BFCE}" srcId="{D4047605-51A8-49DD-B4A3-5140BA1B9770}" destId="{AFD53041-46AE-4CDC-AB62-E9EE0511F913}" srcOrd="3" destOrd="0" parTransId="{0B27D6E5-BB6A-47A3-AE6D-87D45B8A4AB3}" sibTransId="{5630ECAC-10A8-43AE-AF3B-4087FB6F2983}"/>
+    <dgm:cxn modelId="{6F3ABFBA-BA14-46A3-BA0C-7A1640A747F0}" type="presParOf" srcId="{33770FD0-ECEA-4946-A0B3-3D34A50B8F6C}" destId="{2B763649-1FC0-484D-A2AF-84770351A4E9}" srcOrd="0" destOrd="0" presId="urn:microsoft.com/office/officeart/2005/8/layout/cycle6"/>
+    <dgm:cxn modelId="{F25A08FA-47C0-4090-B558-E2921E8304A3}" type="presParOf" srcId="{33770FD0-ECEA-4946-A0B3-3D34A50B8F6C}" destId="{96866815-6EC4-4817-A9A8-A88A94B1DCDA}" srcOrd="1" destOrd="0" presId="urn:microsoft.com/office/officeart/2005/8/layout/cycle6"/>
+    <dgm:cxn modelId="{EF61D30F-19BE-42F8-B869-33F3D66E1E37}" type="presParOf" srcId="{33770FD0-ECEA-4946-A0B3-3D34A50B8F6C}" destId="{DF04A0FF-E624-431F-939F-1202DCA0BFDC}" srcOrd="2" destOrd="0" presId="urn:microsoft.com/office/officeart/2005/8/layout/cycle6"/>
+    <dgm:cxn modelId="{E23DC2AC-1DA8-47E9-BEAA-0975FC71EF6F}" type="presParOf" srcId="{33770FD0-ECEA-4946-A0B3-3D34A50B8F6C}" destId="{E2CBA7DE-0B34-4714-8F70-BB80C7BAE699}" srcOrd="3" destOrd="0" presId="urn:microsoft.com/office/officeart/2005/8/layout/cycle6"/>
+    <dgm:cxn modelId="{168CD4FA-BDA9-4A77-9436-0DABFCD3610C}" type="presParOf" srcId="{33770FD0-ECEA-4946-A0B3-3D34A50B8F6C}" destId="{F85DAC83-4037-4376-9FE5-8324DB2DEC55}" srcOrd="4" destOrd="0" presId="urn:microsoft.com/office/officeart/2005/8/layout/cycle6"/>
+    <dgm:cxn modelId="{5686E098-4C33-431E-B0D4-4B5A1AB88C5A}" type="presParOf" srcId="{33770FD0-ECEA-4946-A0B3-3D34A50B8F6C}" destId="{CC01F395-6CB4-4CC9-AEED-E067E69DAFF2}" srcOrd="5" destOrd="0" presId="urn:microsoft.com/office/officeart/2005/8/layout/cycle6"/>
+    <dgm:cxn modelId="{D4730EE1-ADF4-4C68-BB59-5B44D8E738F2}" type="presParOf" srcId="{33770FD0-ECEA-4946-A0B3-3D34A50B8F6C}" destId="{2B608926-AE0D-4172-9DE7-0BFD6CB66A77}" srcOrd="6" destOrd="0" presId="urn:microsoft.com/office/officeart/2005/8/layout/cycle6"/>
+    <dgm:cxn modelId="{A7157BFA-9294-43E8-A04B-2C759CA4CB0A}" type="presParOf" srcId="{33770FD0-ECEA-4946-A0B3-3D34A50B8F6C}" destId="{F8800823-7F0E-4B73-BEC6-A9C281B3B8F0}" srcOrd="7" destOrd="0" presId="urn:microsoft.com/office/officeart/2005/8/layout/cycle6"/>
+    <dgm:cxn modelId="{9DE7815A-5522-4780-AC8F-69D9D486D22C}" type="presParOf" srcId="{33770FD0-ECEA-4946-A0B3-3D34A50B8F6C}" destId="{B280899B-96B4-490C-92A6-8AC6E562D5BD}" srcOrd="8" destOrd="0" presId="urn:microsoft.com/office/officeart/2005/8/layout/cycle6"/>
+    <dgm:cxn modelId="{3E8EDEF2-48BD-48B0-888F-A8F320C4A7F2}" type="presParOf" srcId="{33770FD0-ECEA-4946-A0B3-3D34A50B8F6C}" destId="{C60CFA07-9BFF-42C4-9DED-3006155A0D2A}" srcOrd="9" destOrd="0" presId="urn:microsoft.com/office/officeart/2005/8/layout/cycle6"/>
+    <dgm:cxn modelId="{4074936B-4215-40DD-AAEB-C25EDE0E21D6}" type="presParOf" srcId="{33770FD0-ECEA-4946-A0B3-3D34A50B8F6C}" destId="{10D7213F-3654-4FE3-AB05-EC9E7BE59DB9}" srcOrd="10" destOrd="0" presId="urn:microsoft.com/office/officeart/2005/8/layout/cycle6"/>
+    <dgm:cxn modelId="{A5FF6FDC-F36A-49C9-B1D6-CC3707BAA11E}" type="presParOf" srcId="{33770FD0-ECEA-4946-A0B3-3D34A50B8F6C}" destId="{094B092C-A75F-4FE3-B438-56E75AC9FEBA}" srcOrd="11" destOrd="0" presId="urn:microsoft.com/office/officeart/2005/8/layout/cycle6"/>
+    <dgm:cxn modelId="{16B276FE-3060-4B6C-AB2F-935EE72E0B79}" type="presParOf" srcId="{33770FD0-ECEA-4946-A0B3-3D34A50B8F6C}" destId="{425DDFE0-4DC1-46E1-9B7E-4F0EFB7971CC}" srcOrd="12" destOrd="0" presId="urn:microsoft.com/office/officeart/2005/8/layout/cycle6"/>
+    <dgm:cxn modelId="{B8343D64-24AB-4475-B4C1-F0C81B1C4B06}" type="presParOf" srcId="{33770FD0-ECEA-4946-A0B3-3D34A50B8F6C}" destId="{03CAB868-6417-4112-A226-6768A6873A6F}" srcOrd="13" destOrd="0" presId="urn:microsoft.com/office/officeart/2005/8/layout/cycle6"/>
+    <dgm:cxn modelId="{4CD85EB8-3EBB-405F-B934-EF1D9E079AE7}" type="presParOf" srcId="{33770FD0-ECEA-4946-A0B3-3D34A50B8F6C}" destId="{F79F62BE-15DA-4526-A026-2E28AA646F2F}" srcOrd="14" destOrd="0" presId="urn:microsoft.com/office/officeart/2005/8/layout/cycle6"/>
+    <dgm:cxn modelId="{CC0C75ED-B87A-43A2-B8E4-DA0083102101}" type="presParOf" srcId="{33770FD0-ECEA-4946-A0B3-3D34A50B8F6C}" destId="{BA2305B2-83FC-4D37-9C92-72210D836277}" srcOrd="15" destOrd="0" presId="urn:microsoft.com/office/officeart/2005/8/layout/cycle6"/>
+    <dgm:cxn modelId="{903BC86C-3268-405F-B9FB-197A86EB648A}" type="presParOf" srcId="{33770FD0-ECEA-4946-A0B3-3D34A50B8F6C}" destId="{15CD80B4-2F32-4165-AB53-9ABC41B36B3D}" srcOrd="16" destOrd="0" presId="urn:microsoft.com/office/officeart/2005/8/layout/cycle6"/>
+    <dgm:cxn modelId="{C1679650-C173-46DA-B39A-555516FD27DB}" type="presParOf" srcId="{33770FD0-ECEA-4946-A0B3-3D34A50B8F6C}" destId="{C6F9D121-BD2A-40C0-958F-5DCCF7568177}" srcOrd="17" destOrd="0" presId="urn:microsoft.com/office/officeart/2005/8/layout/cycle6"/>
+  </dgm:cxnLst>
+  <dgm:bg/>
+  <dgm:whole>
+    <a:ln w="57150"/>
+  </dgm:whole>
+  <dgm:extLst>
+    <a:ext uri="http://schemas.microsoft.com/office/drawing/2008/diagram">
+      <dsp:dataModelExt xmlns:dsp="http://schemas.microsoft.com/office/drawing/2008/diagram" relId="rId6" minVer="http://schemas.openxmlformats.org/drawingml/2006/diagram"/>
+    </a:ext>
+    <a:ext uri="{C62137D5-CB1D-491B-B009-E17868A290BF}">
+      <dgm14:recolorImg xmlns:dgm14="http://schemas.microsoft.com/office/drawing/2010/diagram" val="1"/>
+    </a:ext>
+  </dgm:extLst>
+</dgm:dataModel>
+</file>
+
+<file path=ppt/diagrams/drawing1.xml><?xml version="1.0" encoding="utf-8"?>
+<dsp:drawing xmlns:dgm="http://schemas.openxmlformats.org/drawingml/2006/diagram" xmlns:dsp="http://schemas.microsoft.com/office/drawing/2008/diagram" xmlns:a="http://schemas.openxmlformats.org/drawingml/2006/main">
+  <dsp:spTree>
+    <dsp:nvGrpSpPr>
+      <dsp:cNvPr id="0" name=""/>
+      <dsp:cNvGrpSpPr/>
+    </dsp:nvGrpSpPr>
+    <dsp:grpSpPr/>
+    <dsp:sp modelId="{2B763649-1FC0-484D-A2AF-84770351A4E9}">
+      <dsp:nvSpPr>
+        <dsp:cNvPr id="0" name=""/>
+        <dsp:cNvSpPr/>
+      </dsp:nvSpPr>
+      <dsp:spPr>
+        <a:xfrm>
+          <a:off x="8410104" y="6972"/>
+          <a:ext cx="3735940" cy="2428361"/>
+        </a:xfrm>
+        <a:prstGeom prst="roundRect">
+          <a:avLst/>
+        </a:prstGeom>
+        <a:solidFill>
+          <a:srgbClr val="37BD4D"/>
+        </a:solidFill>
+        <a:ln w="19050" cap="flat" cmpd="sng" algn="ctr">
+          <a:solidFill>
+            <a:schemeClr val="lt1">
+              <a:hueOff val="0"/>
+              <a:satOff val="0"/>
+              <a:lumOff val="0"/>
+              <a:alphaOff val="0"/>
+            </a:schemeClr>
+          </a:solidFill>
+          <a:prstDash val="solid"/>
+          <a:miter lim="800000"/>
+        </a:ln>
+        <a:effectLst/>
+      </dsp:spPr>
+      <dsp:style>
+        <a:lnRef idx="3">
+          <a:scrgbClr r="0" g="0" b="0"/>
+        </a:lnRef>
+        <a:fillRef idx="1">
+          <a:scrgbClr r="0" g="0" b="0"/>
+        </a:fillRef>
+        <a:effectRef idx="1">
+          <a:scrgbClr r="0" g="0" b="0"/>
+        </a:effectRef>
+        <a:fontRef idx="minor">
+          <a:schemeClr val="lt1"/>
+        </a:fontRef>
+      </dsp:style>
+      <dsp:txBody>
+        <a:bodyPr spcFirstLastPara="0" vert="horz" wrap="square" lIns="167640" tIns="167640" rIns="167640" bIns="167640" numCol="1" spcCol="1270" anchor="ctr" anchorCtr="0">
+          <a:noAutofit/>
+        </a:bodyPr>
+        <a:lstStyle/>
+        <a:p>
+          <a:pPr marL="0" lvl="0" indent="0" algn="ctr" defTabSz="1955800">
+            <a:lnSpc>
+              <a:spcPct val="90000"/>
+            </a:lnSpc>
+            <a:spcBef>
+              <a:spcPct val="0"/>
+            </a:spcBef>
+            <a:spcAft>
+              <a:spcPct val="35000"/>
+            </a:spcAft>
+            <a:buNone/>
+          </a:pPr>
+          <a:r>
+            <a:rPr lang="es-NI" sz="4400" b="1" kern="1200" noProof="0" dirty="0"/>
+            <a:t>Proyectos</a:t>
+          </a:r>
+          <a:endParaRPr lang="es-NI" sz="3400" b="1" kern="1200" noProof="0" dirty="0"/>
+        </a:p>
+        <a:p>
+          <a:pPr marL="0" lvl="0" indent="0" algn="l" defTabSz="1955800">
+            <a:lnSpc>
+              <a:spcPct val="90000"/>
+            </a:lnSpc>
+            <a:spcBef>
+              <a:spcPct val="0"/>
+            </a:spcBef>
+            <a:spcAft>
+              <a:spcPct val="35000"/>
+            </a:spcAft>
+            <a:buNone/>
+          </a:pPr>
+          <a:r>
+            <a:rPr lang="en-US" sz="3400" b="1" i="1" kern="1200" dirty="0"/>
+            <a:t>-</a:t>
+          </a:r>
+          <a:r>
+            <a:rPr lang="en-US" sz="3400" b="1" i="1" kern="1200" dirty="0" err="1"/>
+            <a:t>QMake</a:t>
+          </a:r>
+          <a:endParaRPr lang="en-US" sz="3400" b="1" i="1" kern="1200" dirty="0"/>
+        </a:p>
+        <a:p>
+          <a:pPr marL="0" lvl="0" indent="0" algn="l" defTabSz="1955800">
+            <a:lnSpc>
+              <a:spcPct val="90000"/>
+            </a:lnSpc>
+            <a:spcBef>
+              <a:spcPct val="0"/>
+            </a:spcBef>
+            <a:spcAft>
+              <a:spcPct val="35000"/>
+            </a:spcAft>
+            <a:buNone/>
+          </a:pPr>
+          <a:r>
+            <a:rPr lang="en-US" sz="3400" b="1" i="1" kern="1200" dirty="0"/>
+            <a:t>-</a:t>
+          </a:r>
+          <a:r>
+            <a:rPr lang="en-US" sz="3400" b="1" i="1" kern="1200" dirty="0" err="1"/>
+            <a:t>CMake</a:t>
+          </a:r>
+          <a:r>
+            <a:rPr lang="en-US" sz="3400" b="1" i="1" kern="1200" dirty="0"/>
+            <a:t> </a:t>
+          </a:r>
+        </a:p>
+        <a:p>
+          <a:pPr marL="0" lvl="0" indent="0" algn="ctr" defTabSz="1955800">
+            <a:lnSpc>
+              <a:spcPct val="90000"/>
+            </a:lnSpc>
+            <a:spcBef>
+              <a:spcPct val="0"/>
+            </a:spcBef>
+            <a:spcAft>
+              <a:spcPct val="35000"/>
+            </a:spcAft>
+            <a:buNone/>
+          </a:pPr>
+          <a:endParaRPr lang="es-ES" sz="3400" kern="1200" dirty="0"/>
+        </a:p>
+      </dsp:txBody>
+      <dsp:txXfrm>
+        <a:off x="8528647" y="125515"/>
+        <a:ext cx="3498854" cy="2191275"/>
+      </dsp:txXfrm>
+    </dsp:sp>
+    <dsp:sp modelId="{DF04A0FF-E624-431F-939F-1202DCA0BFDC}">
+      <dsp:nvSpPr>
+        <dsp:cNvPr id="0" name=""/>
+        <dsp:cNvSpPr/>
+      </dsp:nvSpPr>
+      <dsp:spPr>
+        <a:xfrm>
+          <a:off x="4875959" y="1320773"/>
+          <a:ext cx="11440382" cy="11440382"/>
+        </a:xfrm>
+        <a:custGeom>
+          <a:avLst/>
+          <a:gdLst/>
+          <a:ahLst/>
+          <a:cxnLst/>
+          <a:rect l="0" t="0" r="0" b="0"/>
+          <a:pathLst>
+            <a:path>
+              <a:moveTo>
+                <a:pt x="7297876" y="221873"/>
+              </a:moveTo>
+              <a:arcTo wR="5720191" hR="5720191" stAng="17160617" swAng="1720540"/>
+            </a:path>
+          </a:pathLst>
+        </a:custGeom>
+        <a:noFill/>
+        <a:ln w="76200" cap="flat" cmpd="sng" algn="ctr">
+          <a:solidFill>
+            <a:srgbClr val="37BD4D"/>
+          </a:solidFill>
+          <a:prstDash val="solid"/>
+          <a:miter lim="800000"/>
+        </a:ln>
+        <a:effectLst/>
+      </dsp:spPr>
+      <dsp:style>
+        <a:lnRef idx="1">
+          <a:scrgbClr r="0" g="0" b="0"/>
+        </a:lnRef>
+        <a:fillRef idx="0">
+          <a:scrgbClr r="0" g="0" b="0"/>
+        </a:fillRef>
+        <a:effectRef idx="0">
+          <a:scrgbClr r="0" g="0" b="0"/>
+        </a:effectRef>
+        <a:fontRef idx="minor"/>
+      </dsp:style>
+    </dsp:sp>
+    <dsp:sp modelId="{E2CBA7DE-0B34-4714-8F70-BB80C7BAE699}">
+      <dsp:nvSpPr>
+        <dsp:cNvPr id="0" name=""/>
+        <dsp:cNvSpPr/>
+      </dsp:nvSpPr>
+      <dsp:spPr>
+        <a:xfrm>
+          <a:off x="13355258" y="2994436"/>
+          <a:ext cx="4262857" cy="2428361"/>
+        </a:xfrm>
+        <a:prstGeom prst="roundRect">
+          <a:avLst/>
+        </a:prstGeom>
+        <a:solidFill>
+          <a:srgbClr val="37BD4D"/>
+        </a:solidFill>
+        <a:ln w="19050" cap="flat" cmpd="sng" algn="ctr">
+          <a:solidFill>
+            <a:schemeClr val="lt1">
+              <a:hueOff val="0"/>
+              <a:satOff val="0"/>
+              <a:lumOff val="0"/>
+              <a:alphaOff val="0"/>
+            </a:schemeClr>
+          </a:solidFill>
+          <a:prstDash val="solid"/>
+          <a:miter lim="800000"/>
+        </a:ln>
+        <a:effectLst/>
+      </dsp:spPr>
+      <dsp:style>
+        <a:lnRef idx="3">
+          <a:scrgbClr r="0" g="0" b="0"/>
+        </a:lnRef>
+        <a:fillRef idx="1">
+          <a:scrgbClr r="0" g="0" b="0"/>
+        </a:fillRef>
+        <a:effectRef idx="1">
+          <a:scrgbClr r="0" g="0" b="0"/>
+        </a:effectRef>
+        <a:fontRef idx="minor">
+          <a:schemeClr val="lt1"/>
+        </a:fontRef>
+      </dsp:style>
+      <dsp:txBody>
+        <a:bodyPr spcFirstLastPara="0" vert="horz" wrap="square" lIns="167640" tIns="167640" rIns="167640" bIns="167640" numCol="1" spcCol="1270" anchor="ctr" anchorCtr="0">
+          <a:noAutofit/>
+        </a:bodyPr>
+        <a:lstStyle/>
+        <a:p>
+          <a:pPr marL="0" lvl="0" indent="0" algn="ctr" defTabSz="1955800">
+            <a:lnSpc>
+              <a:spcPct val="90000"/>
+            </a:lnSpc>
+            <a:spcBef>
+              <a:spcPct val="0"/>
+            </a:spcBef>
+            <a:spcAft>
+              <a:spcPct val="35000"/>
+            </a:spcAft>
+            <a:buNone/>
+          </a:pPr>
+          <a:r>
+            <a:rPr lang="es-NI" sz="4400" b="1" kern="1200" noProof="0" dirty="0">
+              <a:solidFill>
+                <a:prstClr val="white"/>
+              </a:solidFill>
+              <a:latin typeface="Calibri" panose="020F0502020204030204"/>
+              <a:ea typeface="+mn-ea"/>
+              <a:cs typeface="+mn-cs"/>
+            </a:rPr>
+            <a:t>Editores</a:t>
+          </a:r>
+        </a:p>
+        <a:p>
+          <a:pPr marL="0" lvl="0" indent="0" algn="l" defTabSz="1955800">
+            <a:lnSpc>
+              <a:spcPct val="90000"/>
+            </a:lnSpc>
+            <a:spcBef>
+              <a:spcPct val="0"/>
+            </a:spcBef>
+            <a:spcAft>
+              <a:spcPct val="35000"/>
+            </a:spcAft>
+            <a:buNone/>
+          </a:pPr>
+          <a:r>
+            <a:rPr lang="es-NI" sz="3700" kern="1200" noProof="0" dirty="0"/>
+            <a:t>-Editor de código</a:t>
+          </a:r>
+        </a:p>
+        <a:p>
+          <a:pPr marL="0" lvl="0" indent="0" algn="l" defTabSz="1955800">
+            <a:lnSpc>
+              <a:spcPct val="90000"/>
+            </a:lnSpc>
+            <a:spcBef>
+              <a:spcPct val="0"/>
+            </a:spcBef>
+            <a:spcAft>
+              <a:spcPct val="35000"/>
+            </a:spcAft>
+            <a:buNone/>
+          </a:pPr>
+          <a:r>
+            <a:rPr lang="es-NI" sz="3700" kern="1200" noProof="0" dirty="0"/>
+            <a:t>-Diseño de UI</a:t>
+          </a:r>
+        </a:p>
+      </dsp:txBody>
+      <dsp:txXfrm>
+        <a:off x="13473801" y="3112979"/>
+        <a:ext cx="4025771" cy="2191275"/>
+      </dsp:txXfrm>
+    </dsp:sp>
+    <dsp:sp modelId="{CC01F395-6CB4-4CC9-AEED-E067E69DAFF2}">
+      <dsp:nvSpPr>
+        <dsp:cNvPr id="0" name=""/>
+        <dsp:cNvSpPr/>
+      </dsp:nvSpPr>
+      <dsp:spPr>
+        <a:xfrm>
+          <a:off x="4637600" y="855331"/>
+          <a:ext cx="11440382" cy="11440382"/>
+        </a:xfrm>
+        <a:custGeom>
+          <a:avLst/>
+          <a:gdLst/>
+          <a:ahLst/>
+          <a:cxnLst/>
+          <a:rect l="0" t="0" r="0" b="0"/>
+          <a:pathLst>
+            <a:path>
+              <a:moveTo>
+                <a:pt x="11329464" y="4599193"/>
+              </a:moveTo>
+              <a:arcTo wR="5720191" hR="5720191" stAng="20921909" swAng="1933586"/>
+            </a:path>
+          </a:pathLst>
+        </a:custGeom>
+        <a:noFill/>
+        <a:ln w="76200" cap="flat" cmpd="sng" algn="ctr">
+          <a:solidFill>
+            <a:srgbClr val="37BD4D"/>
+          </a:solidFill>
+          <a:prstDash val="solid"/>
+          <a:miter lim="800000"/>
+        </a:ln>
+        <a:effectLst/>
+      </dsp:spPr>
+      <dsp:style>
+        <a:lnRef idx="1">
+          <a:scrgbClr r="0" g="0" b="0"/>
+        </a:lnRef>
+        <a:fillRef idx="0">
+          <a:scrgbClr r="0" g="0" b="0"/>
+        </a:fillRef>
+        <a:effectRef idx="0">
+          <a:scrgbClr r="0" g="0" b="0"/>
+        </a:effectRef>
+        <a:fontRef idx="minor"/>
+      </dsp:style>
+    </dsp:sp>
+    <dsp:sp modelId="{2B608926-AE0D-4172-9DE7-0BFD6CB66A77}">
+      <dsp:nvSpPr>
+        <dsp:cNvPr id="0" name=""/>
+        <dsp:cNvSpPr/>
+      </dsp:nvSpPr>
+      <dsp:spPr>
+        <a:xfrm>
+          <a:off x="13274137" y="8648660"/>
+          <a:ext cx="3735940" cy="2428361"/>
+        </a:xfrm>
+        <a:prstGeom prst="roundRect">
+          <a:avLst/>
+        </a:prstGeom>
+        <a:solidFill>
+          <a:srgbClr val="37BD4D"/>
+        </a:solidFill>
+        <a:ln w="19050" cap="flat" cmpd="sng" algn="ctr">
+          <a:solidFill>
+            <a:schemeClr val="lt1">
+              <a:hueOff val="0"/>
+              <a:satOff val="0"/>
+              <a:lumOff val="0"/>
+              <a:alphaOff val="0"/>
+            </a:schemeClr>
+          </a:solidFill>
+          <a:prstDash val="solid"/>
+          <a:miter lim="800000"/>
+        </a:ln>
+        <a:effectLst/>
+      </dsp:spPr>
+      <dsp:style>
+        <a:lnRef idx="3">
+          <a:scrgbClr r="0" g="0" b="0"/>
+        </a:lnRef>
+        <a:fillRef idx="1">
+          <a:scrgbClr r="0" g="0" b="0"/>
+        </a:fillRef>
+        <a:effectRef idx="1">
+          <a:scrgbClr r="0" g="0" b="0"/>
+        </a:effectRef>
+        <a:fontRef idx="minor">
+          <a:schemeClr val="lt1"/>
+        </a:fontRef>
+      </dsp:style>
+      <dsp:txBody>
+        <a:bodyPr spcFirstLastPara="0" vert="horz" wrap="square" lIns="167640" tIns="167640" rIns="167640" bIns="167640" numCol="1" spcCol="1270" anchor="ctr" anchorCtr="0">
+          <a:noAutofit/>
+        </a:bodyPr>
+        <a:lstStyle/>
+        <a:p>
+          <a:pPr marL="0" lvl="0" indent="0" algn="ctr" defTabSz="1778000">
+            <a:lnSpc>
+              <a:spcPct val="90000"/>
+            </a:lnSpc>
+            <a:spcBef>
+              <a:spcPct val="0"/>
+            </a:spcBef>
+            <a:spcAft>
+              <a:spcPct val="35000"/>
+            </a:spcAft>
+            <a:buNone/>
+          </a:pPr>
+          <a:r>
+            <a:rPr lang="es-NI" sz="4400" b="1" kern="1200" noProof="0" dirty="0">
+              <a:solidFill>
+                <a:prstClr val="white"/>
+              </a:solidFill>
+              <a:latin typeface="Calibri" panose="020F0502020204030204"/>
+              <a:ea typeface="+mn-ea"/>
+              <a:cs typeface="+mn-cs"/>
+            </a:rPr>
+            <a:t>Lenguajes</a:t>
+          </a:r>
+          <a:endParaRPr lang="es-NI" sz="4000" b="1" kern="1200" noProof="0" dirty="0">
+            <a:solidFill>
+              <a:prstClr val="white"/>
+            </a:solidFill>
+            <a:latin typeface="Calibri" panose="020F0502020204030204"/>
+            <a:ea typeface="+mn-ea"/>
+            <a:cs typeface="+mn-cs"/>
+          </a:endParaRPr>
+        </a:p>
+        <a:p>
+          <a:pPr marL="0" lvl="0" algn="l" defTabSz="1644650">
+            <a:lnSpc>
+              <a:spcPct val="90000"/>
+            </a:lnSpc>
+            <a:spcBef>
+              <a:spcPct val="0"/>
+            </a:spcBef>
+            <a:spcAft>
+              <a:spcPct val="35000"/>
+            </a:spcAft>
+            <a:buNone/>
+          </a:pPr>
+          <a:r>
+            <a:rPr lang="es-NI" sz="3700" kern="1200" noProof="0" dirty="0"/>
+            <a:t>-C++ </a:t>
+          </a:r>
+        </a:p>
+        <a:p>
+          <a:pPr marL="0" lvl="0" algn="l" defTabSz="1644650">
+            <a:lnSpc>
+              <a:spcPct val="90000"/>
+            </a:lnSpc>
+            <a:spcBef>
+              <a:spcPct val="0"/>
+            </a:spcBef>
+            <a:spcAft>
+              <a:spcPct val="35000"/>
+            </a:spcAft>
+            <a:buNone/>
+          </a:pPr>
+          <a:r>
+            <a:rPr lang="es-NI" sz="3700" kern="1200" noProof="0" dirty="0"/>
+            <a:t>-QML</a:t>
+          </a:r>
+        </a:p>
+      </dsp:txBody>
+      <dsp:txXfrm>
+        <a:off x="13392680" y="8767203"/>
+        <a:ext cx="3498854" cy="2191275"/>
+      </dsp:txXfrm>
+    </dsp:sp>
+    <dsp:sp modelId="{B280899B-96B4-490C-92A6-8AC6E562D5BD}">
+      <dsp:nvSpPr>
+        <dsp:cNvPr id="0" name=""/>
+        <dsp:cNvSpPr/>
+      </dsp:nvSpPr>
+      <dsp:spPr>
+        <a:xfrm>
+          <a:off x="4439137" y="1271027"/>
+          <a:ext cx="11440382" cy="11440382"/>
+        </a:xfrm>
+        <a:custGeom>
+          <a:avLst/>
+          <a:gdLst/>
+          <a:ahLst/>
+          <a:cxnLst/>
+          <a:rect l="0" t="0" r="0" b="0"/>
+          <a:pathLst>
+            <a:path>
+              <a:moveTo>
+                <a:pt x="9706450" y="9822668"/>
+              </a:moveTo>
+              <a:arcTo wR="5720191" hR="5720191" stAng="2749390" swAng="1416865"/>
+            </a:path>
+          </a:pathLst>
+        </a:custGeom>
+        <a:noFill/>
+        <a:ln w="76200" cap="flat" cmpd="sng" algn="ctr">
+          <a:solidFill>
+            <a:srgbClr val="37BD4D"/>
+          </a:solidFill>
+          <a:prstDash val="solid"/>
+          <a:miter lim="800000"/>
+        </a:ln>
+        <a:effectLst/>
+      </dsp:spPr>
+      <dsp:style>
+        <a:lnRef idx="1">
+          <a:scrgbClr r="0" g="0" b="0"/>
+        </a:lnRef>
+        <a:fillRef idx="0">
+          <a:scrgbClr r="0" g="0" b="0"/>
+        </a:fillRef>
+        <a:effectRef idx="0">
+          <a:scrgbClr r="0" g="0" b="0"/>
+        </a:effectRef>
+        <a:fontRef idx="minor"/>
+      </dsp:style>
+    </dsp:sp>
+    <dsp:sp modelId="{C60CFA07-9BFF-42C4-9DED-3006155A0D2A}">
+      <dsp:nvSpPr>
+        <dsp:cNvPr id="0" name=""/>
+        <dsp:cNvSpPr/>
+      </dsp:nvSpPr>
+      <dsp:spPr>
+        <a:xfrm>
+          <a:off x="8410104" y="11454327"/>
+          <a:ext cx="3735940" cy="2428361"/>
+        </a:xfrm>
+        <a:prstGeom prst="roundRect">
+          <a:avLst/>
+        </a:prstGeom>
+        <a:solidFill>
+          <a:srgbClr val="37BD4D"/>
+        </a:solidFill>
+        <a:ln w="19050" cap="flat" cmpd="sng" algn="ctr">
+          <a:solidFill>
+            <a:schemeClr val="lt1">
+              <a:hueOff val="0"/>
+              <a:satOff val="0"/>
+              <a:lumOff val="0"/>
+              <a:alphaOff val="0"/>
+            </a:schemeClr>
+          </a:solidFill>
+          <a:prstDash val="solid"/>
+          <a:miter lim="800000"/>
+        </a:ln>
+        <a:effectLst/>
+      </dsp:spPr>
+      <dsp:style>
+        <a:lnRef idx="3">
+          <a:scrgbClr r="0" g="0" b="0"/>
+        </a:lnRef>
+        <a:fillRef idx="1">
+          <a:scrgbClr r="0" g="0" b="0"/>
+        </a:fillRef>
+        <a:effectRef idx="1">
+          <a:scrgbClr r="0" g="0" b="0"/>
+        </a:effectRef>
+        <a:fontRef idx="minor">
+          <a:schemeClr val="lt1"/>
+        </a:fontRef>
+      </dsp:style>
+      <dsp:txBody>
+        <a:bodyPr spcFirstLastPara="0" vert="horz" wrap="square" lIns="167640" tIns="167640" rIns="167640" bIns="167640" numCol="1" spcCol="1270" anchor="ctr" anchorCtr="0">
+          <a:noAutofit/>
+        </a:bodyPr>
+        <a:lstStyle/>
+        <a:p>
+          <a:pPr marL="0" lvl="0" indent="0" algn="ctr" defTabSz="1955800">
+            <a:lnSpc>
+              <a:spcPct val="90000"/>
+            </a:lnSpc>
+            <a:spcBef>
+              <a:spcPct val="0"/>
+            </a:spcBef>
+            <a:spcAft>
+              <a:spcPct val="35000"/>
+            </a:spcAft>
+            <a:buNone/>
+          </a:pPr>
+          <a:r>
+            <a:rPr lang="es-NI" sz="4400" b="1" kern="1200" noProof="0" dirty="0">
+              <a:solidFill>
+                <a:prstClr val="white"/>
+              </a:solidFill>
+              <a:latin typeface="Calibri" panose="020F0502020204030204"/>
+              <a:ea typeface="+mn-ea"/>
+              <a:cs typeface="+mn-cs"/>
+            </a:rPr>
+            <a:t>Sistemas</a:t>
+          </a:r>
+        </a:p>
+        <a:p>
+          <a:pPr marL="0" lvl="0" indent="0" algn="ctr" defTabSz="1955800">
+            <a:lnSpc>
+              <a:spcPct val="90000"/>
+            </a:lnSpc>
+            <a:spcBef>
+              <a:spcPct val="0"/>
+            </a:spcBef>
+            <a:spcAft>
+              <a:spcPct val="35000"/>
+            </a:spcAft>
+            <a:buNone/>
+          </a:pPr>
+          <a:r>
+            <a:rPr lang="es-NI" sz="3700" kern="1200" noProof="0" dirty="0"/>
+            <a:t>Escritorio</a:t>
+          </a:r>
+        </a:p>
+        <a:p>
+          <a:pPr marL="0" lvl="0" indent="0" algn="ctr" defTabSz="1955800">
+            <a:lnSpc>
+              <a:spcPct val="90000"/>
+            </a:lnSpc>
+            <a:spcBef>
+              <a:spcPct val="0"/>
+            </a:spcBef>
+            <a:spcAft>
+              <a:spcPct val="35000"/>
+            </a:spcAft>
+            <a:buNone/>
+          </a:pPr>
+          <a:r>
+            <a:rPr lang="es-NI" sz="3700" kern="1200" noProof="0" dirty="0"/>
+            <a:t>Móviles</a:t>
+          </a:r>
+        </a:p>
+      </dsp:txBody>
+      <dsp:txXfrm>
+        <a:off x="8528647" y="11572870"/>
+        <a:ext cx="3498854" cy="2191275"/>
+      </dsp:txXfrm>
+    </dsp:sp>
+    <dsp:sp modelId="{094B092C-A75F-4FE3-B438-56E75AC9FEBA}">
+      <dsp:nvSpPr>
+        <dsp:cNvPr id="0" name=""/>
+        <dsp:cNvSpPr/>
+      </dsp:nvSpPr>
+      <dsp:spPr>
+        <a:xfrm>
+          <a:off x="4569381" y="1232515"/>
+          <a:ext cx="11440382" cy="11440382"/>
+        </a:xfrm>
+        <a:custGeom>
+          <a:avLst/>
+          <a:gdLst/>
+          <a:ahLst/>
+          <a:cxnLst/>
+          <a:rect l="0" t="0" r="0" b="0"/>
+          <a:pathLst>
+            <a:path>
+              <a:moveTo>
+                <a:pt x="3816838" y="11114432"/>
+              </a:moveTo>
+              <a:arcTo wR="5720191" hR="5720191" stAng="6566120" swAng="1503228"/>
+            </a:path>
+          </a:pathLst>
+        </a:custGeom>
+        <a:noFill/>
+        <a:ln w="76200" cap="flat" cmpd="sng" algn="ctr">
+          <a:solidFill>
+            <a:srgbClr val="37BD4D"/>
+          </a:solidFill>
+          <a:prstDash val="solid"/>
+          <a:miter lim="800000"/>
+        </a:ln>
+        <a:effectLst/>
+      </dsp:spPr>
+      <dsp:style>
+        <a:lnRef idx="1">
+          <a:scrgbClr r="0" g="0" b="0"/>
+        </a:lnRef>
+        <a:fillRef idx="0">
+          <a:scrgbClr r="0" g="0" b="0"/>
+        </a:fillRef>
+        <a:effectRef idx="0">
+          <a:scrgbClr r="0" g="0" b="0"/>
+        </a:effectRef>
+        <a:fontRef idx="minor"/>
+      </dsp:style>
+    </dsp:sp>
+    <dsp:sp modelId="{425DDFE0-4DC1-46E1-9B7E-4F0EFB7971CC}">
+      <dsp:nvSpPr>
+        <dsp:cNvPr id="0" name=""/>
+        <dsp:cNvSpPr/>
+      </dsp:nvSpPr>
+      <dsp:spPr>
+        <a:xfrm>
+          <a:off x="3456274" y="8587259"/>
+          <a:ext cx="3735940" cy="2428361"/>
+        </a:xfrm>
+        <a:prstGeom prst="roundRect">
+          <a:avLst/>
+        </a:prstGeom>
+        <a:solidFill>
+          <a:srgbClr val="37BD4D"/>
+        </a:solidFill>
+        <a:ln w="19050" cap="flat" cmpd="sng" algn="ctr">
+          <a:solidFill>
+            <a:srgbClr val="37BD4D"/>
+          </a:solidFill>
+          <a:prstDash val="solid"/>
+          <a:miter lim="800000"/>
+        </a:ln>
+        <a:effectLst/>
+      </dsp:spPr>
+      <dsp:style>
+        <a:lnRef idx="3">
+          <a:scrgbClr r="0" g="0" b="0"/>
+        </a:lnRef>
+        <a:fillRef idx="1">
+          <a:scrgbClr r="0" g="0" b="0"/>
+        </a:fillRef>
+        <a:effectRef idx="1">
+          <a:scrgbClr r="0" g="0" b="0"/>
+        </a:effectRef>
+        <a:fontRef idx="minor">
+          <a:schemeClr val="lt1"/>
+        </a:fontRef>
+      </dsp:style>
+      <dsp:txBody>
+        <a:bodyPr spcFirstLastPara="0" vert="horz" wrap="square" lIns="167640" tIns="167640" rIns="167640" bIns="167640" numCol="1" spcCol="1270" anchor="ctr" anchorCtr="0">
+          <a:noAutofit/>
+        </a:bodyPr>
+        <a:lstStyle/>
+        <a:p>
+          <a:pPr marL="0" lvl="0" indent="0" algn="ctr" defTabSz="1778000">
+            <a:lnSpc>
+              <a:spcPct val="90000"/>
+            </a:lnSpc>
+            <a:spcBef>
+              <a:spcPct val="0"/>
+            </a:spcBef>
+            <a:spcAft>
+              <a:spcPct val="35000"/>
+            </a:spcAft>
+            <a:buNone/>
+          </a:pPr>
+          <a:r>
+            <a:rPr lang="es-NI" sz="4400" b="1" kern="1200" noProof="0" dirty="0">
+              <a:solidFill>
+                <a:prstClr val="white"/>
+              </a:solidFill>
+              <a:latin typeface="Calibri" panose="020F0502020204030204"/>
+              <a:ea typeface="+mn-ea"/>
+              <a:cs typeface="+mn-cs"/>
+            </a:rPr>
+            <a:t>Herramientas</a:t>
+          </a:r>
+          <a:r>
+            <a:rPr lang="es-NI" sz="4000" kern="1200" noProof="0" dirty="0"/>
+            <a:t>-Control de Versiones (GitHub)</a:t>
+          </a:r>
+          <a:endParaRPr lang="es-NI" sz="3000" kern="1200" noProof="0" dirty="0"/>
+        </a:p>
+      </dsp:txBody>
+      <dsp:txXfrm>
+        <a:off x="3574817" y="8705802"/>
+        <a:ext cx="3498854" cy="2191275"/>
+      </dsp:txXfrm>
+    </dsp:sp>
+    <dsp:sp modelId="{F79F62BE-15DA-4526-A026-2E28AA646F2F}">
+      <dsp:nvSpPr>
+        <dsp:cNvPr id="0" name=""/>
+        <dsp:cNvSpPr/>
+      </dsp:nvSpPr>
+      <dsp:spPr>
+        <a:xfrm>
+          <a:off x="4557884" y="1221153"/>
+          <a:ext cx="11440382" cy="11440382"/>
+        </a:xfrm>
+        <a:custGeom>
+          <a:avLst/>
+          <a:gdLst/>
+          <a:ahLst/>
+          <a:cxnLst/>
+          <a:rect l="0" t="0" r="0" b="0"/>
+          <a:pathLst>
+            <a:path>
+              <a:moveTo>
+                <a:pt x="232530" y="7334552"/>
+              </a:moveTo>
+              <a:arcTo wR="5720191" hR="5720191" stAng="9816429" swAng="1967141"/>
+            </a:path>
+          </a:pathLst>
+        </a:custGeom>
+        <a:noFill/>
+        <a:ln w="76200" cap="flat" cmpd="sng" algn="ctr">
+          <a:solidFill>
+            <a:srgbClr val="37BD4D"/>
+          </a:solidFill>
+          <a:prstDash val="solid"/>
+          <a:miter lim="800000"/>
+        </a:ln>
+        <a:effectLst/>
+      </dsp:spPr>
+      <dsp:style>
+        <a:lnRef idx="1">
+          <a:scrgbClr r="0" g="0" b="0"/>
+        </a:lnRef>
+        <a:fillRef idx="0">
+          <a:scrgbClr r="0" g="0" b="0"/>
+        </a:fillRef>
+        <a:effectRef idx="0">
+          <a:scrgbClr r="0" g="0" b="0"/>
+        </a:effectRef>
+        <a:fontRef idx="minor"/>
+      </dsp:style>
+    </dsp:sp>
+    <dsp:sp modelId="{BA2305B2-83FC-4D37-9C92-72210D836277}">
+      <dsp:nvSpPr>
+        <dsp:cNvPr id="0" name=""/>
+        <dsp:cNvSpPr/>
+      </dsp:nvSpPr>
+      <dsp:spPr>
+        <a:xfrm>
+          <a:off x="3456274" y="2867068"/>
+          <a:ext cx="3735940" cy="2428361"/>
+        </a:xfrm>
+        <a:prstGeom prst="roundRect">
+          <a:avLst/>
+        </a:prstGeom>
+        <a:solidFill>
+          <a:srgbClr val="37BD4D"/>
+        </a:solidFill>
+        <a:ln w="19050" cap="flat" cmpd="sng" algn="ctr">
+          <a:solidFill>
+            <a:schemeClr val="lt1">
+              <a:hueOff val="0"/>
+              <a:satOff val="0"/>
+              <a:lumOff val="0"/>
+              <a:alphaOff val="0"/>
+            </a:schemeClr>
+          </a:solidFill>
+          <a:prstDash val="solid"/>
+          <a:miter lim="800000"/>
+        </a:ln>
+        <a:effectLst/>
+      </dsp:spPr>
+      <dsp:style>
+        <a:lnRef idx="3">
+          <a:scrgbClr r="0" g="0" b="0"/>
+        </a:lnRef>
+        <a:fillRef idx="1">
+          <a:scrgbClr r="0" g="0" b="0"/>
+        </a:fillRef>
+        <a:effectRef idx="1">
+          <a:scrgbClr r="0" g="0" b="0"/>
+        </a:effectRef>
+        <a:fontRef idx="minor">
+          <a:schemeClr val="lt1"/>
+        </a:fontRef>
+      </dsp:style>
+      <dsp:txBody>
+        <a:bodyPr spcFirstLastPara="0" vert="horz" wrap="square" lIns="167640" tIns="167640" rIns="167640" bIns="167640" numCol="1" spcCol="1270" anchor="ctr" anchorCtr="0">
+          <a:noAutofit/>
+        </a:bodyPr>
+        <a:lstStyle/>
+        <a:p>
+          <a:pPr marL="0" lvl="0" indent="0" algn="ctr" defTabSz="1778000">
+            <a:lnSpc>
+              <a:spcPct val="90000"/>
+            </a:lnSpc>
+            <a:spcBef>
+              <a:spcPct val="0"/>
+            </a:spcBef>
+            <a:spcAft>
+              <a:spcPct val="35000"/>
+            </a:spcAft>
+            <a:buNone/>
+          </a:pPr>
+          <a:r>
+            <a:rPr lang="en-US" sz="4400" b="1" kern="1200" dirty="0">
+              <a:solidFill>
+                <a:prstClr val="white"/>
+              </a:solidFill>
+              <a:latin typeface="Calibri" panose="020F0502020204030204"/>
+              <a:ea typeface="+mn-ea"/>
+              <a:cs typeface="+mn-cs"/>
+            </a:rPr>
+            <a:t>Debug</a:t>
+          </a:r>
+        </a:p>
+        <a:p>
+          <a:pPr marL="0" lvl="0" algn="ctr" defTabSz="1333500">
+            <a:lnSpc>
+              <a:spcPct val="90000"/>
+            </a:lnSpc>
+            <a:spcBef>
+              <a:spcPct val="0"/>
+            </a:spcBef>
+            <a:spcAft>
+              <a:spcPct val="35000"/>
+            </a:spcAft>
+            <a:buNone/>
+          </a:pPr>
+          <a:r>
+            <a:rPr lang="en-US" sz="3600" kern="1200" dirty="0"/>
+            <a:t>GDB</a:t>
+          </a:r>
+          <a:endParaRPr lang="en-US" sz="3000" kern="1200" dirty="0"/>
+        </a:p>
+        <a:p>
+          <a:pPr marL="0" lvl="0" algn="ctr" defTabSz="1333500">
+            <a:lnSpc>
+              <a:spcPct val="90000"/>
+            </a:lnSpc>
+            <a:spcBef>
+              <a:spcPct val="0"/>
+            </a:spcBef>
+            <a:spcAft>
+              <a:spcPct val="35000"/>
+            </a:spcAft>
+            <a:buNone/>
+          </a:pPr>
+          <a:endParaRPr lang="es-ES" sz="3000" kern="1200" dirty="0"/>
+        </a:p>
+      </dsp:txBody>
+      <dsp:txXfrm>
+        <a:off x="3574817" y="2985611"/>
+        <a:ext cx="3498854" cy="2191275"/>
+      </dsp:txXfrm>
+    </dsp:sp>
+    <dsp:sp modelId="{C6F9D121-BD2A-40C0-958F-5DCCF7568177}">
+      <dsp:nvSpPr>
+        <dsp:cNvPr id="0" name=""/>
+        <dsp:cNvSpPr/>
+      </dsp:nvSpPr>
+      <dsp:spPr>
+        <a:xfrm>
+          <a:off x="4557884" y="1221153"/>
+          <a:ext cx="11440382" cy="11440382"/>
+        </a:xfrm>
+        <a:custGeom>
+          <a:avLst/>
+          <a:gdLst/>
+          <a:ahLst/>
+          <a:cxnLst/>
+          <a:rect l="0" t="0" r="0" b="0"/>
+          <a:pathLst>
+            <a:path>
+              <a:moveTo>
+                <a:pt x="1723149" y="1628218"/>
+              </a:moveTo>
+              <a:arcTo wR="5720191" hR="5720191" stAng="13540343" swAng="1500874"/>
+            </a:path>
+          </a:pathLst>
+        </a:custGeom>
+        <a:noFill/>
+        <a:ln w="76200" cap="flat" cmpd="sng" algn="ctr">
+          <a:solidFill>
+            <a:srgbClr val="37BD4D"/>
+          </a:solidFill>
+          <a:prstDash val="solid"/>
+          <a:miter lim="800000"/>
+        </a:ln>
+        <a:effectLst/>
+      </dsp:spPr>
+      <dsp:style>
+        <a:lnRef idx="1">
+          <a:scrgbClr r="0" g="0" b="0"/>
+        </a:lnRef>
+        <a:fillRef idx="0">
+          <a:scrgbClr r="0" g="0" b="0"/>
+        </a:fillRef>
+        <a:effectRef idx="0">
+          <a:scrgbClr r="0" g="0" b="0"/>
+        </a:effectRef>
+        <a:fontRef idx="minor"/>
+      </dsp:style>
+    </dsp:sp>
+  </dsp:spTree>
+</dsp:drawing>
+</file>
+
+<file path=ppt/diagrams/layout1.xml><?xml version="1.0" encoding="utf-8"?>
+<dgm:layoutDef xmlns:dgm="http://schemas.openxmlformats.org/drawingml/2006/diagram" xmlns:a="http://schemas.openxmlformats.org/drawingml/2006/main" uniqueId="urn:microsoft.com/office/officeart/2005/8/layout/cycle6">
+  <dgm:title val=""/>
+  <dgm:desc val=""/>
+  <dgm:catLst>
+    <dgm:cat type="cycle" pri="4000"/>
+    <dgm:cat type="relationship" pri="24000"/>
+  </dgm:catLst>
+  <dgm:sampData>
+    <dgm:dataModel>
+      <dgm:ptLst>
+        <dgm:pt modelId="0" type="doc"/>
+        <dgm:pt modelId="1">
+          <dgm:prSet phldr="1"/>
+        </dgm:pt>
+        <dgm:pt modelId="2">
+          <dgm:prSet phldr="1"/>
+        </dgm:pt>
+        <dgm:pt modelId="3">
+          <dgm:prSet phldr="1"/>
+        </dgm:pt>
+        <dgm:pt modelId="4">
+          <dgm:prSet phldr="1"/>
+        </dgm:pt>
+        <dgm:pt modelId="5">
+          <dgm:prSet phldr="1"/>
+        </dgm:pt>
+      </dgm:ptLst>
+      <dgm:cxnLst>
+        <dgm:cxn modelId="6" srcId="0" destId="1" srcOrd="0" destOrd="0"/>
+        <dgm:cxn modelId="7" srcId="0" destId="2" srcOrd="1" destOrd="0"/>
+        <dgm:cxn modelId="8" srcId="0" destId="3" srcOrd="2" destOrd="0"/>
+        <dgm:cxn modelId="9" srcId="0" destId="4" srcOrd="3" destOrd="0"/>
+        <dgm:cxn modelId="10" srcId="0" destId="5" srcOrd="4" destOrd="0"/>
+      </dgm:cxnLst>
+      <dgm:bg/>
+      <dgm:whole/>
+    </dgm:dataModel>
+  </dgm:sampData>
+  <dgm:styleData>
+    <dgm:dataModel>
+      <dgm:ptLst>
+        <dgm:pt modelId="0" type="doc"/>
+        <dgm:pt modelId="1"/>
+        <dgm:pt modelId="2"/>
+        <dgm:pt modelId="3"/>
+      </dgm:ptLst>
+      <dgm:cxnLst>
+        <dgm:cxn modelId="4" srcId="0" destId="1" srcOrd="0" destOrd="0"/>
+        <dgm:cxn modelId="5" srcId="0" destId="2" srcOrd="1" destOrd="0"/>
+        <dgm:cxn modelId="6" srcId="0" destId="3" srcOrd="2" destOrd="0"/>
+      </dgm:cxnLst>
+      <dgm:bg/>
+      <dgm:whole/>
+    </dgm:dataModel>
+  </dgm:styleData>
+  <dgm:clrData>
+    <dgm:dataModel>
+      <dgm:ptLst>
+        <dgm:pt modelId="0" type="doc"/>
+        <dgm:pt modelId="1"/>
+        <dgm:pt modelId="2"/>
+        <dgm:pt modelId="3"/>
+        <dgm:pt modelId="4"/>
+        <dgm:pt modelId="5"/>
+        <dgm:pt modelId="6"/>
+      </dgm:ptLst>
+      <dgm:cxnLst>
+        <dgm:cxn modelId="7" srcId="0" destId="1" srcOrd="0" destOrd="0"/>
+        <dgm:cxn modelId="8" srcId="0" destId="2" srcOrd="1" destOrd="0"/>
+        <dgm:cxn modelId="9" srcId="0" destId="3" srcOrd="2" destOrd="0"/>
+        <dgm:cxn modelId="10" srcId="0" destId="4" srcOrd="3" destOrd="0"/>
+        <dgm:cxn modelId="11" srcId="0" destId="5" srcOrd="4" destOrd="0"/>
+        <dgm:cxn modelId="12" srcId="0" destId="6" srcOrd="5" destOrd="0"/>
+      </dgm:cxnLst>
+      <dgm:bg/>
+      <dgm:whole/>
+    </dgm:dataModel>
+  </dgm:clrData>
+  <dgm:layoutNode name="cycle">
+    <dgm:varLst>
+      <dgm:dir/>
+      <dgm:resizeHandles val="exact"/>
+    </dgm:varLst>
+    <dgm:choose name="Name0">
+      <dgm:if name="Name1" func="var" arg="dir" op="equ" val="norm">
+        <dgm:choose name="Name2">
+          <dgm:if name="Name3" axis="ch" ptType="node" func="cnt" op="gt" val="2">
+            <dgm:alg type="cycle">
+              <dgm:param type="stAng" val="0"/>
+              <dgm:param type="spanAng" val="360"/>
+            </dgm:alg>
+          </dgm:if>
+          <dgm:else name="Name4">
+            <dgm:alg type="cycle">
+              <dgm:param type="stAng" val="-90"/>
+              <dgm:param type="spanAng" val="360"/>
+            </dgm:alg>
+          </dgm:else>
+        </dgm:choose>
+      </dgm:if>
+      <dgm:else name="Name5">
+        <dgm:choose name="Name6">
+          <dgm:if name="Name7" axis="ch" ptType="node" func="cnt" op="gt" val="2">
+            <dgm:alg type="cycle">
+              <dgm:param type="stAng" val="0"/>
+              <dgm:param type="spanAng" val="-360"/>
+            </dgm:alg>
+          </dgm:if>
+          <dgm:else name="Name8">
+            <dgm:alg type="cycle">
+              <dgm:param type="stAng" val="90"/>
+              <dgm:param type="spanAng" val="-360"/>
+            </dgm:alg>
+          </dgm:else>
+        </dgm:choose>
+      </dgm:else>
+    </dgm:choose>
+    <dgm:shape xmlns:r="http://schemas.openxmlformats.org/officeDocument/2006/relationships" r:blip="">
+      <dgm:adjLst/>
+    </dgm:shape>
+    <dgm:presOf/>
+    <dgm:choose name="Name9">
+      <dgm:if name="Name10" func="var" arg="dir" op="equ" val="norm">
+        <dgm:constrLst>
+          <dgm:constr type="w" for="ch" forName="node" refType="w"/>
+          <dgm:constr type="w" for="ch" ptType="sibTrans" refType="w" refFor="ch" refForName="node" op="equ" fact="0.3"/>
+          <dgm:constr type="diam" for="ch" ptType="sibTrans" refType="diam" op="equ"/>
+          <dgm:constr type="sibSp" refType="w" refFor="ch" refForName="node" op="equ" fact="0.15"/>
+          <dgm:constr type="w" for="ch" forName="spNode" refType="sibSp" fact="1.6"/>
+          <dgm:constr type="primFontSz" for="ch" forName="node" op="equ" val="65"/>
+        </dgm:constrLst>
+      </dgm:if>
+      <dgm:else name="Name11">
+        <dgm:constrLst>
+          <dgm:constr type="w" for="ch" forName="node" refType="w"/>
+          <dgm:constr type="w" for="ch" ptType="sibTrans" refType="w" refFor="ch" refForName="node" op="equ" fact="0.3"/>
+          <dgm:constr type="diam" for="ch" ptType="sibTrans" refType="diam" op="equ" fact="-1"/>
+          <dgm:constr type="sibSp" refType="w" refFor="ch" refForName="node" op="equ" fact="0.15"/>
+          <dgm:constr type="w" for="ch" forName="spNode" refType="sibSp" fact="1.6"/>
+          <dgm:constr type="primFontSz" for="ch" forName="node" op="equ" val="65"/>
+        </dgm:constrLst>
+      </dgm:else>
+    </dgm:choose>
+    <dgm:ruleLst/>
+    <dgm:forEach name="Name12" axis="ch" ptType="node">
+      <dgm:layoutNode name="node">
+        <dgm:varLst>
+          <dgm:bulletEnabled val="1"/>
+        </dgm:varLst>
+        <dgm:alg type="tx"/>
+        <dgm:shape xmlns:r="http://schemas.openxmlformats.org/officeDocument/2006/relationships" type="roundRect" r:blip="">
+          <dgm:adjLst/>
+        </dgm:shape>
+        <dgm:presOf axis="desOrSelf" ptType="node"/>
+        <dgm:constrLst>
+          <dgm:constr type="h" refType="w" fact="0.65"/>
+          <dgm:constr type="tMarg" refType="primFontSz" fact="0.3"/>
+          <dgm:constr type="bMarg" refType="primFontSz" fact="0.3"/>
+          <dgm:constr type="lMarg" refType="primFontSz" fact="0.3"/>
+          <dgm:constr type="rMarg" refType="primFontSz" fact="0.3"/>
+        </dgm:constrLst>
+        <dgm:ruleLst>
+          <dgm:rule type="primFontSz" val="5" fact="NaN" max="NaN"/>
+        </dgm:ruleLst>
+      </dgm:layoutNode>
+      <dgm:choose name="Name13">
+        <dgm:if name="Name14" axis="par ch" ptType="doc node" func="cnt" op="gt" val="1">
+          <dgm:layoutNode name="spNode">
+            <dgm:alg type="sp"/>
+            <dgm:shape xmlns:r="http://schemas.openxmlformats.org/officeDocument/2006/relationships" r:blip="">
+              <dgm:adjLst/>
+            </dgm:shape>
+            <dgm:presOf/>
+            <dgm:constrLst>
+              <dgm:constr type="h" refType="w"/>
+            </dgm:constrLst>
+            <dgm:ruleLst/>
+          </dgm:layoutNode>
+          <dgm:forEach name="Name15" axis="followSib" ptType="sibTrans" hideLastTrans="0" cnt="1">
+            <dgm:layoutNode name="sibTrans">
+              <dgm:alg type="conn">
+                <dgm:param type="dim" val="1D"/>
+                <dgm:param type="connRout" val="curve"/>
+                <dgm:param type="begPts" val="radial"/>
+                <dgm:param type="endPts" val="radial"/>
+                <dgm:param type="endSty" val="noArr"/>
+              </dgm:alg>
+              <dgm:shape xmlns:r="http://schemas.openxmlformats.org/officeDocument/2006/relationships" type="conn" r:blip="">
+                <dgm:adjLst/>
+              </dgm:shape>
+              <dgm:presOf axis="self"/>
+              <dgm:constrLst>
+                <dgm:constr type="h" refType="w" fact="0.65"/>
+                <dgm:constr type="connDist"/>
+                <dgm:constr type="begPad" refType="connDist" fact="0.01"/>
+                <dgm:constr type="endPad" refType="connDist" fact="0.01"/>
+              </dgm:constrLst>
+              <dgm:ruleLst/>
+            </dgm:layoutNode>
+          </dgm:forEach>
+        </dgm:if>
+        <dgm:else name="Name16"/>
+      </dgm:choose>
+    </dgm:forEach>
+  </dgm:layoutNode>
+</dgm:layoutDef>
+</file>
+
+<file path=ppt/diagrams/quickStyle1.xml><?xml version="1.0" encoding="utf-8"?>
+<dgm:styleDef xmlns:dgm="http://schemas.openxmlformats.org/drawingml/2006/diagram" xmlns:a="http://schemas.openxmlformats.org/drawingml/2006/main" uniqueId="urn:microsoft.com/office/officeart/2005/8/quickstyle/simple2">
+  <dgm:title val=""/>
+  <dgm:desc val=""/>
+  <dgm:catLst>
+    <dgm:cat type="simple" pri="10200"/>
+  </dgm:catLst>
+  <dgm:scene3d>
+    <a:camera prst="orthographicFront"/>
+    <a:lightRig rig="threePt" dir="t"/>
+  </dgm:scene3d>
+  <dgm:styleLbl name="node0">
+    <dgm:scene3d>
+      <a:camera prst="orthographicFront"/>
+      <a:lightRig rig="threePt" dir="t"/>
+    </dgm:scene3d>
+    <dgm:sp3d/>
+    <dgm:txPr/>
+    <dgm:style>
+      <a:lnRef idx="3">
+        <a:scrgbClr r="0" g="0" b="0"/>
+      </a:lnRef>
+      <a:fillRef idx="1">
+        <a:scrgbClr r="0" g="0" b="0"/>
+      </a:fillRef>
+      <a:effectRef idx="1">
+        <a:scrgbClr r="0" g="0" b="0"/>
+      </a:effectRef>
+      <a:fontRef idx="minor">
+        <a:schemeClr val="lt1"/>
+      </a:fontRef>
+    </dgm:style>
+  </dgm:styleLbl>
+  <dgm:styleLbl name="lnNode1">
+    <dgm:scene3d>
+      <a:camera prst="orthographicFront"/>
+      <a:lightRig rig="threePt" dir="t"/>
+    </dgm:scene3d>
+    <dgm:sp3d/>
+    <dgm:txPr/>
+    <dgm:style>
+      <a:lnRef idx="3">
+        <a:scrgbClr r="0" g="0" b="0"/>
+      </a:lnRef>
+      <a:fillRef idx="1">
+        <a:scrgbClr r="0" g="0" b="0"/>
+      </a:fillRef>
+      <a:effectRef idx="1">
+        <a:scrgbClr r="0" g="0" b="0"/>
+      </a:effectRef>
+      <a:fontRef idx="minor">
+        <a:schemeClr val="lt1"/>
+      </a:fontRef>
+    </dgm:style>
+  </dgm:styleLbl>
+  <dgm:styleLbl name="vennNode1">
+    <dgm:scene3d>
+      <a:camera prst="orthographicFront"/>
+      <a:lightRig rig="threePt" dir="t"/>
+    </dgm:scene3d>
+    <dgm:sp3d/>
+    <dgm:txPr/>
+    <dgm:style>
+      <a:lnRef idx="3">
+        <a:scrgbClr r="0" g="0" b="0"/>
+      </a:lnRef>
+      <a:fillRef idx="1">
+        <a:scrgbClr r="0" g="0" b="0"/>
+      </a:fillRef>
+      <a:effectRef idx="0">
+        <a:scrgbClr r="0" g="0" b="0"/>
+      </a:effectRef>
+      <a:fontRef idx="minor">
+        <a:schemeClr val="tx1"/>
+      </a:fontRef>
+    </dgm:style>
+  </dgm:styleLbl>
+  <dgm:styleLbl name="alignNode1">
+    <dgm:scene3d>
+      <a:camera prst="orthographicFront"/>
+      <a:lightRig rig="threePt" dir="t"/>
+    </dgm:scene3d>
+    <dgm:sp3d/>
+    <dgm:txPr/>
+    <dgm:style>
+      <a:lnRef idx="2">
+        <a:scrgbClr r="0" g="0" b="0"/>
+      </a:lnRef>
+      <a:fillRef idx="1">
+        <a:scrgbClr r="0" g="0" b="0"/>
+      </a:fillRef>
+      <a:effectRef idx="1">
+        <a:scrgbClr r="0" g="0" b="0"/>
+      </a:effectRef>
+      <a:fontRef idx="minor">
+        <a:schemeClr val="lt1"/>
+      </a:fontRef>
+    </dgm:style>
+  </dgm:styleLbl>
+  <dgm:styleLbl name="node1">
+    <dgm:scene3d>
+      <a:camera prst="orthographicFront"/>
+      <a:lightRig rig="threePt" dir="t"/>
+    </dgm:scene3d>
+    <dgm:sp3d/>
+    <dgm:txPr/>
+    <dgm:style>
+      <a:lnRef idx="3">
+        <a:scrgbClr r="0" g="0" b="0"/>
+      </a:lnRef>
+      <a:fillRef idx="1">
+        <a:scrgbClr r="0" g="0" b="0"/>
+      </a:fillRef>
+      <a:effectRef idx="1">
+        <a:scrgbClr r="0" g="0" b="0"/>
+      </a:effectRef>
+      <a:fontRef idx="minor">
+        <a:schemeClr val="lt1"/>
+      </a:fontRef>
+    </dgm:style>
+  </dgm:styleLbl>
+  <dgm:styleLbl name="node2">
+    <dgm:scene3d>
+      <a:camera prst="orthographicFront"/>
+      <a:lightRig rig="threePt" dir="t"/>
+    </dgm:scene3d>
+    <dgm:sp3d/>
+    <dgm:txPr/>
+    <dgm:style>
+      <a:lnRef idx="3">
+        <a:scrgbClr r="0" g="0" b="0"/>
+      </a:lnRef>
+      <a:fillRef idx="1">
+        <a:scrgbClr r="0" g="0" b="0"/>
+      </a:fillRef>
+      <a:effectRef idx="1">
+        <a:scrgbClr r="0" g="0" b="0"/>
+      </a:effectRef>
+      <a:fontRef idx="minor">
+        <a:schemeClr val="lt1"/>
+      </a:fontRef>
+    </dgm:style>
+  </dgm:styleLbl>
+  <dgm:styleLbl name="node3">
+    <dgm:scene3d>
+      <a:camera prst="orthographicFront"/>
+      <a:lightRig rig="threePt" dir="t"/>
+    </dgm:scene3d>
+    <dgm:sp3d/>
+    <dgm:txPr/>
+    <dgm:style>
+      <a:lnRef idx="3">
+        <a:scrgbClr r="0" g="0" b="0"/>
+      </a:lnRef>
+      <a:fillRef idx="1">
+        <a:scrgbClr r="0" g="0" b="0"/>
+      </a:fillRef>
+      <a:effectRef idx="1">
+        <a:scrgbClr r="0" g="0" b="0"/>
+      </a:effectRef>
+      <a:fontRef idx="minor">
+        <a:schemeClr val="lt1"/>
+      </a:fontRef>
+    </dgm:style>
+  </dgm:styleLbl>
+  <dgm:styleLbl name="node4">
+    <dgm:scene3d>
+      <a:camera prst="orthographicFront"/>
+      <a:lightRig rig="threePt" dir="t"/>
+    </dgm:scene3d>
+    <dgm:sp3d/>
+    <dgm:txPr/>
+    <dgm:style>
+      <a:lnRef idx="3">
+        <a:scrgbClr r="0" g="0" b="0"/>
+      </a:lnRef>
+      <a:fillRef idx="1">
+        <a:scrgbClr r="0" g="0" b="0"/>
+      </a:fillRef>
+      <a:effectRef idx="1">
+        <a:scrgbClr r="0" g="0" b="0"/>
+      </a:effectRef>
+      <a:fontRef idx="minor">
+        <a:schemeClr val="lt1"/>
+      </a:fontRef>
+    </dgm:style>
+  </dgm:styleLbl>
+  <dgm:styleLbl name="fgImgPlace1">
+    <dgm:scene3d>
+      <a:camera prst="orthographicFront"/>
+      <a:lightRig rig="threePt" dir="t"/>
+    </dgm:scene3d>
+    <dgm:sp3d/>
+    <dgm:txPr/>
+    <dgm:style>
+      <a:lnRef idx="3">
+        <a:scrgbClr r="0" g="0" b="0"/>
+      </a:lnRef>
+      <a:fillRef idx="1">
+        <a:scrgbClr r="0" g="0" b="0"/>
+      </a:fillRef>
+      <a:effectRef idx="1">
+        <a:scrgbClr r="0" g="0" b="0"/>
+      </a:effectRef>
+      <a:fontRef idx="minor"/>
+    </dgm:style>
+  </dgm:styleLbl>
+  <dgm:styleLbl name="alignImgPlace1">
+    <dgm:scene3d>
+      <a:camera prst="orthographicFront"/>
+      <a:lightRig rig="threePt" dir="t"/>
+    </dgm:scene3d>
+    <dgm:sp3d/>
+    <dgm:txPr/>
+    <dgm:style>
+      <a:lnRef idx="3">
+        <a:scrgbClr r="0" g="0" b="0"/>
+      </a:lnRef>
+      <a:fillRef idx="1">
+        <a:scrgbClr r="0" g="0" b="0"/>
+      </a:fillRef>
+      <a:effectRef idx="1">
+        <a:scrgbClr r="0" g="0" b="0"/>
+      </a:effectRef>
+      <a:fontRef idx="minor"/>
+    </dgm:style>
+  </dgm:styleLbl>
+  <dgm:styleLbl name="bgImgPlace1">
+    <dgm:scene3d>
+      <a:camera prst="orthographicFront"/>
+      <a:lightRig rig="threePt" dir="t"/>
+    </dgm:scene3d>
+    <dgm:sp3d/>
+    <dgm:txPr/>
+    <dgm:style>
+      <a:lnRef idx="3">
+        <a:scrgbClr r="0" g="0" b="0"/>
+      </a:lnRef>
+      <a:fillRef idx="1">
+        <a:scrgbClr r="0" g="0" b="0"/>
+      </a:fillRef>
+      <a:effectRef idx="1">
+        <a:scrgbClr r="0" g="0" b="0"/>
+      </a:effectRef>
+      <a:fontRef idx="minor"/>
+    </dgm:style>
+  </dgm:styleLbl>
+  <dgm:styleLbl name="sibTrans2D1">
+    <dgm:scene3d>
+      <a:camera prst="orthographicFront"/>
+      <a:lightRig rig="threePt" dir="t"/>
+    </dgm:scene3d>
+    <dgm:sp3d/>
+    <dgm:txPr/>
+    <dgm:style>
+      <a:lnRef idx="0">
+        <a:scrgbClr r="0" g="0" b="0"/>
+      </a:lnRef>
+      <a:fillRef idx="1">
+        <a:scrgbClr r="0" g="0" b="0"/>
+      </a:fillRef>
+      <a:effectRef idx="1">
+        <a:scrgbClr r="0" g="0" b="0"/>
+      </a:effectRef>
+      <a:fontRef idx="minor">
+        <a:schemeClr val="lt1"/>
+      </a:fontRef>
+    </dgm:style>
+  </dgm:styleLbl>
+  <dgm:styleLbl name="fgSibTrans2D1">
+    <dgm:scene3d>
+      <a:camera prst="orthographicFront"/>
+      <a:lightRig rig="threePt" dir="t"/>
+    </dgm:scene3d>
+    <dgm:sp3d/>
+    <dgm:txPr/>
+    <dgm:style>
+      <a:lnRef idx="0">
+        <a:scrgbClr r="0" g="0" b="0"/>
+      </a:lnRef>
+      <a:fillRef idx="1">
+        <a:scrgbClr r="0" g="0" b="0"/>
+      </a:fillRef>
+      <a:effectRef idx="1">
+        <a:scrgbClr r="0" g="0" b="0"/>
+      </a:effectRef>
+      <a:fontRef idx="minor">
+        <a:schemeClr val="lt1"/>
+      </a:fontRef>
+    </dgm:style>
+  </dgm:styleLbl>
+  <dgm:styleLbl name="bgSibTrans2D1">
+    <dgm:scene3d>
+      <a:camera prst="orthographicFront"/>
+      <a:lightRig rig="threePt" dir="t"/>
+    </dgm:scene3d>
+    <dgm:sp3d/>
+    <dgm:txPr/>
+    <dgm:style>
+      <a:lnRef idx="0">
+        <a:scrgbClr r="0" g="0" b="0"/>
+      </a:lnRef>
+      <a:fillRef idx="1">
+        <a:scrgbClr r="0" g="0" b="0"/>
+      </a:fillRef>
+      <a:effectRef idx="1">
+        <a:scrgbClr r="0" g="0" b="0"/>
+      </a:effectRef>
+      <a:fontRef idx="minor">
+        <a:schemeClr val="lt1"/>
+      </a:fontRef>
+    </dgm:style>
+  </dgm:styleLbl>
+  <dgm:styleLbl name="sibTrans1D1">
+    <dgm:scene3d>
+      <a:camera prst="orthographicFront"/>
+      <a:lightRig rig="threePt" dir="t"/>
+    </dgm:scene3d>
+    <dgm:sp3d/>
+    <dgm:txPr/>
+    <dgm:style>
+      <a:lnRef idx="1">
+        <a:scrgbClr r="0" g="0" b="0"/>
+      </a:lnRef>
+      <a:fillRef idx="0">
+        <a:scrgbClr r="0" g="0" b="0"/>
+      </a:fillRef>
+      <a:effectRef idx="0">
+        <a:scrgbClr r="0" g="0" b="0"/>
+      </a:effectRef>
+      <a:fontRef idx="minor"/>
+    </dgm:style>
+  </dgm:styleLbl>
+  <dgm:styleLbl name="callout">
+    <dgm:scene3d>
+      <a:camera prst="orthographicFront"/>
+      <a:lightRig rig="threePt" dir="t"/>
+    </dgm:scene3d>
+    <dgm:sp3d/>
+    <dgm:txPr/>
+    <dgm:style>
+      <a:lnRef idx="2">
+        <a:scrgbClr r="0" g="0" b="0"/>
+      </a:lnRef>
+      <a:fillRef idx="1">
+        <a:scrgbClr r="0" g="0" b="0"/>
+      </a:fillRef>
+      <a:effectRef idx="1">
+        <a:scrgbClr r="0" g="0" b="0"/>
+      </a:effectRef>
+      <a:fontRef idx="minor"/>
+    </dgm:style>
+  </dgm:styleLbl>
+  <dgm:styleLbl name="asst0">
+    <dgm:scene3d>
+      <a:camera prst="orthographicFront"/>
+      <a:lightRig rig="threePt" dir="t"/>
+    </dgm:scene3d>
+    <dgm:sp3d/>
+    <dgm:txPr/>
+    <dgm:style>
+      <a:lnRef idx="3">
+        <a:scrgbClr r="0" g="0" b="0"/>
+      </a:lnRef>
+      <a:fillRef idx="1">
+        <a:scrgbClr r="0" g="0" b="0"/>
+      </a:fillRef>
+      <a:effectRef idx="1">
+        <a:scrgbClr r="0" g="0" b="0"/>
+      </a:effectRef>
+      <a:fontRef idx="minor">
+        <a:schemeClr val="lt1"/>
+      </a:fontRef>
+    </dgm:style>
+  </dgm:styleLbl>
+  <dgm:styleLbl name="asst1">
+    <dgm:scene3d>
+      <a:camera prst="orthographicFront"/>
+      <a:lightRig rig="threePt" dir="t"/>
+    </dgm:scene3d>
+    <dgm:sp3d/>
+    <dgm:txPr/>
+    <dgm:style>
+      <a:lnRef idx="3">
+        <a:scrgbClr r="0" g="0" b="0"/>
+      </a:lnRef>
+      <a:fillRef idx="1">
+        <a:scrgbClr r="0" g="0" b="0"/>
+      </a:fillRef>
+      <a:effectRef idx="1">
+        <a:scrgbClr r="0" g="0" b="0"/>
+      </a:effectRef>
+      <a:fontRef idx="minor">
+        <a:schemeClr val="lt1"/>
+      </a:fontRef>
+    </dgm:style>
+  </dgm:styleLbl>
+  <dgm:styleLbl name="asst2">
+    <dgm:scene3d>
+      <a:camera prst="orthographicFront"/>
+      <a:lightRig rig="threePt" dir="t"/>
+    </dgm:scene3d>
+    <dgm:sp3d/>
+    <dgm:txPr/>
+    <dgm:style>
+      <a:lnRef idx="3">
+        <a:scrgbClr r="0" g="0" b="0"/>
+      </a:lnRef>
+      <a:fillRef idx="1">
+        <a:scrgbClr r="0" g="0" b="0"/>
+      </a:fillRef>
+      <a:effectRef idx="1">
+        <a:scrgbClr r="0" g="0" b="0"/>
+      </a:effectRef>
+      <a:fontRef idx="minor">
+        <a:schemeClr val="lt1"/>
+      </a:fontRef>
+    </dgm:style>
+  </dgm:styleLbl>
+  <dgm:styleLbl name="asst3">
+    <dgm:scene3d>
+      <a:camera prst="orthographicFront"/>
+      <a:lightRig rig="threePt" dir="t"/>
+    </dgm:scene3d>
+    <dgm:sp3d/>
+    <dgm:txPr/>
+    <dgm:style>
+      <a:lnRef idx="3">
+        <a:scrgbClr r="0" g="0" b="0"/>
+      </a:lnRef>
+      <a:fillRef idx="1">
+        <a:scrgbClr r="0" g="0" b="0"/>
+      </a:fillRef>
+      <a:effectRef idx="1">
+        <a:scrgbClr r="0" g="0" b="0"/>
+      </a:effectRef>
+      <a:fontRef idx="minor">
+        <a:schemeClr val="lt1"/>
+      </a:fontRef>
+    </dgm:style>
+  </dgm:styleLbl>
+  <dgm:styleLbl name="asst4">
+    <dgm:scene3d>
+      <a:camera prst="orthographicFront"/>
+      <a:lightRig rig="threePt" dir="t"/>
+    </dgm:scene3d>
+    <dgm:sp3d/>
+    <dgm:txPr/>
+    <dgm:style>
+      <a:lnRef idx="3">
+        <a:scrgbClr r="0" g="0" b="0"/>
+      </a:lnRef>
+      <a:fillRef idx="1">
+        <a:scrgbClr r="0" g="0" b="0"/>
+      </a:fillRef>
+      <a:effectRef idx="1">
+        <a:scrgbClr r="0" g="0" b="0"/>
+      </a:effectRef>
+      <a:fontRef idx="minor">
+        <a:schemeClr val="lt1"/>
+      </a:fontRef>
+    </dgm:style>
+  </dgm:styleLbl>
+  <dgm:styleLbl name="parChTrans2D1">
+    <dgm:scene3d>
+      <a:camera prst="orthographicFront"/>
+      <a:lightRig rig="threePt" dir="t"/>
+    </dgm:scene3d>
+    <dgm:sp3d/>
+    <dgm:txPr/>
+    <dgm:style>
+      <a:lnRef idx="3">
+        <a:scrgbClr r="0" g="0" b="0"/>
+      </a:lnRef>
+      <a:fillRef idx="1">
+        <a:scrgbClr r="0" g="0" b="0"/>
+      </a:fillRef>
+      <a:effectRef idx="1">
+        <a:scrgbClr r="0" g="0" b="0"/>
+      </a:effectRef>
+      <a:fontRef idx="minor">
+        <a:schemeClr val="lt1"/>
+      </a:fontRef>
+    </dgm:style>
+  </dgm:styleLbl>
+  <dgm:styleLbl name="parChTrans2D2">
+    <dgm:scene3d>
+      <a:camera prst="orthographicFront"/>
+      <a:lightRig rig="threePt" dir="t"/>
+    </dgm:scene3d>
+    <dgm:sp3d/>
+    <dgm:txPr/>
+    <dgm:style>
+      <a:lnRef idx="3">
+        <a:scrgbClr r="0" g="0" b="0"/>
+      </a:lnRef>
+      <a:fillRef idx="1">
+        <a:scrgbClr r="0" g="0" b="0"/>
+      </a:fillRef>
+      <a:effectRef idx="1">
+        <a:scrgbClr r="0" g="0" b="0"/>
+      </a:effectRef>
+      <a:fontRef idx="minor">
+        <a:schemeClr val="lt1"/>
+      </a:fontRef>
+    </dgm:style>
+  </dgm:styleLbl>
+  <dgm:styleLbl name="parChTrans2D3">
+    <dgm:scene3d>
+      <a:camera prst="orthographicFront"/>
+      <a:lightRig rig="threePt" dir="t"/>
+    </dgm:scene3d>
+    <dgm:sp3d/>
+    <dgm:txPr/>
+    <dgm:style>
+      <a:lnRef idx="3">
+        <a:scrgbClr r="0" g="0" b="0"/>
+      </a:lnRef>
+      <a:fillRef idx="1">
+        <a:scrgbClr r="0" g="0" b="0"/>
+      </a:fillRef>
+      <a:effectRef idx="1">
+        <a:scrgbClr r="0" g="0" b="0"/>
+      </a:effectRef>
+      <a:fontRef idx="minor">
+        <a:schemeClr val="lt1"/>
+      </a:fontRef>
+    </dgm:style>
+  </dgm:styleLbl>
+  <dgm:styleLbl name="parChTrans2D4">
+    <dgm:scene3d>
+      <a:camera prst="orthographicFront"/>
+      <a:lightRig rig="threePt" dir="t"/>
+    </dgm:scene3d>
+    <dgm:sp3d/>
+    <dgm:txPr/>
+    <dgm:style>
+      <a:lnRef idx="3">
+        <a:scrgbClr r="0" g="0" b="0"/>
+      </a:lnRef>
+      <a:fillRef idx="1">
+        <a:scrgbClr r="0" g="0" b="0"/>
+      </a:fillRef>
+      <a:effectRef idx="1">
+        <a:scrgbClr r="0" g="0" b="0"/>
+      </a:effectRef>
+      <a:fontRef idx="minor">
+        <a:schemeClr val="lt1"/>
+      </a:fontRef>
+    </dgm:style>
+  </dgm:styleLbl>
+  <dgm:styleLbl name="parChTrans1D1">
+    <dgm:scene3d>
+      <a:camera prst="orthographicFront"/>
+      <a:lightRig rig="threePt" dir="t"/>
+    </dgm:scene3d>
+    <dgm:sp3d/>
+    <dgm:txPr/>
+    <dgm:style>
+      <a:lnRef idx="2">
+        <a:scrgbClr r="0" g="0" b="0"/>
+      </a:lnRef>
+      <a:fillRef idx="0">
+        <a:scrgbClr r="0" g="0" b="0"/>
+      </a:fillRef>
+      <a:effectRef idx="0">
+        <a:scrgbClr r="0" g="0" b="0"/>
+      </a:effectRef>
+      <a:fontRef idx="minor"/>
+    </dgm:style>
+  </dgm:styleLbl>
+  <dgm:styleLbl name="parChTrans1D2">
+    <dgm:scene3d>
+      <a:camera prst="orthographicFront"/>
+      <a:lightRig rig="threePt" dir="t"/>
+    </dgm:scene3d>
+    <dgm:sp3d/>
+    <dgm:txPr/>
+    <dgm:style>
+      <a:lnRef idx="2">
+        <a:scrgbClr r="0" g="0" b="0"/>
+      </a:lnRef>
+      <a:fillRef idx="0">
+        <a:scrgbClr r="0" g="0" b="0"/>
+      </a:fillRef>
+      <a:effectRef idx="0">
+        <a:scrgbClr r="0" g="0" b="0"/>
+      </a:effectRef>
+      <a:fontRef idx="minor"/>
+    </dgm:style>
+  </dgm:styleLbl>
+  <dgm:styleLbl name="parChTrans1D3">
+    <dgm:scene3d>
+      <a:camera prst="orthographicFront"/>
+      <a:lightRig rig="threePt" dir="t"/>
+    </dgm:scene3d>
+    <dgm:sp3d/>
+    <dgm:txPr/>
+    <dgm:style>
+      <a:lnRef idx="2">
+        <a:scrgbClr r="0" g="0" b="0"/>
+      </a:lnRef>
+      <a:fillRef idx="0">
+        <a:scrgbClr r="0" g="0" b="0"/>
+      </a:fillRef>
+      <a:effectRef idx="0">
+        <a:scrgbClr r="0" g="0" b="0"/>
+      </a:effectRef>
+      <a:fontRef idx="minor"/>
+    </dgm:style>
+  </dgm:styleLbl>
+  <dgm:styleLbl name="parChTrans1D4">
+    <dgm:scene3d>
+      <a:camera prst="orthographicFront"/>
+      <a:lightRig rig="threePt" dir="t"/>
+    </dgm:scene3d>
+    <dgm:sp3d/>
+    <dgm:txPr/>
+    <dgm:style>
+      <a:lnRef idx="2">
+        <a:scrgbClr r="0" g="0" b="0"/>
+      </a:lnRef>
+      <a:fillRef idx="0">
+        <a:scrgbClr r="0" g="0" b="0"/>
+      </a:fillRef>
+      <a:effectRef idx="0">
+        <a:scrgbClr r="0" g="0" b="0"/>
+      </a:effectRef>
+      <a:fontRef idx="minor"/>
+    </dgm:style>
+  </dgm:styleLbl>
+  <dgm:styleLbl name="fgAcc1">
+    <dgm:scene3d>
+      <a:camera prst="orthographicFront"/>
+      <a:lightRig rig="threePt" dir="t"/>
+    </dgm:scene3d>
+    <dgm:sp3d/>
+    <dgm:txPr/>
+    <dgm:style>
+      <a:lnRef idx="2">
+        <a:scrgbClr r="0" g="0" b="0"/>
+      </a:lnRef>
+      <a:fillRef idx="1">
+        <a:scrgbClr r="0" g="0" b="0"/>
+      </a:fillRef>
+      <a:effectRef idx="0">
+        <a:scrgbClr r="0" g="0" b="0"/>
+      </a:effectRef>
+      <a:fontRef idx="minor"/>
+    </dgm:style>
+  </dgm:styleLbl>
+  <dgm:styleLbl name="conFgAcc1">
+    <dgm:scene3d>
+      <a:camera prst="orthographicFront"/>
+      <a:lightRig rig="threePt" dir="t"/>
+    </dgm:scene3d>
+    <dgm:sp3d/>
+    <dgm:txPr/>
+    <dgm:style>
+      <a:lnRef idx="2">
+        <a:scrgbClr r="0" g="0" b="0"/>
+      </a:lnRef>
+      <a:fillRef idx="1">
+        <a:scrgbClr r="0" g="0" b="0"/>
+      </a:fillRef>
+      <a:effectRef idx="0">
+        <a:scrgbClr r="0" g="0" b="0"/>
+      </a:effectRef>
+      <a:fontRef idx="minor"/>
+    </dgm:style>
+  </dgm:styleLbl>
+  <dgm:styleLbl name="alignAcc1">
+    <dgm:scene3d>
+      <a:camera prst="orthographicFront"/>
+      <a:lightRig rig="threePt" dir="t"/>
+    </dgm:scene3d>
+    <dgm:sp3d/>
+    <dgm:txPr/>
+    <dgm:style>
+      <a:lnRef idx="2">
+        <a:scrgbClr r="0" g="0" b="0"/>
+      </a:lnRef>
+      <a:fillRef idx="1">
+        <a:scrgbClr r="0" g="0" b="0"/>
+      </a:fillRef>
+      <a:effectRef idx="0">
+        <a:scrgbClr r="0" g="0" b="0"/>
+      </a:effectRef>
+      <a:fontRef idx="minor"/>
+    </dgm:style>
+  </dgm:styleLbl>
+  <dgm:styleLbl name="trAlignAcc1">
+    <dgm:scene3d>
+      <a:camera prst="orthographicFront"/>
+      <a:lightRig rig="threePt" dir="t"/>
+    </dgm:scene3d>
+    <dgm:sp3d/>
+    <dgm:txPr/>
+    <dgm:style>
+      <a:lnRef idx="1">
+        <a:scrgbClr r="0" g="0" b="0"/>
+      </a:lnRef>
+      <a:fillRef idx="1">
+        <a:scrgbClr r="0" g="0" b="0"/>
+      </a:fillRef>
+      <a:effectRef idx="0">
+        <a:scrgbClr r="0" g="0" b="0"/>
+      </a:effectRef>
+      <a:fontRef idx="minor"/>
+    </dgm:style>
+  </dgm:styleLbl>
+  <dgm:styleLbl name="bgAcc1">
+    <dgm:scene3d>
+      <a:camera prst="orthographicFront"/>
+      <a:lightRig rig="threePt" dir="t"/>
+    </dgm:scene3d>
+    <dgm:sp3d/>
+    <dgm:txPr/>
+    <dgm:style>
+      <a:lnRef idx="2">
+        <a:scrgbClr r="0" g="0" b="0"/>
+      </a:lnRef>
+      <a:fillRef idx="1">
+        <a:scrgbClr r="0" g="0" b="0"/>
+      </a:fillRef>
+      <a:effectRef idx="0">
+        <a:scrgbClr r="0" g="0" b="0"/>
+      </a:effectRef>
+      <a:fontRef idx="minor"/>
+    </dgm:style>
+  </dgm:styleLbl>
+  <dgm:styleLbl name="solidFgAcc1">
+    <dgm:scene3d>
+      <a:camera prst="orthographicFront"/>
+      <a:lightRig rig="threePt" dir="t"/>
+    </dgm:scene3d>
+    <dgm:sp3d/>
+    <dgm:txPr/>
+    <dgm:style>
+      <a:lnRef idx="2">
+        <a:scrgbClr r="0" g="0" b="0"/>
+      </a:lnRef>
+      <a:fillRef idx="1">
+        <a:scrgbClr r="0" g="0" b="0"/>
+      </a:fillRef>
+      <a:effectRef idx="0">
+        <a:scrgbClr r="0" g="0" b="0"/>
+      </a:effectRef>
+      <a:fontRef idx="minor"/>
+    </dgm:style>
+  </dgm:styleLbl>
+  <dgm:styleLbl name="solidAlignAcc1">
+    <dgm:scene3d>
+      <a:camera prst="orthographicFront"/>
+      <a:lightRig rig="threePt" dir="t"/>
+    </dgm:scene3d>
+    <dgm:sp3d/>
+    <dgm:txPr/>
+    <dgm:style>
+      <a:lnRef idx="2">
+        <a:scrgbClr r="0" g="0" b="0"/>
+      </a:lnRef>
+      <a:fillRef idx="1">
+        <a:scrgbClr r="0" g="0" b="0"/>
+      </a:fillRef>
+      <a:effectRef idx="0">
+        <a:scrgbClr r="0" g="0" b="0"/>
+      </a:effectRef>
+      <a:fontRef idx="minor"/>
+    </dgm:style>
+  </dgm:styleLbl>
+  <dgm:styleLbl name="solidBgAcc1">
+    <dgm:scene3d>
+      <a:camera prst="orthographicFront"/>
+      <a:lightRig rig="threePt" dir="t"/>
+    </dgm:scene3d>
+    <dgm:sp3d/>
+    <dgm:txPr/>
+    <dgm:style>
+      <a:lnRef idx="2">
+        <a:scrgbClr r="0" g="0" b="0"/>
+      </a:lnRef>
+      <a:fillRef idx="1">
+        <a:scrgbClr r="0" g="0" b="0"/>
+      </a:fillRef>
+      <a:effectRef idx="0">
+        <a:scrgbClr r="0" g="0" b="0"/>
+      </a:effectRef>
+      <a:fontRef idx="minor"/>
+    </dgm:style>
+  </dgm:styleLbl>
+  <dgm:styleLbl name="fgAccFollowNode1">
+    <dgm:scene3d>
+      <a:camera prst="orthographicFront"/>
+      <a:lightRig rig="threePt" dir="t"/>
+    </dgm:scene3d>
+    <dgm:sp3d/>
+    <dgm:txPr/>
+    <dgm:style>
+      <a:lnRef idx="2">
+        <a:scrgbClr r="0" g="0" b="0"/>
+      </a:lnRef>
+      <a:fillRef idx="1">
+        <a:scrgbClr r="0" g="0" b="0"/>
+      </a:fillRef>
+      <a:effectRef idx="0">
+        <a:scrgbClr r="0" g="0" b="0"/>
+      </a:effectRef>
+      <a:fontRef idx="minor"/>
+    </dgm:style>
+  </dgm:styleLbl>
+  <dgm:styleLbl name="alignAccFollowNode1">
+    <dgm:scene3d>
+      <a:camera prst="orthographicFront"/>
+      <a:lightRig rig="threePt" dir="t"/>
+    </dgm:scene3d>
+    <dgm:sp3d/>
+    <dgm:txPr/>
+    <dgm:style>
+      <a:lnRef idx="2">
+        <a:scrgbClr r="0" g="0" b="0"/>
+      </a:lnRef>
+      <a:fillRef idx="1">
+        <a:scrgbClr r="0" g="0" b="0"/>
+      </a:fillRef>
+      <a:effectRef idx="0">
+        <a:scrgbClr r="0" g="0" b="0"/>
+      </a:effectRef>
+      <a:fontRef idx="minor"/>
+    </dgm:style>
+  </dgm:styleLbl>
+  <dgm:styleLbl name="bgAccFollowNode1">
+    <dgm:scene3d>
+      <a:camera prst="orthographicFront"/>
+      <a:lightRig rig="threePt" dir="t"/>
+    </dgm:scene3d>
+    <dgm:sp3d/>
+    <dgm:txPr/>
+    <dgm:style>
+      <a:lnRef idx="2">
+        <a:scrgbClr r="0" g="0" b="0"/>
+      </a:lnRef>
+      <a:fillRef idx="1">
+        <a:scrgbClr r="0" g="0" b="0"/>
+      </a:fillRef>
+      <a:effectRef idx="0">
+        <a:scrgbClr r="0" g="0" b="0"/>
+      </a:effectRef>
+      <a:fontRef idx="minor"/>
+    </dgm:style>
+  </dgm:styleLbl>
+  <dgm:styleLbl name="fgAcc0">
+    <dgm:scene3d>
+      <a:camera prst="orthographicFront"/>
+      <a:lightRig rig="threePt" dir="t"/>
+    </dgm:scene3d>
+    <dgm:sp3d/>
+    <dgm:txPr/>
+    <dgm:style>
+      <a:lnRef idx="2">
+        <a:scrgbClr r="0" g="0" b="0"/>
+      </a:lnRef>
+      <a:fillRef idx="1">
+        <a:scrgbClr r="0" g="0" b="0"/>
+      </a:fillRef>
+      <a:effectRef idx="0">
+        <a:scrgbClr r="0" g="0" b="0"/>
+      </a:effectRef>
+      <a:fontRef idx="minor"/>
+    </dgm:style>
+  </dgm:styleLbl>
+  <dgm:styleLbl name="fgAcc2">
+    <dgm:scene3d>
+      <a:camera prst="orthographicFront"/>
+      <a:lightRig rig="threePt" dir="t"/>
+    </dgm:scene3d>
+    <dgm:sp3d/>
+    <dgm:txPr/>
+    <dgm:style>
+      <a:lnRef idx="2">
+        <a:scrgbClr r="0" g="0" b="0"/>
+      </a:lnRef>
+      <a:fillRef idx="1">
+        <a:scrgbClr r="0" g="0" b="0"/>
+      </a:fillRef>
+      <a:effectRef idx="0">
+        <a:scrgbClr r="0" g="0" b="0"/>
+      </a:effectRef>
+      <a:fontRef idx="minor"/>
+    </dgm:style>
+  </dgm:styleLbl>
+  <dgm:styleLbl name="fgAcc3">
+    <dgm:scene3d>
+      <a:camera prst="orthographicFront"/>
+      <a:lightRig rig="threePt" dir="t"/>
+    </dgm:scene3d>
+    <dgm:sp3d/>
+    <dgm:txPr/>
+    <dgm:style>
+      <a:lnRef idx="2">
+        <a:scrgbClr r="0" g="0" b="0"/>
+      </a:lnRef>
+      <a:fillRef idx="1">
+        <a:scrgbClr r="0" g="0" b="0"/>
+      </a:fillRef>
+      <a:effectRef idx="0">
+        <a:scrgbClr r="0" g="0" b="0"/>
+      </a:effectRef>
+      <a:fontRef idx="minor"/>
+    </dgm:style>
+  </dgm:styleLbl>
+  <dgm:styleLbl name="fgAcc4">
+    <dgm:scene3d>
+      <a:camera prst="orthographicFront"/>
+      <a:lightRig rig="threePt" dir="t"/>
+    </dgm:scene3d>
+    <dgm:sp3d/>
+    <dgm:txPr/>
+    <dgm:style>
+      <a:lnRef idx="2">
+        <a:scrgbClr r="0" g="0" b="0"/>
+      </a:lnRef>
+      <a:fillRef idx="1">
+        <a:scrgbClr r="0" g="0" b="0"/>
+      </a:fillRef>
+      <a:effectRef idx="0">
+        <a:scrgbClr r="0" g="0" b="0"/>
+      </a:effectRef>
+      <a:fontRef idx="minor"/>
+    </dgm:style>
+  </dgm:styleLbl>
+  <dgm:styleLbl name="bgShp">
+    <dgm:scene3d>
+      <a:camera prst="orthographicFront"/>
+      <a:lightRig rig="threePt" dir="t"/>
+    </dgm:scene3d>
+    <dgm:sp3d/>
+    <dgm:txPr/>
+    <dgm:style>
+      <a:lnRef idx="0">
+        <a:scrgbClr r="0" g="0" b="0"/>
+      </a:lnRef>
+      <a:fillRef idx="1">
+        <a:scrgbClr r="0" g="0" b="0"/>
+      </a:fillRef>
+      <a:effectRef idx="0">
+        <a:scrgbClr r="0" g="0" b="0"/>
+      </a:effectRef>
+      <a:fontRef idx="minor"/>
+    </dgm:style>
+  </dgm:styleLbl>
+  <dgm:styleLbl name="dkBgShp">
+    <dgm:scene3d>
+      <a:camera prst="orthographicFront"/>
+      <a:lightRig rig="threePt" dir="t"/>
+    </dgm:scene3d>
+    <dgm:sp3d/>
+    <dgm:txPr/>
+    <dgm:style>
+      <a:lnRef idx="0">
+        <a:scrgbClr r="0" g="0" b="0"/>
+      </a:lnRef>
+      <a:fillRef idx="1">
+        <a:scrgbClr r="0" g="0" b="0"/>
+      </a:fillRef>
+      <a:effectRef idx="0">
+        <a:scrgbClr r="0" g="0" b="0"/>
+      </a:effectRef>
+      <a:fontRef idx="minor"/>
+    </dgm:style>
+  </dgm:styleLbl>
+  <dgm:styleLbl name="trBgShp">
+    <dgm:scene3d>
+      <a:camera prst="orthographicFront"/>
+      <a:lightRig rig="threePt" dir="t"/>
+    </dgm:scene3d>
+    <dgm:sp3d/>
+    <dgm:txPr/>
+    <dgm:style>
+      <a:lnRef idx="0">
+        <a:scrgbClr r="0" g="0" b="0"/>
+      </a:lnRef>
+      <a:fillRef idx="1">
+        <a:scrgbClr r="0" g="0" b="0"/>
+      </a:fillRef>
+      <a:effectRef idx="0">
+        <a:scrgbClr r="0" g="0" b="0"/>
+      </a:effectRef>
+      <a:fontRef idx="minor"/>
+    </dgm:style>
+  </dgm:styleLbl>
+  <dgm:styleLbl name="fgShp">
+    <dgm:scene3d>
+      <a:camera prst="orthographicFront"/>
+      <a:lightRig rig="threePt" dir="t"/>
+    </dgm:scene3d>
+    <dgm:sp3d/>
+    <dgm:txPr/>
+    <dgm:style>
+      <a:lnRef idx="3">
+        <a:scrgbClr r="0" g="0" b="0"/>
+      </a:lnRef>
+      <a:fillRef idx="1">
+        <a:scrgbClr r="0" g="0" b="0"/>
+      </a:fillRef>
+      <a:effectRef idx="1">
+        <a:scrgbClr r="0" g="0" b="0"/>
+      </a:effectRef>
+      <a:fontRef idx="minor"/>
+    </dgm:style>
+  </dgm:styleLbl>
+  <dgm:styleLbl name="revTx">
+    <dgm:scene3d>
+      <a:camera prst="orthographicFront"/>
+      <a:lightRig rig="threePt" dir="t"/>
+    </dgm:scene3d>
+    <dgm:sp3d/>
+    <dgm:txPr/>
+    <dgm:style>
+      <a:lnRef idx="0">
+        <a:scrgbClr r="0" g="0" b="0"/>
+      </a:lnRef>
+      <a:fillRef idx="0">
+        <a:scrgbClr r="0" g="0" b="0"/>
+      </a:fillRef>
+      <a:effectRef idx="0">
+        <a:scrgbClr r="0" g="0" b="0"/>
+      </a:effectRef>
+      <a:fontRef idx="minor"/>
+    </dgm:style>
+  </dgm:styleLbl>
+</dgm:styleDef>
 </file>
 
 <file path=ppt/slideLayouts/slideLayout1.xml><?xml version="1.0" encoding="utf-8"?>
@@ -136,15 +3791,15 @@
         </p:nvSpPr>
         <p:spPr>
           <a:xfrm>
-            <a:off x="914400" y="2948801"/>
-            <a:ext cx="10363200" cy="6272977"/>
+            <a:off x="4004072" y="2948801"/>
+            <a:ext cx="24024431" cy="6272977"/>
           </a:xfrm>
         </p:spPr>
         <p:txBody>
           <a:bodyPr anchor="b"/>
           <a:lstStyle>
             <a:lvl1pPr algn="ctr">
-              <a:defRPr sz="8000"/>
+              <a:defRPr sz="15764"/>
             </a:lvl1pPr>
           </a:lstStyle>
           <a:p>
@@ -168,8 +3823,8 @@
         </p:nvSpPr>
         <p:spPr>
           <a:xfrm>
-            <a:off x="1524000" y="9463688"/>
-            <a:ext cx="9144000" cy="4350208"/>
+            <a:off x="4004072" y="9463688"/>
+            <a:ext cx="24024431" cy="4350208"/>
           </a:xfrm>
         </p:spPr>
         <p:txBody>
@@ -177,39 +3832,39 @@
           <a:lstStyle>
             <a:lvl1pPr marL="0" indent="0" algn="ctr">
               <a:buNone/>
-              <a:defRPr sz="3200"/>
+              <a:defRPr sz="6306"/>
             </a:lvl1pPr>
-            <a:lvl2pPr marL="609585" indent="0" algn="ctr">
+            <a:lvl2pPr marL="1201202" indent="0" algn="ctr">
               <a:buNone/>
-              <a:defRPr sz="2667"/>
+              <a:defRPr sz="5255"/>
             </a:lvl2pPr>
-            <a:lvl3pPr marL="1219170" indent="0" algn="ctr">
+            <a:lvl3pPr marL="2402403" indent="0" algn="ctr">
               <a:buNone/>
-              <a:defRPr sz="2400"/>
+              <a:defRPr sz="4729"/>
             </a:lvl3pPr>
-            <a:lvl4pPr marL="1828754" indent="0" algn="ctr">
+            <a:lvl4pPr marL="3603605" indent="0" algn="ctr">
               <a:buNone/>
-              <a:defRPr sz="2133"/>
+              <a:defRPr sz="4204"/>
             </a:lvl4pPr>
-            <a:lvl5pPr marL="2438339" indent="0" algn="ctr">
+            <a:lvl5pPr marL="4804806" indent="0" algn="ctr">
               <a:buNone/>
-              <a:defRPr sz="2133"/>
+              <a:defRPr sz="4204"/>
             </a:lvl5pPr>
-            <a:lvl6pPr marL="3047924" indent="0" algn="ctr">
+            <a:lvl6pPr marL="6006008" indent="0" algn="ctr">
               <a:buNone/>
-              <a:defRPr sz="2133"/>
+              <a:defRPr sz="4204"/>
             </a:lvl6pPr>
-            <a:lvl7pPr marL="3657509" indent="0" algn="ctr">
+            <a:lvl7pPr marL="7207209" indent="0" algn="ctr">
               <a:buNone/>
-              <a:defRPr sz="2133"/>
+              <a:defRPr sz="4204"/>
             </a:lvl7pPr>
-            <a:lvl8pPr marL="4267093" indent="0" algn="ctr">
+            <a:lvl8pPr marL="8408411" indent="0" algn="ctr">
               <a:buNone/>
-              <a:defRPr sz="2133"/>
+              <a:defRPr sz="4204"/>
             </a:lvl8pPr>
-            <a:lvl9pPr marL="4876678" indent="0" algn="ctr">
+            <a:lvl9pPr marL="9609612" indent="0" algn="ctr">
               <a:buNone/>
-              <a:defRPr sz="2133"/>
+              <a:defRPr sz="4204"/>
             </a:lvl9pPr>
           </a:lstStyle>
           <a:p>
@@ -238,7 +3893,7 @@
           <a:p>
             <a:fld id="{56E17E0E-BED0-40DA-882A-A57045C57D8C}" type="datetimeFigureOut">
               <a:rPr lang="es-ES" smtClean="0"/>
-              <a:t>20/01/2019</a:t>
+              <a:t>24/01/2019</a:t>
             </a:fld>
             <a:endParaRPr lang="es-ES"/>
           </a:p>
@@ -289,7 +3944,7 @@
     </p:spTree>
     <p:extLst>
       <p:ext uri="{BB962C8B-B14F-4D97-AF65-F5344CB8AC3E}">
-        <p14:creationId xmlns:p14="http://schemas.microsoft.com/office/powerpoint/2010/main" val="51177546"/>
+        <p14:creationId xmlns:p14="http://schemas.microsoft.com/office/powerpoint/2010/main" val="2891543726"/>
       </p:ext>
     </p:extLst>
   </p:cSld>
@@ -408,7 +4063,7 @@
           <a:p>
             <a:fld id="{56E17E0E-BED0-40DA-882A-A57045C57D8C}" type="datetimeFigureOut">
               <a:rPr lang="es-ES" smtClean="0"/>
-              <a:t>20/01/2019</a:t>
+              <a:t>24/01/2019</a:t>
             </a:fld>
             <a:endParaRPr lang="es-ES"/>
           </a:p>
@@ -459,7 +4114,7 @@
     </p:spTree>
     <p:extLst>
       <p:ext uri="{BB962C8B-B14F-4D97-AF65-F5344CB8AC3E}">
-        <p14:creationId xmlns:p14="http://schemas.microsoft.com/office/powerpoint/2010/main" val="3819780498"/>
+        <p14:creationId xmlns:p14="http://schemas.microsoft.com/office/powerpoint/2010/main" val="539094560"/>
       </p:ext>
     </p:extLst>
   </p:cSld>
@@ -498,8 +4153,8 @@
         </p:nvSpPr>
         <p:spPr>
           <a:xfrm>
-            <a:off x="8724901" y="959298"/>
-            <a:ext cx="2628900" cy="15269528"/>
+            <a:off x="22923311" y="959298"/>
+            <a:ext cx="6907024" cy="15269528"/>
           </a:xfrm>
         </p:spPr>
         <p:txBody>
@@ -526,8 +4181,8 @@
         </p:nvSpPr>
         <p:spPr>
           <a:xfrm>
-            <a:off x="838201" y="959298"/>
-            <a:ext cx="7734300" cy="15269528"/>
+            <a:off x="2202239" y="959298"/>
+            <a:ext cx="20320665" cy="15269528"/>
           </a:xfrm>
         </p:spPr>
         <p:txBody>
@@ -588,7 +4243,7 @@
           <a:p>
             <a:fld id="{56E17E0E-BED0-40DA-882A-A57045C57D8C}" type="datetimeFigureOut">
               <a:rPr lang="es-ES" smtClean="0"/>
-              <a:t>20/01/2019</a:t>
+              <a:t>24/01/2019</a:t>
             </a:fld>
             <a:endParaRPr lang="es-ES"/>
           </a:p>
@@ -639,7 +4294,7 @@
     </p:spTree>
     <p:extLst>
       <p:ext uri="{BB962C8B-B14F-4D97-AF65-F5344CB8AC3E}">
-        <p14:creationId xmlns:p14="http://schemas.microsoft.com/office/powerpoint/2010/main" val="1244087752"/>
+        <p14:creationId xmlns:p14="http://schemas.microsoft.com/office/powerpoint/2010/main" val="2897239860"/>
       </p:ext>
     </p:extLst>
   </p:cSld>
@@ -758,7 +4413,7 @@
           <a:p>
             <a:fld id="{56E17E0E-BED0-40DA-882A-A57045C57D8C}" type="datetimeFigureOut">
               <a:rPr lang="es-ES" smtClean="0"/>
-              <a:t>20/01/2019</a:t>
+              <a:t>24/01/2019</a:t>
             </a:fld>
             <a:endParaRPr lang="es-ES"/>
           </a:p>
@@ -809,7 +4464,7 @@
     </p:spTree>
     <p:extLst>
       <p:ext uri="{BB962C8B-B14F-4D97-AF65-F5344CB8AC3E}">
-        <p14:creationId xmlns:p14="http://schemas.microsoft.com/office/powerpoint/2010/main" val="1064314008"/>
+        <p14:creationId xmlns:p14="http://schemas.microsoft.com/office/powerpoint/2010/main" val="1111793840"/>
       </p:ext>
     </p:extLst>
   </p:cSld>
@@ -848,15 +4503,15 @@
         </p:nvSpPr>
         <p:spPr>
           <a:xfrm>
-            <a:off x="831851" y="4492024"/>
-            <a:ext cx="10515600" cy="7495038"/>
+            <a:off x="2185556" y="4492021"/>
+            <a:ext cx="27628096" cy="7495038"/>
           </a:xfrm>
         </p:spPr>
         <p:txBody>
           <a:bodyPr anchor="b"/>
           <a:lstStyle>
             <a:lvl1pPr>
-              <a:defRPr sz="8000"/>
+              <a:defRPr sz="15764"/>
             </a:lvl1pPr>
           </a:lstStyle>
           <a:p>
@@ -880,8 +4535,8 @@
         </p:nvSpPr>
         <p:spPr>
           <a:xfrm>
-            <a:off x="831851" y="12057968"/>
-            <a:ext cx="10515600" cy="3941464"/>
+            <a:off x="2185556" y="12057965"/>
+            <a:ext cx="27628096" cy="3941464"/>
           </a:xfrm>
         </p:spPr>
         <p:txBody>
@@ -889,15 +4544,17 @@
           <a:lstStyle>
             <a:lvl1pPr marL="0" indent="0">
               <a:buNone/>
-              <a:defRPr sz="3200">
+              <a:defRPr sz="6306">
                 <a:solidFill>
-                  <a:schemeClr val="tx1"/>
+                  <a:schemeClr val="tx1">
+                    <a:tint val="75000"/>
+                  </a:schemeClr>
                 </a:solidFill>
               </a:defRPr>
             </a:lvl1pPr>
-            <a:lvl2pPr marL="609585" indent="0">
+            <a:lvl2pPr marL="1201202" indent="0">
               <a:buNone/>
-              <a:defRPr sz="2667">
+              <a:defRPr sz="5255">
                 <a:solidFill>
                   <a:schemeClr val="tx1">
                     <a:tint val="75000"/>
@@ -905,9 +4562,9 @@
                 </a:solidFill>
               </a:defRPr>
             </a:lvl2pPr>
-            <a:lvl3pPr marL="1219170" indent="0">
+            <a:lvl3pPr marL="2402403" indent="0">
               <a:buNone/>
-              <a:defRPr sz="2400">
+              <a:defRPr sz="4729">
                 <a:solidFill>
                   <a:schemeClr val="tx1">
                     <a:tint val="75000"/>
@@ -915,9 +4572,9 @@
                 </a:solidFill>
               </a:defRPr>
             </a:lvl3pPr>
-            <a:lvl4pPr marL="1828754" indent="0">
+            <a:lvl4pPr marL="3603605" indent="0">
               <a:buNone/>
-              <a:defRPr sz="2133">
+              <a:defRPr sz="4204">
                 <a:solidFill>
                   <a:schemeClr val="tx1">
                     <a:tint val="75000"/>
@@ -925,9 +4582,9 @@
                 </a:solidFill>
               </a:defRPr>
             </a:lvl4pPr>
-            <a:lvl5pPr marL="2438339" indent="0">
+            <a:lvl5pPr marL="4804806" indent="0">
               <a:buNone/>
-              <a:defRPr sz="2133">
+              <a:defRPr sz="4204">
                 <a:solidFill>
                   <a:schemeClr val="tx1">
                     <a:tint val="75000"/>
@@ -935,9 +4592,9 @@
                 </a:solidFill>
               </a:defRPr>
             </a:lvl5pPr>
-            <a:lvl6pPr marL="3047924" indent="0">
+            <a:lvl6pPr marL="6006008" indent="0">
               <a:buNone/>
-              <a:defRPr sz="2133">
+              <a:defRPr sz="4204">
                 <a:solidFill>
                   <a:schemeClr val="tx1">
                     <a:tint val="75000"/>
@@ -945,9 +4602,9 @@
                 </a:solidFill>
               </a:defRPr>
             </a:lvl6pPr>
-            <a:lvl7pPr marL="3657509" indent="0">
+            <a:lvl7pPr marL="7207209" indent="0">
               <a:buNone/>
-              <a:defRPr sz="2133">
+              <a:defRPr sz="4204">
                 <a:solidFill>
                   <a:schemeClr val="tx1">
                     <a:tint val="75000"/>
@@ -955,9 +4612,9 @@
                 </a:solidFill>
               </a:defRPr>
             </a:lvl7pPr>
-            <a:lvl8pPr marL="4267093" indent="0">
+            <a:lvl8pPr marL="8408411" indent="0">
               <a:buNone/>
-              <a:defRPr sz="2133">
+              <a:defRPr sz="4204">
                 <a:solidFill>
                   <a:schemeClr val="tx1">
                     <a:tint val="75000"/>
@@ -965,9 +4622,9 @@
                 </a:solidFill>
               </a:defRPr>
             </a:lvl8pPr>
-            <a:lvl9pPr marL="4876678" indent="0">
+            <a:lvl9pPr marL="9609612" indent="0">
               <a:buNone/>
-              <a:defRPr sz="2133">
+              <a:defRPr sz="4204">
                 <a:solidFill>
                   <a:schemeClr val="tx1">
                     <a:tint val="75000"/>
@@ -1002,7 +4659,7 @@
           <a:p>
             <a:fld id="{56E17E0E-BED0-40DA-882A-A57045C57D8C}" type="datetimeFigureOut">
               <a:rPr lang="es-ES" smtClean="0"/>
-              <a:t>20/01/2019</a:t>
+              <a:t>24/01/2019</a:t>
             </a:fld>
             <a:endParaRPr lang="es-ES"/>
           </a:p>
@@ -1053,7 +4710,7 @@
     </p:spTree>
     <p:extLst>
       <p:ext uri="{BB962C8B-B14F-4D97-AF65-F5344CB8AC3E}">
-        <p14:creationId xmlns:p14="http://schemas.microsoft.com/office/powerpoint/2010/main" val="915235561"/>
+        <p14:creationId xmlns:p14="http://schemas.microsoft.com/office/powerpoint/2010/main" val="3580311453"/>
       </p:ext>
     </p:extLst>
   </p:cSld>
@@ -1115,8 +4772,8 @@
         </p:nvSpPr>
         <p:spPr>
           <a:xfrm>
-            <a:off x="838200" y="4796492"/>
-            <a:ext cx="5181600" cy="11432335"/>
+            <a:off x="2202240" y="4796492"/>
+            <a:ext cx="13613844" cy="11432335"/>
           </a:xfrm>
         </p:spPr>
         <p:txBody>
@@ -1172,8 +4829,8 @@
         </p:nvSpPr>
         <p:spPr>
           <a:xfrm>
-            <a:off x="6172200" y="4796492"/>
-            <a:ext cx="5181600" cy="11432335"/>
+            <a:off x="16216491" y="4796492"/>
+            <a:ext cx="13613844" cy="11432335"/>
           </a:xfrm>
         </p:spPr>
         <p:txBody>
@@ -1234,7 +4891,7 @@
           <a:p>
             <a:fld id="{56E17E0E-BED0-40DA-882A-A57045C57D8C}" type="datetimeFigureOut">
               <a:rPr lang="es-ES" smtClean="0"/>
-              <a:t>20/01/2019</a:t>
+              <a:t>24/01/2019</a:t>
             </a:fld>
             <a:endParaRPr lang="es-ES"/>
           </a:p>
@@ -1285,7 +4942,7 @@
     </p:spTree>
     <p:extLst>
       <p:ext uri="{BB962C8B-B14F-4D97-AF65-F5344CB8AC3E}">
-        <p14:creationId xmlns:p14="http://schemas.microsoft.com/office/powerpoint/2010/main" val="2903043285"/>
+        <p14:creationId xmlns:p14="http://schemas.microsoft.com/office/powerpoint/2010/main" val="2223411294"/>
       </p:ext>
     </p:extLst>
   </p:cSld>
@@ -1324,8 +4981,8 @@
         </p:nvSpPr>
         <p:spPr>
           <a:xfrm>
-            <a:off x="839788" y="959302"/>
-            <a:ext cx="10515600" cy="3482671"/>
+            <a:off x="2206412" y="959300"/>
+            <a:ext cx="27628096" cy="3482671"/>
           </a:xfrm>
         </p:spPr>
         <p:txBody>
@@ -1352,8 +5009,8 @@
         </p:nvSpPr>
         <p:spPr>
           <a:xfrm>
-            <a:off x="839789" y="4416945"/>
-            <a:ext cx="5157787" cy="2164676"/>
+            <a:off x="2206413" y="4416945"/>
+            <a:ext cx="13551279" cy="2164676"/>
           </a:xfrm>
         </p:spPr>
         <p:txBody>
@@ -1361,39 +5018,39 @@
           <a:lstStyle>
             <a:lvl1pPr marL="0" indent="0">
               <a:buNone/>
-              <a:defRPr sz="3200" b="1"/>
+              <a:defRPr sz="6306" b="1"/>
             </a:lvl1pPr>
-            <a:lvl2pPr marL="609585" indent="0">
+            <a:lvl2pPr marL="1201202" indent="0">
               <a:buNone/>
-              <a:defRPr sz="2667" b="1"/>
+              <a:defRPr sz="5255" b="1"/>
             </a:lvl2pPr>
-            <a:lvl3pPr marL="1219170" indent="0">
+            <a:lvl3pPr marL="2402403" indent="0">
               <a:buNone/>
-              <a:defRPr sz="2400" b="1"/>
+              <a:defRPr sz="4729" b="1"/>
             </a:lvl3pPr>
-            <a:lvl4pPr marL="1828754" indent="0">
+            <a:lvl4pPr marL="3603605" indent="0">
               <a:buNone/>
-              <a:defRPr sz="2133" b="1"/>
+              <a:defRPr sz="4204" b="1"/>
             </a:lvl4pPr>
-            <a:lvl5pPr marL="2438339" indent="0">
+            <a:lvl5pPr marL="4804806" indent="0">
               <a:buNone/>
-              <a:defRPr sz="2133" b="1"/>
+              <a:defRPr sz="4204" b="1"/>
             </a:lvl5pPr>
-            <a:lvl6pPr marL="3047924" indent="0">
+            <a:lvl6pPr marL="6006008" indent="0">
               <a:buNone/>
-              <a:defRPr sz="2133" b="1"/>
+              <a:defRPr sz="4204" b="1"/>
             </a:lvl6pPr>
-            <a:lvl7pPr marL="3657509" indent="0">
+            <a:lvl7pPr marL="7207209" indent="0">
               <a:buNone/>
-              <a:defRPr sz="2133" b="1"/>
+              <a:defRPr sz="4204" b="1"/>
             </a:lvl7pPr>
-            <a:lvl8pPr marL="4267093" indent="0">
+            <a:lvl8pPr marL="8408411" indent="0">
               <a:buNone/>
-              <a:defRPr sz="2133" b="1"/>
+              <a:defRPr sz="4204" b="1"/>
             </a:lvl8pPr>
-            <a:lvl9pPr marL="4876678" indent="0">
+            <a:lvl9pPr marL="9609612" indent="0">
               <a:buNone/>
-              <a:defRPr sz="2133" b="1"/>
+              <a:defRPr sz="4204" b="1"/>
             </a:lvl9pPr>
           </a:lstStyle>
           <a:p>
@@ -1417,8 +5074,8 @@
         </p:nvSpPr>
         <p:spPr>
           <a:xfrm>
-            <a:off x="839789" y="6581620"/>
-            <a:ext cx="5157787" cy="9680573"/>
+            <a:off x="2206413" y="6581620"/>
+            <a:ext cx="13551279" cy="9680573"/>
           </a:xfrm>
         </p:spPr>
         <p:txBody>
@@ -1474,8 +5131,8 @@
         </p:nvSpPr>
         <p:spPr>
           <a:xfrm>
-            <a:off x="6172201" y="4416945"/>
-            <a:ext cx="5183188" cy="2164676"/>
+            <a:off x="16216491" y="4416945"/>
+            <a:ext cx="13618017" cy="2164676"/>
           </a:xfrm>
         </p:spPr>
         <p:txBody>
@@ -1483,39 +5140,39 @@
           <a:lstStyle>
             <a:lvl1pPr marL="0" indent="0">
               <a:buNone/>
-              <a:defRPr sz="3200" b="1"/>
+              <a:defRPr sz="6306" b="1"/>
             </a:lvl1pPr>
-            <a:lvl2pPr marL="609585" indent="0">
+            <a:lvl2pPr marL="1201202" indent="0">
               <a:buNone/>
-              <a:defRPr sz="2667" b="1"/>
+              <a:defRPr sz="5255" b="1"/>
             </a:lvl2pPr>
-            <a:lvl3pPr marL="1219170" indent="0">
+            <a:lvl3pPr marL="2402403" indent="0">
               <a:buNone/>
-              <a:defRPr sz="2400" b="1"/>
+              <a:defRPr sz="4729" b="1"/>
             </a:lvl3pPr>
-            <a:lvl4pPr marL="1828754" indent="0">
+            <a:lvl4pPr marL="3603605" indent="0">
               <a:buNone/>
-              <a:defRPr sz="2133" b="1"/>
+              <a:defRPr sz="4204" b="1"/>
             </a:lvl4pPr>
-            <a:lvl5pPr marL="2438339" indent="0">
+            <a:lvl5pPr marL="4804806" indent="0">
               <a:buNone/>
-              <a:defRPr sz="2133" b="1"/>
+              <a:defRPr sz="4204" b="1"/>
             </a:lvl5pPr>
-            <a:lvl6pPr marL="3047924" indent="0">
+            <a:lvl6pPr marL="6006008" indent="0">
               <a:buNone/>
-              <a:defRPr sz="2133" b="1"/>
+              <a:defRPr sz="4204" b="1"/>
             </a:lvl6pPr>
-            <a:lvl7pPr marL="3657509" indent="0">
+            <a:lvl7pPr marL="7207209" indent="0">
               <a:buNone/>
-              <a:defRPr sz="2133" b="1"/>
+              <a:defRPr sz="4204" b="1"/>
             </a:lvl7pPr>
-            <a:lvl8pPr marL="4267093" indent="0">
+            <a:lvl8pPr marL="8408411" indent="0">
               <a:buNone/>
-              <a:defRPr sz="2133" b="1"/>
+              <a:defRPr sz="4204" b="1"/>
             </a:lvl8pPr>
-            <a:lvl9pPr marL="4876678" indent="0">
+            <a:lvl9pPr marL="9609612" indent="0">
               <a:buNone/>
-              <a:defRPr sz="2133" b="1"/>
+              <a:defRPr sz="4204" b="1"/>
             </a:lvl9pPr>
           </a:lstStyle>
           <a:p>
@@ -1539,8 +5196,8 @@
         </p:nvSpPr>
         <p:spPr>
           <a:xfrm>
-            <a:off x="6172201" y="6581620"/>
-            <a:ext cx="5183188" cy="9680573"/>
+            <a:off x="16216491" y="6581620"/>
+            <a:ext cx="13618017" cy="9680573"/>
           </a:xfrm>
         </p:spPr>
         <p:txBody>
@@ -1601,7 +5258,7 @@
           <a:p>
             <a:fld id="{56E17E0E-BED0-40DA-882A-A57045C57D8C}" type="datetimeFigureOut">
               <a:rPr lang="es-ES" smtClean="0"/>
-              <a:t>20/01/2019</a:t>
+              <a:t>24/01/2019</a:t>
             </a:fld>
             <a:endParaRPr lang="es-ES"/>
           </a:p>
@@ -1652,7 +5309,7 @@
     </p:spTree>
     <p:extLst>
       <p:ext uri="{BB962C8B-B14F-4D97-AF65-F5344CB8AC3E}">
-        <p14:creationId xmlns:p14="http://schemas.microsoft.com/office/powerpoint/2010/main" val="1943662329"/>
+        <p14:creationId xmlns:p14="http://schemas.microsoft.com/office/powerpoint/2010/main" val="2854629276"/>
       </p:ext>
     </p:extLst>
   </p:cSld>
@@ -1719,7 +5376,7 @@
           <a:p>
             <a:fld id="{56E17E0E-BED0-40DA-882A-A57045C57D8C}" type="datetimeFigureOut">
               <a:rPr lang="es-ES" smtClean="0"/>
-              <a:t>20/01/2019</a:t>
+              <a:t>24/01/2019</a:t>
             </a:fld>
             <a:endParaRPr lang="es-ES"/>
           </a:p>
@@ -1770,7 +5427,7 @@
     </p:spTree>
     <p:extLst>
       <p:ext uri="{BB962C8B-B14F-4D97-AF65-F5344CB8AC3E}">
-        <p14:creationId xmlns:p14="http://schemas.microsoft.com/office/powerpoint/2010/main" val="3025851163"/>
+        <p14:creationId xmlns:p14="http://schemas.microsoft.com/office/powerpoint/2010/main" val="374488945"/>
       </p:ext>
     </p:extLst>
   </p:cSld>
@@ -1814,7 +5471,7 @@
           <a:p>
             <a:fld id="{56E17E0E-BED0-40DA-882A-A57045C57D8C}" type="datetimeFigureOut">
               <a:rPr lang="es-ES" smtClean="0"/>
-              <a:t>20/01/2019</a:t>
+              <a:t>24/01/2019</a:t>
             </a:fld>
             <a:endParaRPr lang="es-ES"/>
           </a:p>
@@ -1865,7 +5522,7 @@
     </p:spTree>
     <p:extLst>
       <p:ext uri="{BB962C8B-B14F-4D97-AF65-F5344CB8AC3E}">
-        <p14:creationId xmlns:p14="http://schemas.microsoft.com/office/powerpoint/2010/main" val="1307921313"/>
+        <p14:creationId xmlns:p14="http://schemas.microsoft.com/office/powerpoint/2010/main" val="2504571207"/>
       </p:ext>
     </p:extLst>
   </p:cSld>
@@ -1904,15 +5561,15 @@
         </p:nvSpPr>
         <p:spPr>
           <a:xfrm>
-            <a:off x="839788" y="1201208"/>
-            <a:ext cx="3932237" cy="4204229"/>
+            <a:off x="2206413" y="1201208"/>
+            <a:ext cx="10331338" cy="4204229"/>
           </a:xfrm>
         </p:spPr>
         <p:txBody>
           <a:bodyPr anchor="b"/>
           <a:lstStyle>
             <a:lvl1pPr>
-              <a:defRPr sz="4267"/>
+              <a:defRPr sz="8407"/>
             </a:lvl1pPr>
           </a:lstStyle>
           <a:p>
@@ -1936,39 +5593,39 @@
         </p:nvSpPr>
         <p:spPr>
           <a:xfrm>
-            <a:off x="5183188" y="2594280"/>
-            <a:ext cx="6172200" cy="12804547"/>
+            <a:off x="13618017" y="2594278"/>
+            <a:ext cx="16216491" cy="12804547"/>
           </a:xfrm>
         </p:spPr>
         <p:txBody>
           <a:bodyPr/>
           <a:lstStyle>
             <a:lvl1pPr>
-              <a:defRPr sz="4267"/>
+              <a:defRPr sz="8407"/>
             </a:lvl1pPr>
             <a:lvl2pPr>
-              <a:defRPr sz="3733"/>
+              <a:defRPr sz="7356"/>
             </a:lvl2pPr>
             <a:lvl3pPr>
-              <a:defRPr sz="3200"/>
+              <a:defRPr sz="6306"/>
             </a:lvl3pPr>
             <a:lvl4pPr>
-              <a:defRPr sz="2667"/>
+              <a:defRPr sz="5255"/>
             </a:lvl4pPr>
             <a:lvl5pPr>
-              <a:defRPr sz="2667"/>
+              <a:defRPr sz="5255"/>
             </a:lvl5pPr>
             <a:lvl6pPr>
-              <a:defRPr sz="2667"/>
+              <a:defRPr sz="5255"/>
             </a:lvl6pPr>
             <a:lvl7pPr>
-              <a:defRPr sz="2667"/>
+              <a:defRPr sz="5255"/>
             </a:lvl7pPr>
             <a:lvl8pPr>
-              <a:defRPr sz="2667"/>
+              <a:defRPr sz="5255"/>
             </a:lvl8pPr>
             <a:lvl9pPr>
-              <a:defRPr sz="2667"/>
+              <a:defRPr sz="5255"/>
             </a:lvl9pPr>
           </a:lstStyle>
           <a:p>
@@ -2021,8 +5678,8 @@
         </p:nvSpPr>
         <p:spPr>
           <a:xfrm>
-            <a:off x="839788" y="5405437"/>
-            <a:ext cx="3932237" cy="10014242"/>
+            <a:off x="2206413" y="5405437"/>
+            <a:ext cx="10331338" cy="10014242"/>
           </a:xfrm>
         </p:spPr>
         <p:txBody>
@@ -2030,39 +5687,39 @@
           <a:lstStyle>
             <a:lvl1pPr marL="0" indent="0">
               <a:buNone/>
-              <a:defRPr sz="2133"/>
+              <a:defRPr sz="4204"/>
             </a:lvl1pPr>
-            <a:lvl2pPr marL="609585" indent="0">
+            <a:lvl2pPr marL="1201202" indent="0">
               <a:buNone/>
-              <a:defRPr sz="1867"/>
+              <a:defRPr sz="3678"/>
             </a:lvl2pPr>
-            <a:lvl3pPr marL="1219170" indent="0">
+            <a:lvl3pPr marL="2402403" indent="0">
               <a:buNone/>
-              <a:defRPr sz="1600"/>
+              <a:defRPr sz="3153"/>
             </a:lvl3pPr>
-            <a:lvl4pPr marL="1828754" indent="0">
+            <a:lvl4pPr marL="3603605" indent="0">
               <a:buNone/>
-              <a:defRPr sz="1333"/>
+              <a:defRPr sz="2627"/>
             </a:lvl4pPr>
-            <a:lvl5pPr marL="2438339" indent="0">
+            <a:lvl5pPr marL="4804806" indent="0">
               <a:buNone/>
-              <a:defRPr sz="1333"/>
+              <a:defRPr sz="2627"/>
             </a:lvl5pPr>
-            <a:lvl6pPr marL="3047924" indent="0">
+            <a:lvl6pPr marL="6006008" indent="0">
               <a:buNone/>
-              <a:defRPr sz="1333"/>
+              <a:defRPr sz="2627"/>
             </a:lvl6pPr>
-            <a:lvl7pPr marL="3657509" indent="0">
+            <a:lvl7pPr marL="7207209" indent="0">
               <a:buNone/>
-              <a:defRPr sz="1333"/>
+              <a:defRPr sz="2627"/>
             </a:lvl7pPr>
-            <a:lvl8pPr marL="4267093" indent="0">
+            <a:lvl8pPr marL="8408411" indent="0">
               <a:buNone/>
-              <a:defRPr sz="1333"/>
+              <a:defRPr sz="2627"/>
             </a:lvl8pPr>
-            <a:lvl9pPr marL="4876678" indent="0">
+            <a:lvl9pPr marL="9609612" indent="0">
               <a:buNone/>
-              <a:defRPr sz="1333"/>
+              <a:defRPr sz="2627"/>
             </a:lvl9pPr>
           </a:lstStyle>
           <a:p>
@@ -2091,7 +5748,7 @@
           <a:p>
             <a:fld id="{56E17E0E-BED0-40DA-882A-A57045C57D8C}" type="datetimeFigureOut">
               <a:rPr lang="es-ES" smtClean="0"/>
-              <a:t>20/01/2019</a:t>
+              <a:t>24/01/2019</a:t>
             </a:fld>
             <a:endParaRPr lang="es-ES"/>
           </a:p>
@@ -2142,7 +5799,7 @@
     </p:spTree>
     <p:extLst>
       <p:ext uri="{BB962C8B-B14F-4D97-AF65-F5344CB8AC3E}">
-        <p14:creationId xmlns:p14="http://schemas.microsoft.com/office/powerpoint/2010/main" val="156521616"/>
+        <p14:creationId xmlns:p14="http://schemas.microsoft.com/office/powerpoint/2010/main" val="350585992"/>
       </p:ext>
     </p:extLst>
   </p:cSld>
@@ -2181,15 +5838,15 @@
         </p:nvSpPr>
         <p:spPr>
           <a:xfrm>
-            <a:off x="839788" y="1201208"/>
-            <a:ext cx="3932237" cy="4204229"/>
+            <a:off x="2206413" y="1201208"/>
+            <a:ext cx="10331338" cy="4204229"/>
           </a:xfrm>
         </p:spPr>
         <p:txBody>
           <a:bodyPr anchor="b"/>
           <a:lstStyle>
             <a:lvl1pPr>
-              <a:defRPr sz="4267"/>
+              <a:defRPr sz="8407"/>
             </a:lvl1pPr>
           </a:lstStyle>
           <a:p>
@@ -2213,8 +5870,8 @@
         </p:nvSpPr>
         <p:spPr>
           <a:xfrm>
-            <a:off x="5183188" y="2594280"/>
-            <a:ext cx="6172200" cy="12804547"/>
+            <a:off x="13618017" y="2594278"/>
+            <a:ext cx="16216491" cy="12804547"/>
           </a:xfrm>
         </p:spPr>
         <p:txBody>
@@ -2222,39 +5879,39 @@
           <a:lstStyle>
             <a:lvl1pPr marL="0" indent="0">
               <a:buNone/>
-              <a:defRPr sz="4267"/>
+              <a:defRPr sz="8407"/>
             </a:lvl1pPr>
-            <a:lvl2pPr marL="609585" indent="0">
+            <a:lvl2pPr marL="1201202" indent="0">
               <a:buNone/>
-              <a:defRPr sz="3733"/>
+              <a:defRPr sz="7356"/>
             </a:lvl2pPr>
-            <a:lvl3pPr marL="1219170" indent="0">
+            <a:lvl3pPr marL="2402403" indent="0">
               <a:buNone/>
-              <a:defRPr sz="3200"/>
+              <a:defRPr sz="6306"/>
             </a:lvl3pPr>
-            <a:lvl4pPr marL="1828754" indent="0">
+            <a:lvl4pPr marL="3603605" indent="0">
               <a:buNone/>
-              <a:defRPr sz="2667"/>
+              <a:defRPr sz="5255"/>
             </a:lvl4pPr>
-            <a:lvl5pPr marL="2438339" indent="0">
+            <a:lvl5pPr marL="4804806" indent="0">
               <a:buNone/>
-              <a:defRPr sz="2667"/>
+              <a:defRPr sz="5255"/>
             </a:lvl5pPr>
-            <a:lvl6pPr marL="3047924" indent="0">
+            <a:lvl6pPr marL="6006008" indent="0">
               <a:buNone/>
-              <a:defRPr sz="2667"/>
+              <a:defRPr sz="5255"/>
             </a:lvl6pPr>
-            <a:lvl7pPr marL="3657509" indent="0">
+            <a:lvl7pPr marL="7207209" indent="0">
               <a:buNone/>
-              <a:defRPr sz="2667"/>
+              <a:defRPr sz="5255"/>
             </a:lvl7pPr>
-            <a:lvl8pPr marL="4267093" indent="0">
+            <a:lvl8pPr marL="8408411" indent="0">
               <a:buNone/>
-              <a:defRPr sz="2667"/>
+              <a:defRPr sz="5255"/>
             </a:lvl8pPr>
-            <a:lvl9pPr marL="4876678" indent="0">
+            <a:lvl9pPr marL="9609612" indent="0">
               <a:buNone/>
-              <a:defRPr sz="2667"/>
+              <a:defRPr sz="5255"/>
             </a:lvl9pPr>
           </a:lstStyle>
           <a:p>
@@ -2278,8 +5935,8 @@
         </p:nvSpPr>
         <p:spPr>
           <a:xfrm>
-            <a:off x="839788" y="5405437"/>
-            <a:ext cx="3932237" cy="10014242"/>
+            <a:off x="2206413" y="5405437"/>
+            <a:ext cx="10331338" cy="10014242"/>
           </a:xfrm>
         </p:spPr>
         <p:txBody>
@@ -2287,39 +5944,39 @@
           <a:lstStyle>
             <a:lvl1pPr marL="0" indent="0">
               <a:buNone/>
-              <a:defRPr sz="2133"/>
+              <a:defRPr sz="4204"/>
             </a:lvl1pPr>
-            <a:lvl2pPr marL="609585" indent="0">
+            <a:lvl2pPr marL="1201202" indent="0">
               <a:buNone/>
-              <a:defRPr sz="1867"/>
+              <a:defRPr sz="3678"/>
             </a:lvl2pPr>
-            <a:lvl3pPr marL="1219170" indent="0">
+            <a:lvl3pPr marL="2402403" indent="0">
               <a:buNone/>
-              <a:defRPr sz="1600"/>
+              <a:defRPr sz="3153"/>
             </a:lvl3pPr>
-            <a:lvl4pPr marL="1828754" indent="0">
+            <a:lvl4pPr marL="3603605" indent="0">
               <a:buNone/>
-              <a:defRPr sz="1333"/>
+              <a:defRPr sz="2627"/>
             </a:lvl4pPr>
-            <a:lvl5pPr marL="2438339" indent="0">
+            <a:lvl5pPr marL="4804806" indent="0">
               <a:buNone/>
-              <a:defRPr sz="1333"/>
+              <a:defRPr sz="2627"/>
             </a:lvl5pPr>
-            <a:lvl6pPr marL="3047924" indent="0">
+            <a:lvl6pPr marL="6006008" indent="0">
               <a:buNone/>
-              <a:defRPr sz="1333"/>
+              <a:defRPr sz="2627"/>
             </a:lvl6pPr>
-            <a:lvl7pPr marL="3657509" indent="0">
+            <a:lvl7pPr marL="7207209" indent="0">
               <a:buNone/>
-              <a:defRPr sz="1333"/>
+              <a:defRPr sz="2627"/>
             </a:lvl7pPr>
-            <a:lvl8pPr marL="4267093" indent="0">
+            <a:lvl8pPr marL="8408411" indent="0">
               <a:buNone/>
-              <a:defRPr sz="1333"/>
+              <a:defRPr sz="2627"/>
             </a:lvl8pPr>
-            <a:lvl9pPr marL="4876678" indent="0">
+            <a:lvl9pPr marL="9609612" indent="0">
               <a:buNone/>
-              <a:defRPr sz="1333"/>
+              <a:defRPr sz="2627"/>
             </a:lvl9pPr>
           </a:lstStyle>
           <a:p>
@@ -2348,7 +6005,7 @@
           <a:p>
             <a:fld id="{56E17E0E-BED0-40DA-882A-A57045C57D8C}" type="datetimeFigureOut">
               <a:rPr lang="es-ES" smtClean="0"/>
-              <a:t>20/01/2019</a:t>
+              <a:t>24/01/2019</a:t>
             </a:fld>
             <a:endParaRPr lang="es-ES"/>
           </a:p>
@@ -2399,7 +6056,7 @@
     </p:spTree>
     <p:extLst>
       <p:ext uri="{BB962C8B-B14F-4D97-AF65-F5344CB8AC3E}">
-        <p14:creationId xmlns:p14="http://schemas.microsoft.com/office/powerpoint/2010/main" val="2092155629"/>
+        <p14:creationId xmlns:p14="http://schemas.microsoft.com/office/powerpoint/2010/main" val="3944891191"/>
       </p:ext>
     </p:extLst>
   </p:cSld>
@@ -2443,8 +6100,8 @@
         </p:nvSpPr>
         <p:spPr>
           <a:xfrm>
-            <a:off x="838200" y="959302"/>
-            <a:ext cx="10515600" cy="3482671"/>
+            <a:off x="2202240" y="959300"/>
+            <a:ext cx="27628096" cy="3482671"/>
           </a:xfrm>
           <a:prstGeom prst="rect">
             <a:avLst/>
@@ -2476,8 +6133,8 @@
         </p:nvSpPr>
         <p:spPr>
           <a:xfrm>
-            <a:off x="838200" y="4796492"/>
-            <a:ext cx="10515600" cy="11432335"/>
+            <a:off x="2202240" y="4796492"/>
+            <a:ext cx="27628096" cy="11432335"/>
           </a:xfrm>
           <a:prstGeom prst="rect">
             <a:avLst/>
@@ -2538,8 +6195,8 @@
         </p:nvSpPr>
         <p:spPr>
           <a:xfrm>
-            <a:off x="838200" y="16700137"/>
-            <a:ext cx="2743200" cy="959298"/>
+            <a:off x="2202240" y="16700134"/>
+            <a:ext cx="7207329" cy="959298"/>
           </a:xfrm>
           <a:prstGeom prst="rect">
             <a:avLst/>
@@ -2549,7 +6206,7 @@
           <a:bodyPr vert="horz" lIns="91440" tIns="45720" rIns="91440" bIns="45720" rtlCol="0" anchor="ctr"/>
           <a:lstStyle>
             <a:lvl1pPr algn="l">
-              <a:defRPr sz="1600">
+              <a:defRPr sz="3153">
                 <a:solidFill>
                   <a:schemeClr val="tx1">
                     <a:tint val="75000"/>
@@ -2561,7 +6218,7 @@
           <a:p>
             <a:fld id="{56E17E0E-BED0-40DA-882A-A57045C57D8C}" type="datetimeFigureOut">
               <a:rPr lang="es-ES" smtClean="0"/>
-              <a:t>20/01/2019</a:t>
+              <a:t>24/01/2019</a:t>
             </a:fld>
             <a:endParaRPr lang="es-ES"/>
           </a:p>
@@ -2579,8 +6236,8 @@
         </p:nvSpPr>
         <p:spPr>
           <a:xfrm>
-            <a:off x="4038600" y="16700137"/>
-            <a:ext cx="4114800" cy="959298"/>
+            <a:off x="10610791" y="16700134"/>
+            <a:ext cx="10810994" cy="959298"/>
           </a:xfrm>
           <a:prstGeom prst="rect">
             <a:avLst/>
@@ -2590,7 +6247,7 @@
           <a:bodyPr vert="horz" lIns="91440" tIns="45720" rIns="91440" bIns="45720" rtlCol="0" anchor="ctr"/>
           <a:lstStyle>
             <a:lvl1pPr algn="ctr">
-              <a:defRPr sz="1600">
+              <a:defRPr sz="3153">
                 <a:solidFill>
                   <a:schemeClr val="tx1">
                     <a:tint val="75000"/>
@@ -2616,8 +6273,8 @@
         </p:nvSpPr>
         <p:spPr>
           <a:xfrm>
-            <a:off x="8610600" y="16700137"/>
-            <a:ext cx="2743200" cy="959298"/>
+            <a:off x="22623006" y="16700134"/>
+            <a:ext cx="7207329" cy="959298"/>
           </a:xfrm>
           <a:prstGeom prst="rect">
             <a:avLst/>
@@ -2627,7 +6284,7 @@
           <a:bodyPr vert="horz" lIns="91440" tIns="45720" rIns="91440" bIns="45720" rtlCol="0" anchor="ctr"/>
           <a:lstStyle>
             <a:lvl1pPr algn="r">
-              <a:defRPr sz="1600">
+              <a:defRPr sz="3153">
                 <a:solidFill>
                   <a:schemeClr val="tx1">
                     <a:tint val="75000"/>
@@ -2648,27 +6305,27 @@
     </p:spTree>
     <p:extLst>
       <p:ext uri="{BB962C8B-B14F-4D97-AF65-F5344CB8AC3E}">
-        <p14:creationId xmlns:p14="http://schemas.microsoft.com/office/powerpoint/2010/main" val="1346768712"/>
+        <p14:creationId xmlns:p14="http://schemas.microsoft.com/office/powerpoint/2010/main" val="4122754175"/>
       </p:ext>
     </p:extLst>
   </p:cSld>
   <p:clrMap bg1="lt1" tx1="dk1" bg2="lt2" tx2="dk2" accent1="accent1" accent2="accent2" accent3="accent3" accent4="accent4" accent5="accent5" accent6="accent6" hlink="hlink" folHlink="folHlink"/>
   <p:sldLayoutIdLst>
-    <p:sldLayoutId id="2147483673" r:id="rId1"/>
-    <p:sldLayoutId id="2147483674" r:id="rId2"/>
-    <p:sldLayoutId id="2147483675" r:id="rId3"/>
-    <p:sldLayoutId id="2147483676" r:id="rId4"/>
-    <p:sldLayoutId id="2147483677" r:id="rId5"/>
-    <p:sldLayoutId id="2147483678" r:id="rId6"/>
-    <p:sldLayoutId id="2147483679" r:id="rId7"/>
-    <p:sldLayoutId id="2147483680" r:id="rId8"/>
-    <p:sldLayoutId id="2147483681" r:id="rId9"/>
-    <p:sldLayoutId id="2147483682" r:id="rId10"/>
-    <p:sldLayoutId id="2147483683" r:id="rId11"/>
+    <p:sldLayoutId id="2147483697" r:id="rId1"/>
+    <p:sldLayoutId id="2147483698" r:id="rId2"/>
+    <p:sldLayoutId id="2147483699" r:id="rId3"/>
+    <p:sldLayoutId id="2147483700" r:id="rId4"/>
+    <p:sldLayoutId id="2147483701" r:id="rId5"/>
+    <p:sldLayoutId id="2147483702" r:id="rId6"/>
+    <p:sldLayoutId id="2147483703" r:id="rId7"/>
+    <p:sldLayoutId id="2147483704" r:id="rId8"/>
+    <p:sldLayoutId id="2147483705" r:id="rId9"/>
+    <p:sldLayoutId id="2147483706" r:id="rId10"/>
+    <p:sldLayoutId id="2147483707" r:id="rId11"/>
   </p:sldLayoutIdLst>
   <p:txStyles>
     <p:titleStyle>
-      <a:lvl1pPr algn="l" defTabSz="1219170" rtl="0" eaLnBrk="1" latinLnBrk="0" hangingPunct="1">
+      <a:lvl1pPr algn="l" defTabSz="2402403" rtl="0" eaLnBrk="1" latinLnBrk="0" hangingPunct="1">
         <a:lnSpc>
           <a:spcPct val="90000"/>
         </a:lnSpc>
@@ -2676,7 +6333,7 @@
           <a:spcPct val="0"/>
         </a:spcBef>
         <a:buNone/>
-        <a:defRPr sz="5867" kern="1200">
+        <a:defRPr sz="11560" kern="1200">
           <a:solidFill>
             <a:schemeClr val="tx1"/>
           </a:solidFill>
@@ -2687,16 +6344,16 @@
       </a:lvl1pPr>
     </p:titleStyle>
     <p:bodyStyle>
-      <a:lvl1pPr marL="304792" indent="-304792" algn="l" defTabSz="1219170" rtl="0" eaLnBrk="1" latinLnBrk="0" hangingPunct="1">
+      <a:lvl1pPr marL="600601" indent="-600601" algn="l" defTabSz="2402403" rtl="0" eaLnBrk="1" latinLnBrk="0" hangingPunct="1">
         <a:lnSpc>
           <a:spcPct val="90000"/>
         </a:lnSpc>
         <a:spcBef>
-          <a:spcPts val="1333"/>
+          <a:spcPts val="2627"/>
         </a:spcBef>
         <a:buFont typeface="Arial" panose="020B0604020202020204" pitchFamily="34" charset="0"/>
         <a:buChar char="•"/>
-        <a:defRPr sz="3733" kern="1200">
+        <a:defRPr sz="7356" kern="1200">
           <a:solidFill>
             <a:schemeClr val="tx1"/>
           </a:solidFill>
@@ -2705,16 +6362,16 @@
           <a:cs typeface="+mn-cs"/>
         </a:defRPr>
       </a:lvl1pPr>
-      <a:lvl2pPr marL="914377" indent="-304792" algn="l" defTabSz="1219170" rtl="0" eaLnBrk="1" latinLnBrk="0" hangingPunct="1">
+      <a:lvl2pPr marL="1801802" indent="-600601" algn="l" defTabSz="2402403" rtl="0" eaLnBrk="1" latinLnBrk="0" hangingPunct="1">
         <a:lnSpc>
           <a:spcPct val="90000"/>
         </a:lnSpc>
         <a:spcBef>
-          <a:spcPts val="667"/>
+          <a:spcPts val="1314"/>
         </a:spcBef>
         <a:buFont typeface="Arial" panose="020B0604020202020204" pitchFamily="34" charset="0"/>
         <a:buChar char="•"/>
-        <a:defRPr sz="3200" kern="1200">
+        <a:defRPr sz="6306" kern="1200">
           <a:solidFill>
             <a:schemeClr val="tx1"/>
           </a:solidFill>
@@ -2723,16 +6380,16 @@
           <a:cs typeface="+mn-cs"/>
         </a:defRPr>
       </a:lvl2pPr>
-      <a:lvl3pPr marL="1523962" indent="-304792" algn="l" defTabSz="1219170" rtl="0" eaLnBrk="1" latinLnBrk="0" hangingPunct="1">
+      <a:lvl3pPr marL="3003004" indent="-600601" algn="l" defTabSz="2402403" rtl="0" eaLnBrk="1" latinLnBrk="0" hangingPunct="1">
         <a:lnSpc>
           <a:spcPct val="90000"/>
         </a:lnSpc>
         <a:spcBef>
-          <a:spcPts val="667"/>
+          <a:spcPts val="1314"/>
         </a:spcBef>
         <a:buFont typeface="Arial" panose="020B0604020202020204" pitchFamily="34" charset="0"/>
         <a:buChar char="•"/>
-        <a:defRPr sz="2667" kern="1200">
+        <a:defRPr sz="5255" kern="1200">
           <a:solidFill>
             <a:schemeClr val="tx1"/>
           </a:solidFill>
@@ -2741,16 +6398,16 @@
           <a:cs typeface="+mn-cs"/>
         </a:defRPr>
       </a:lvl3pPr>
-      <a:lvl4pPr marL="2133547" indent="-304792" algn="l" defTabSz="1219170" rtl="0" eaLnBrk="1" latinLnBrk="0" hangingPunct="1">
+      <a:lvl4pPr marL="4204205" indent="-600601" algn="l" defTabSz="2402403" rtl="0" eaLnBrk="1" latinLnBrk="0" hangingPunct="1">
         <a:lnSpc>
           <a:spcPct val="90000"/>
         </a:lnSpc>
         <a:spcBef>
-          <a:spcPts val="667"/>
+          <a:spcPts val="1314"/>
         </a:spcBef>
         <a:buFont typeface="Arial" panose="020B0604020202020204" pitchFamily="34" charset="0"/>
         <a:buChar char="•"/>
-        <a:defRPr sz="2400" kern="1200">
+        <a:defRPr sz="4729" kern="1200">
           <a:solidFill>
             <a:schemeClr val="tx1"/>
           </a:solidFill>
@@ -2759,16 +6416,16 @@
           <a:cs typeface="+mn-cs"/>
         </a:defRPr>
       </a:lvl4pPr>
-      <a:lvl5pPr marL="2743131" indent="-304792" algn="l" defTabSz="1219170" rtl="0" eaLnBrk="1" latinLnBrk="0" hangingPunct="1">
+      <a:lvl5pPr marL="5405407" indent="-600601" algn="l" defTabSz="2402403" rtl="0" eaLnBrk="1" latinLnBrk="0" hangingPunct="1">
         <a:lnSpc>
           <a:spcPct val="90000"/>
         </a:lnSpc>
         <a:spcBef>
-          <a:spcPts val="667"/>
+          <a:spcPts val="1314"/>
         </a:spcBef>
         <a:buFont typeface="Arial" panose="020B0604020202020204" pitchFamily="34" charset="0"/>
         <a:buChar char="•"/>
-        <a:defRPr sz="2400" kern="1200">
+        <a:defRPr sz="4729" kern="1200">
           <a:solidFill>
             <a:schemeClr val="tx1"/>
           </a:solidFill>
@@ -2777,16 +6434,16 @@
           <a:cs typeface="+mn-cs"/>
         </a:defRPr>
       </a:lvl5pPr>
-      <a:lvl6pPr marL="3352716" indent="-304792" algn="l" defTabSz="1219170" rtl="0" eaLnBrk="1" latinLnBrk="0" hangingPunct="1">
+      <a:lvl6pPr marL="6606609" indent="-600601" algn="l" defTabSz="2402403" rtl="0" eaLnBrk="1" latinLnBrk="0" hangingPunct="1">
         <a:lnSpc>
           <a:spcPct val="90000"/>
         </a:lnSpc>
         <a:spcBef>
-          <a:spcPts val="667"/>
+          <a:spcPts val="1314"/>
         </a:spcBef>
         <a:buFont typeface="Arial" panose="020B0604020202020204" pitchFamily="34" charset="0"/>
         <a:buChar char="•"/>
-        <a:defRPr sz="2400" kern="1200">
+        <a:defRPr sz="4729" kern="1200">
           <a:solidFill>
             <a:schemeClr val="tx1"/>
           </a:solidFill>
@@ -2795,16 +6452,16 @@
           <a:cs typeface="+mn-cs"/>
         </a:defRPr>
       </a:lvl6pPr>
-      <a:lvl7pPr marL="3962301" indent="-304792" algn="l" defTabSz="1219170" rtl="0" eaLnBrk="1" latinLnBrk="0" hangingPunct="1">
+      <a:lvl7pPr marL="7807810" indent="-600601" algn="l" defTabSz="2402403" rtl="0" eaLnBrk="1" latinLnBrk="0" hangingPunct="1">
         <a:lnSpc>
           <a:spcPct val="90000"/>
         </a:lnSpc>
         <a:spcBef>
-          <a:spcPts val="667"/>
+          <a:spcPts val="1314"/>
         </a:spcBef>
         <a:buFont typeface="Arial" panose="020B0604020202020204" pitchFamily="34" charset="0"/>
         <a:buChar char="•"/>
-        <a:defRPr sz="2400" kern="1200">
+        <a:defRPr sz="4729" kern="1200">
           <a:solidFill>
             <a:schemeClr val="tx1"/>
           </a:solidFill>
@@ -2813,16 +6470,16 @@
           <a:cs typeface="+mn-cs"/>
         </a:defRPr>
       </a:lvl7pPr>
-      <a:lvl8pPr marL="4571886" indent="-304792" algn="l" defTabSz="1219170" rtl="0" eaLnBrk="1" latinLnBrk="0" hangingPunct="1">
+      <a:lvl8pPr marL="9009012" indent="-600601" algn="l" defTabSz="2402403" rtl="0" eaLnBrk="1" latinLnBrk="0" hangingPunct="1">
         <a:lnSpc>
           <a:spcPct val="90000"/>
         </a:lnSpc>
         <a:spcBef>
-          <a:spcPts val="667"/>
+          <a:spcPts val="1314"/>
         </a:spcBef>
         <a:buFont typeface="Arial" panose="020B0604020202020204" pitchFamily="34" charset="0"/>
         <a:buChar char="•"/>
-        <a:defRPr sz="2400" kern="1200">
+        <a:defRPr sz="4729" kern="1200">
           <a:solidFill>
             <a:schemeClr val="tx1"/>
           </a:solidFill>
@@ -2831,16 +6488,16 @@
           <a:cs typeface="+mn-cs"/>
         </a:defRPr>
       </a:lvl8pPr>
-      <a:lvl9pPr marL="5181470" indent="-304792" algn="l" defTabSz="1219170" rtl="0" eaLnBrk="1" latinLnBrk="0" hangingPunct="1">
+      <a:lvl9pPr marL="10210213" indent="-600601" algn="l" defTabSz="2402403" rtl="0" eaLnBrk="1" latinLnBrk="0" hangingPunct="1">
         <a:lnSpc>
           <a:spcPct val="90000"/>
         </a:lnSpc>
         <a:spcBef>
-          <a:spcPts val="667"/>
+          <a:spcPts val="1314"/>
         </a:spcBef>
         <a:buFont typeface="Arial" panose="020B0604020202020204" pitchFamily="34" charset="0"/>
         <a:buChar char="•"/>
-        <a:defRPr sz="2400" kern="1200">
+        <a:defRPr sz="4729" kern="1200">
           <a:solidFill>
             <a:schemeClr val="tx1"/>
           </a:solidFill>
@@ -2854,8 +6511,8 @@
       <a:defPPr>
         <a:defRPr lang="en-US"/>
       </a:defPPr>
-      <a:lvl1pPr marL="0" algn="l" defTabSz="1219170" rtl="0" eaLnBrk="1" latinLnBrk="0" hangingPunct="1">
-        <a:defRPr sz="2400" kern="1200">
+      <a:lvl1pPr marL="0" algn="l" defTabSz="2402403" rtl="0" eaLnBrk="1" latinLnBrk="0" hangingPunct="1">
+        <a:defRPr sz="4729" kern="1200">
           <a:solidFill>
             <a:schemeClr val="tx1"/>
           </a:solidFill>
@@ -2864,8 +6521,8 @@
           <a:cs typeface="+mn-cs"/>
         </a:defRPr>
       </a:lvl1pPr>
-      <a:lvl2pPr marL="609585" algn="l" defTabSz="1219170" rtl="0" eaLnBrk="1" latinLnBrk="0" hangingPunct="1">
-        <a:defRPr sz="2400" kern="1200">
+      <a:lvl2pPr marL="1201202" algn="l" defTabSz="2402403" rtl="0" eaLnBrk="1" latinLnBrk="0" hangingPunct="1">
+        <a:defRPr sz="4729" kern="1200">
           <a:solidFill>
             <a:schemeClr val="tx1"/>
           </a:solidFill>
@@ -2874,8 +6531,8 @@
           <a:cs typeface="+mn-cs"/>
         </a:defRPr>
       </a:lvl2pPr>
-      <a:lvl3pPr marL="1219170" algn="l" defTabSz="1219170" rtl="0" eaLnBrk="1" latinLnBrk="0" hangingPunct="1">
-        <a:defRPr sz="2400" kern="1200">
+      <a:lvl3pPr marL="2402403" algn="l" defTabSz="2402403" rtl="0" eaLnBrk="1" latinLnBrk="0" hangingPunct="1">
+        <a:defRPr sz="4729" kern="1200">
           <a:solidFill>
             <a:schemeClr val="tx1"/>
           </a:solidFill>
@@ -2884,8 +6541,8 @@
           <a:cs typeface="+mn-cs"/>
         </a:defRPr>
       </a:lvl3pPr>
-      <a:lvl4pPr marL="1828754" algn="l" defTabSz="1219170" rtl="0" eaLnBrk="1" latinLnBrk="0" hangingPunct="1">
-        <a:defRPr sz="2400" kern="1200">
+      <a:lvl4pPr marL="3603605" algn="l" defTabSz="2402403" rtl="0" eaLnBrk="1" latinLnBrk="0" hangingPunct="1">
+        <a:defRPr sz="4729" kern="1200">
           <a:solidFill>
             <a:schemeClr val="tx1"/>
           </a:solidFill>
@@ -2894,8 +6551,8 @@
           <a:cs typeface="+mn-cs"/>
         </a:defRPr>
       </a:lvl4pPr>
-      <a:lvl5pPr marL="2438339" algn="l" defTabSz="1219170" rtl="0" eaLnBrk="1" latinLnBrk="0" hangingPunct="1">
-        <a:defRPr sz="2400" kern="1200">
+      <a:lvl5pPr marL="4804806" algn="l" defTabSz="2402403" rtl="0" eaLnBrk="1" latinLnBrk="0" hangingPunct="1">
+        <a:defRPr sz="4729" kern="1200">
           <a:solidFill>
             <a:schemeClr val="tx1"/>
           </a:solidFill>
@@ -2904,8 +6561,8 @@
           <a:cs typeface="+mn-cs"/>
         </a:defRPr>
       </a:lvl5pPr>
-      <a:lvl6pPr marL="3047924" algn="l" defTabSz="1219170" rtl="0" eaLnBrk="1" latinLnBrk="0" hangingPunct="1">
-        <a:defRPr sz="2400" kern="1200">
+      <a:lvl6pPr marL="6006008" algn="l" defTabSz="2402403" rtl="0" eaLnBrk="1" latinLnBrk="0" hangingPunct="1">
+        <a:defRPr sz="4729" kern="1200">
           <a:solidFill>
             <a:schemeClr val="tx1"/>
           </a:solidFill>
@@ -2914,8 +6571,8 @@
           <a:cs typeface="+mn-cs"/>
         </a:defRPr>
       </a:lvl6pPr>
-      <a:lvl7pPr marL="3657509" algn="l" defTabSz="1219170" rtl="0" eaLnBrk="1" latinLnBrk="0" hangingPunct="1">
-        <a:defRPr sz="2400" kern="1200">
+      <a:lvl7pPr marL="7207209" algn="l" defTabSz="2402403" rtl="0" eaLnBrk="1" latinLnBrk="0" hangingPunct="1">
+        <a:defRPr sz="4729" kern="1200">
           <a:solidFill>
             <a:schemeClr val="tx1"/>
           </a:solidFill>
@@ -2924,8 +6581,8 @@
           <a:cs typeface="+mn-cs"/>
         </a:defRPr>
       </a:lvl7pPr>
-      <a:lvl8pPr marL="4267093" algn="l" defTabSz="1219170" rtl="0" eaLnBrk="1" latinLnBrk="0" hangingPunct="1">
-        <a:defRPr sz="2400" kern="1200">
+      <a:lvl8pPr marL="8408411" algn="l" defTabSz="2402403" rtl="0" eaLnBrk="1" latinLnBrk="0" hangingPunct="1">
+        <a:defRPr sz="4729" kern="1200">
           <a:solidFill>
             <a:schemeClr val="tx1"/>
           </a:solidFill>
@@ -2934,8 +6591,8 @@
           <a:cs typeface="+mn-cs"/>
         </a:defRPr>
       </a:lvl8pPr>
-      <a:lvl9pPr marL="4876678" algn="l" defTabSz="1219170" rtl="0" eaLnBrk="1" latinLnBrk="0" hangingPunct="1">
-        <a:defRPr sz="2400" kern="1200">
+      <a:lvl9pPr marL="9609612" algn="l" defTabSz="2402403" rtl="0" eaLnBrk="1" latinLnBrk="0" hangingPunct="1">
+        <a:defRPr sz="4729" kern="1200">
           <a:solidFill>
             <a:schemeClr val="tx1"/>
           </a:solidFill>
@@ -2993,8 +6650,8 @@
         </p:blipFill>
         <p:spPr>
           <a:xfrm>
-            <a:off x="377371" y="1309270"/>
-            <a:ext cx="2769464" cy="2248545"/>
+            <a:off x="8391196" y="-1257665"/>
+            <a:ext cx="3692741" cy="2998159"/>
           </a:xfrm>
           <a:prstGeom prst="rect">
             <a:avLst/>
@@ -3029,8 +6686,8 @@
         </p:blipFill>
         <p:spPr>
           <a:xfrm>
-            <a:off x="3075124" y="1307798"/>
-            <a:ext cx="2554131" cy="2346246"/>
+            <a:off x="11988321" y="-1259629"/>
+            <a:ext cx="3405621" cy="3128431"/>
           </a:xfrm>
           <a:prstGeom prst="rect">
             <a:avLst/>
@@ -3064,8 +6721,8 @@
         </p:blipFill>
         <p:spPr>
           <a:xfrm>
-            <a:off x="377371" y="3525685"/>
-            <a:ext cx="2601445" cy="2607689"/>
+            <a:off x="8391198" y="1697653"/>
+            <a:ext cx="3468708" cy="3477034"/>
           </a:xfrm>
           <a:prstGeom prst="rect">
             <a:avLst/>
@@ -3099,8 +6756,8 @@
         </p:blipFill>
         <p:spPr>
           <a:xfrm>
-            <a:off x="2873163" y="3557816"/>
-            <a:ext cx="2827803" cy="2575558"/>
+            <a:off x="11719031" y="1740494"/>
+            <a:ext cx="3770529" cy="3434191"/>
           </a:xfrm>
           <a:prstGeom prst="rect">
             <a:avLst/>
@@ -3135,8 +6792,8 @@
         </p:blipFill>
         <p:spPr>
           <a:xfrm>
-            <a:off x="1070748" y="6204251"/>
-            <a:ext cx="1417133" cy="2601166"/>
+            <a:off x="9315732" y="5269190"/>
+            <a:ext cx="1889573" cy="3468336"/>
           </a:xfrm>
           <a:prstGeom prst="rect">
             <a:avLst/>
@@ -3171,8 +6828,8 @@
         </p:blipFill>
         <p:spPr>
           <a:xfrm>
-            <a:off x="3257551" y="6180595"/>
-            <a:ext cx="2402616" cy="2628358"/>
+            <a:off x="12231563" y="5237648"/>
+            <a:ext cx="3203594" cy="3504593"/>
           </a:xfrm>
           <a:prstGeom prst="rect">
             <a:avLst/>
@@ -3207,8 +6864,8 @@
         </p:blipFill>
         <p:spPr>
           <a:xfrm>
-            <a:off x="5687169" y="1275330"/>
-            <a:ext cx="2855851" cy="2411182"/>
+            <a:off x="15471163" y="-1302922"/>
+            <a:ext cx="3807927" cy="3215016"/>
           </a:xfrm>
           <a:prstGeom prst="rect">
             <a:avLst/>
@@ -3243,8 +6900,8 @@
         </p:blipFill>
         <p:spPr>
           <a:xfrm>
-            <a:off x="8528506" y="1275330"/>
-            <a:ext cx="2458804" cy="2369088"/>
+            <a:off x="19259735" y="-1302921"/>
+            <a:ext cx="3278514" cy="3158888"/>
           </a:xfrm>
           <a:prstGeom prst="rect">
             <a:avLst/>
@@ -3279,8 +6936,8 @@
         </p:blipFill>
         <p:spPr>
           <a:xfrm>
-            <a:off x="5673805" y="3647701"/>
-            <a:ext cx="2790580" cy="2479560"/>
+            <a:off x="15453342" y="1860345"/>
+            <a:ext cx="3720896" cy="3306189"/>
           </a:xfrm>
           <a:prstGeom prst="rect">
             <a:avLst/>
@@ -3315,8 +6972,8 @@
         </p:blipFill>
         <p:spPr>
           <a:xfrm>
-            <a:off x="8455362" y="3631424"/>
-            <a:ext cx="2555343" cy="2551662"/>
+            <a:off x="19162209" y="1838641"/>
+            <a:ext cx="3407237" cy="3402328"/>
           </a:xfrm>
           <a:prstGeom prst="rect">
             <a:avLst/>
@@ -3351,8 +7008,8 @@
         </p:blipFill>
         <p:spPr>
           <a:xfrm>
-            <a:off x="5686452" y="6158725"/>
-            <a:ext cx="2554876" cy="2653817"/>
+            <a:off x="15470205" y="5208489"/>
+            <a:ext cx="3406614" cy="3538540"/>
           </a:xfrm>
           <a:prstGeom prst="rect">
             <a:avLst/>
@@ -3387,8 +7044,8 @@
         </p:blipFill>
         <p:spPr>
           <a:xfrm>
-            <a:off x="8246307" y="6187234"/>
-            <a:ext cx="2763931" cy="2613372"/>
+            <a:off x="18883460" y="5246500"/>
+            <a:ext cx="3685363" cy="3484611"/>
           </a:xfrm>
           <a:prstGeom prst="rect">
             <a:avLst/>
@@ -3423,8 +7080,8 @@
         </p:blipFill>
         <p:spPr>
           <a:xfrm>
-            <a:off x="3487655" y="8794383"/>
-            <a:ext cx="2184284" cy="2504235"/>
+            <a:off x="12538379" y="8722816"/>
+            <a:ext cx="2912475" cy="3339090"/>
           </a:xfrm>
           <a:prstGeom prst="rect">
             <a:avLst/>
@@ -3459,8 +7116,8 @@
         </p:blipFill>
         <p:spPr>
           <a:xfrm>
-            <a:off x="5660167" y="8783471"/>
-            <a:ext cx="2402616" cy="2508779"/>
+            <a:off x="15435157" y="8708266"/>
+            <a:ext cx="3203594" cy="3345149"/>
           </a:xfrm>
           <a:prstGeom prst="rect">
             <a:avLst/>
@@ -3483,8 +7140,8 @@
         </p:nvCxnSpPr>
         <p:spPr>
           <a:xfrm>
-            <a:off x="5661157" y="547267"/>
-            <a:ext cx="25295" cy="8284325"/>
+            <a:off x="15436479" y="-2273702"/>
+            <a:ext cx="33728" cy="11046132"/>
           </a:xfrm>
           <a:prstGeom prst="line">
             <a:avLst/>
@@ -3522,8 +7179,8 @@
         </p:nvCxnSpPr>
         <p:spPr>
           <a:xfrm flipV="1">
-            <a:off x="377371" y="3525685"/>
-            <a:ext cx="10648504" cy="4813"/>
+            <a:off x="8391197" y="1697653"/>
+            <a:ext cx="14198474" cy="6418"/>
           </a:xfrm>
           <a:prstGeom prst="line">
             <a:avLst/>
@@ -3559,8 +7216,8 @@
         </p:nvSpPr>
         <p:spPr>
           <a:xfrm>
-            <a:off x="2331611" y="1208765"/>
-            <a:ext cx="1261572" cy="461665"/>
+            <a:off x="10996936" y="-1391676"/>
+            <a:ext cx="1682152" cy="584775"/>
           </a:xfrm>
           <a:prstGeom prst="rect">
             <a:avLst/>
@@ -3575,10 +7232,10 @@
           <a:p>
             <a:pPr algn="ctr"/>
             <a:r>
-              <a:rPr lang="en-US" sz="2400" b="1" dirty="0"/>
+              <a:rPr lang="en-US" sz="3200" b="1" dirty="0"/>
               <a:t>LINK1</a:t>
             </a:r>
-            <a:endParaRPr lang="es-ES" sz="2400" b="1" dirty="0"/>
+            <a:endParaRPr lang="es-ES" sz="3200" b="1" dirty="0"/>
           </a:p>
         </p:txBody>
       </p:sp>
@@ -3609,8 +7266,8 @@
         </p:blipFill>
         <p:spPr>
           <a:xfrm>
-            <a:off x="377371" y="6180595"/>
-            <a:ext cx="693377" cy="2650997"/>
+            <a:off x="8391199" y="5237650"/>
+            <a:ext cx="924533" cy="3534779"/>
           </a:xfrm>
           <a:prstGeom prst="rect">
             <a:avLst/>
@@ -3631,8 +7288,8 @@
         </p:nvSpPr>
         <p:spPr>
           <a:xfrm>
-            <a:off x="2348030" y="3557815"/>
-            <a:ext cx="1261572" cy="461665"/>
+            <a:off x="11018828" y="1740494"/>
+            <a:ext cx="1682152" cy="584775"/>
           </a:xfrm>
           <a:prstGeom prst="rect">
             <a:avLst/>
@@ -3647,10 +7304,10 @@
           <a:p>
             <a:pPr algn="ctr"/>
             <a:r>
-              <a:rPr lang="en-US" sz="2400" b="1" dirty="0"/>
+              <a:rPr lang="en-US" sz="3200" b="1" dirty="0"/>
               <a:t>LINK2</a:t>
             </a:r>
-            <a:endParaRPr lang="es-ES" sz="2400" b="1" dirty="0"/>
+            <a:endParaRPr lang="es-ES" sz="3200" b="1" dirty="0"/>
           </a:p>
         </p:txBody>
       </p:sp>
@@ -3681,8 +7338,8 @@
         </p:blipFill>
         <p:spPr>
           <a:xfrm>
-            <a:off x="2445347" y="6161545"/>
-            <a:ext cx="812204" cy="2650997"/>
+            <a:off x="11148589" y="5212249"/>
+            <a:ext cx="1082974" cy="3534779"/>
           </a:xfrm>
           <a:prstGeom prst="rect">
             <a:avLst/>
@@ -3705,8 +7362,8 @@
         </p:nvCxnSpPr>
         <p:spPr>
           <a:xfrm flipV="1">
-            <a:off x="351418" y="6154578"/>
-            <a:ext cx="10648504" cy="4813"/>
+            <a:off x="8356591" y="5202959"/>
+            <a:ext cx="14198474" cy="6418"/>
           </a:xfrm>
           <a:prstGeom prst="line">
             <a:avLst/>
@@ -3742,8 +7399,8 @@
         </p:nvSpPr>
         <p:spPr>
           <a:xfrm>
-            <a:off x="2259729" y="6204251"/>
-            <a:ext cx="1261572" cy="461665"/>
+            <a:off x="10901090" y="5269192"/>
+            <a:ext cx="1682152" cy="584775"/>
           </a:xfrm>
           <a:prstGeom prst="rect">
             <a:avLst/>
@@ -3758,10 +7415,10 @@
           <a:p>
             <a:pPr algn="ctr"/>
             <a:r>
-              <a:rPr lang="en-US" sz="2400" b="1" dirty="0"/>
+              <a:rPr lang="en-US" sz="3200" b="1" dirty="0"/>
               <a:t>LINK3</a:t>
             </a:r>
-            <a:endParaRPr lang="es-ES" sz="2400" b="1" dirty="0"/>
+            <a:endParaRPr lang="es-ES" sz="3200" b="1" dirty="0"/>
           </a:p>
         </p:txBody>
       </p:sp>
@@ -3779,8 +7436,8 @@
         </p:nvSpPr>
         <p:spPr>
           <a:xfrm>
-            <a:off x="7824576" y="1208765"/>
-            <a:ext cx="1261572" cy="461665"/>
+            <a:off x="18321131" y="-1391676"/>
+            <a:ext cx="1682152" cy="584775"/>
           </a:xfrm>
           <a:prstGeom prst="rect">
             <a:avLst/>
@@ -3795,10 +7452,10 @@
           <a:p>
             <a:pPr algn="ctr"/>
             <a:r>
-              <a:rPr lang="en-US" sz="2400" b="1" dirty="0"/>
+              <a:rPr lang="en-US" sz="3200" b="1" dirty="0"/>
               <a:t>LINK4</a:t>
             </a:r>
-            <a:endParaRPr lang="es-ES" sz="2400" b="1" dirty="0"/>
+            <a:endParaRPr lang="es-ES" sz="3200" b="1" dirty="0"/>
           </a:p>
         </p:txBody>
       </p:sp>
@@ -3816,8 +7473,8 @@
         </p:nvSpPr>
         <p:spPr>
           <a:xfrm>
-            <a:off x="7830241" y="3514511"/>
-            <a:ext cx="1261572" cy="461665"/>
+            <a:off x="18328685" y="1682754"/>
+            <a:ext cx="1682152" cy="584775"/>
           </a:xfrm>
           <a:prstGeom prst="rect">
             <a:avLst/>
@@ -3832,10 +7489,10 @@
           <a:p>
             <a:pPr algn="ctr"/>
             <a:r>
-              <a:rPr lang="en-US" sz="2400" b="1" dirty="0"/>
+              <a:rPr lang="en-US" sz="3200" b="1" dirty="0"/>
               <a:t>LINK5</a:t>
             </a:r>
-            <a:endParaRPr lang="es-ES" sz="2400" b="1" dirty="0"/>
+            <a:endParaRPr lang="es-ES" sz="3200" b="1" dirty="0"/>
           </a:p>
         </p:txBody>
       </p:sp>
@@ -3855,8 +7512,8 @@
         </p:nvCxnSpPr>
         <p:spPr>
           <a:xfrm flipV="1">
-            <a:off x="377371" y="8817774"/>
-            <a:ext cx="10648504" cy="4813"/>
+            <a:off x="8391197" y="8754005"/>
+            <a:ext cx="14198474" cy="6418"/>
           </a:xfrm>
           <a:prstGeom prst="line">
             <a:avLst/>
@@ -3892,8 +7549,8 @@
         </p:nvSpPr>
         <p:spPr>
           <a:xfrm>
-            <a:off x="7833599" y="6136082"/>
-            <a:ext cx="1261572" cy="461665"/>
+            <a:off x="18333162" y="5178297"/>
+            <a:ext cx="1682152" cy="584775"/>
           </a:xfrm>
           <a:prstGeom prst="rect">
             <a:avLst/>
@@ -3908,10 +7565,10 @@
           <a:p>
             <a:pPr algn="ctr"/>
             <a:r>
-              <a:rPr lang="en-US" sz="2400" b="1" dirty="0"/>
+              <a:rPr lang="en-US" sz="3200" b="1" dirty="0"/>
               <a:t>LINK6</a:t>
             </a:r>
-            <a:endParaRPr lang="es-ES" sz="2400" b="1" dirty="0"/>
+            <a:endParaRPr lang="es-ES" sz="3200" b="1" dirty="0"/>
           </a:p>
         </p:txBody>
       </p:sp>
@@ -3929,8 +7586,8 @@
         </p:nvSpPr>
         <p:spPr>
           <a:xfrm>
-            <a:off x="4997611" y="8856890"/>
-            <a:ext cx="1261572" cy="461665"/>
+            <a:off x="14551720" y="8806161"/>
+            <a:ext cx="1682152" cy="584775"/>
           </a:xfrm>
           <a:prstGeom prst="rect">
             <a:avLst/>
@@ -3945,10 +7602,10 @@
           <a:p>
             <a:pPr algn="ctr"/>
             <a:r>
-              <a:rPr lang="en-US" sz="2400" b="1" dirty="0"/>
+              <a:rPr lang="en-US" sz="3200" b="1" dirty="0"/>
               <a:t>LINK7</a:t>
             </a:r>
-            <a:endParaRPr lang="es-ES" sz="2400" b="1" dirty="0"/>
+            <a:endParaRPr lang="es-ES" sz="3200" b="1" dirty="0"/>
           </a:p>
         </p:txBody>
       </p:sp>
@@ -3968,8 +7625,8 @@
         </p:nvCxnSpPr>
         <p:spPr>
           <a:xfrm>
-            <a:off x="3487655" y="11306994"/>
-            <a:ext cx="4575128" cy="1"/>
+            <a:off x="12538379" y="12073075"/>
+            <a:ext cx="6100372" cy="1"/>
           </a:xfrm>
           <a:prstGeom prst="line">
             <a:avLst/>
@@ -4005,8 +7662,8 @@
         </p:nvSpPr>
         <p:spPr>
           <a:xfrm rot="18785708">
-            <a:off x="156989" y="1470374"/>
-            <a:ext cx="1261572" cy="400110"/>
+            <a:off x="8097344" y="-1027489"/>
+            <a:ext cx="1682152" cy="502766"/>
           </a:xfrm>
           <a:prstGeom prst="rect">
             <a:avLst/>
@@ -4021,14 +7678,14 @@
           <a:p>
             <a:pPr algn="ctr"/>
             <a:r>
-              <a:rPr lang="en-US" sz="2000" b="1" i="1" dirty="0">
+              <a:rPr lang="en-US" sz="2667" b="1" i="1" dirty="0">
                 <a:solidFill>
                   <a:srgbClr val="FF0000"/>
                 </a:solidFill>
               </a:rPr>
               <a:t>Visual</a:t>
             </a:r>
-            <a:endParaRPr lang="es-ES" sz="2000" b="1" i="1" dirty="0">
+            <a:endParaRPr lang="es-ES" sz="2667" b="1" i="1" dirty="0">
               <a:solidFill>
                 <a:srgbClr val="FF0000"/>
               </a:solidFill>
@@ -4050,8 +7707,8 @@
         </p:nvSpPr>
         <p:spPr>
           <a:xfrm rot="18785708">
-            <a:off x="3196785" y="9005528"/>
-            <a:ext cx="1261572" cy="400110"/>
+            <a:off x="12150539" y="9019715"/>
+            <a:ext cx="1682152" cy="502766"/>
           </a:xfrm>
           <a:prstGeom prst="rect">
             <a:avLst/>
@@ -4066,14 +7723,14 @@
           <a:p>
             <a:pPr algn="ctr"/>
             <a:r>
-              <a:rPr lang="en-US" sz="2000" b="1" i="1" dirty="0">
+              <a:rPr lang="en-US" sz="2667" b="1" i="1" dirty="0">
                 <a:solidFill>
                   <a:srgbClr val="FF0000"/>
                 </a:solidFill>
               </a:rPr>
               <a:t>Visual</a:t>
             </a:r>
-            <a:endParaRPr lang="es-ES" sz="2000" b="1" i="1" dirty="0">
+            <a:endParaRPr lang="es-ES" sz="2667" b="1" i="1" dirty="0">
               <a:solidFill>
                 <a:srgbClr val="FF0000"/>
               </a:solidFill>
@@ -4095,8 +7752,8 @@
         </p:nvSpPr>
         <p:spPr>
           <a:xfrm rot="18785708">
-            <a:off x="5453430" y="1441694"/>
-            <a:ext cx="1261572" cy="400110"/>
+            <a:off x="15159498" y="-1065730"/>
+            <a:ext cx="1682152" cy="502766"/>
           </a:xfrm>
           <a:prstGeom prst="rect">
             <a:avLst/>
@@ -4111,14 +7768,14 @@
           <a:p>
             <a:pPr algn="ctr"/>
             <a:r>
-              <a:rPr lang="en-US" sz="2000" b="1" i="1" dirty="0">
+              <a:rPr lang="en-US" sz="2667" b="1" i="1" dirty="0">
                 <a:solidFill>
                   <a:srgbClr val="FF0000"/>
                 </a:solidFill>
               </a:rPr>
               <a:t>Visual</a:t>
             </a:r>
-            <a:endParaRPr lang="es-ES" sz="2000" b="1" i="1" dirty="0">
+            <a:endParaRPr lang="es-ES" sz="2667" b="1" i="1" dirty="0">
               <a:solidFill>
                 <a:srgbClr val="FF0000"/>
               </a:solidFill>
@@ -4140,8 +7797,8 @@
         </p:nvSpPr>
         <p:spPr>
           <a:xfrm rot="2645447">
-            <a:off x="4689055" y="1450740"/>
-            <a:ext cx="1261572" cy="400110"/>
+            <a:off x="14140298" y="-1053667"/>
+            <a:ext cx="1682152" cy="502766"/>
           </a:xfrm>
           <a:prstGeom prst="rect">
             <a:avLst/>
@@ -4156,14 +7813,14 @@
           <a:p>
             <a:pPr algn="ctr"/>
             <a:r>
-              <a:rPr lang="en-US" sz="2000" b="1" i="1" dirty="0" err="1">
+              <a:rPr lang="en-US" sz="2667" b="1" i="1" dirty="0" err="1">
                 <a:solidFill>
                   <a:srgbClr val="FF0000"/>
                 </a:solidFill>
               </a:rPr>
               <a:t>Colisión</a:t>
             </a:r>
-            <a:endParaRPr lang="es-ES" sz="2000" b="1" i="1" dirty="0">
+            <a:endParaRPr lang="es-ES" sz="2667" b="1" i="1" dirty="0">
               <a:solidFill>
                 <a:srgbClr val="FF0000"/>
               </a:solidFill>
@@ -4185,8 +7842,8 @@
         </p:nvSpPr>
         <p:spPr>
           <a:xfrm rot="2645447">
-            <a:off x="9985497" y="1456401"/>
-            <a:ext cx="1261572" cy="400110"/>
+            <a:off x="21202454" y="-1046119"/>
+            <a:ext cx="1682152" cy="502766"/>
           </a:xfrm>
           <a:prstGeom prst="rect">
             <a:avLst/>
@@ -4201,7 +7858,7 @@
           <a:p>
             <a:pPr algn="ctr"/>
             <a:r>
-              <a:rPr lang="es-NI" sz="2000" b="1" i="1">
+              <a:rPr lang="es-NI" sz="2667" b="1" i="1">
                 <a:solidFill>
                   <a:srgbClr val="FF0000"/>
                 </a:solidFill>
@@ -4225,8 +7882,8 @@
         </p:nvSpPr>
         <p:spPr>
           <a:xfrm rot="2645447">
-            <a:off x="6993731" y="9045705"/>
-            <a:ext cx="1261572" cy="400110"/>
+            <a:off x="17213301" y="9073288"/>
+            <a:ext cx="1682152" cy="502766"/>
           </a:xfrm>
           <a:prstGeom prst="rect">
             <a:avLst/>
@@ -4241,7 +7898,7 @@
           <a:p>
             <a:pPr algn="ctr"/>
             <a:r>
-              <a:rPr lang="es-NI" sz="2000" b="1" i="1">
+              <a:rPr lang="es-NI" sz="2667" b="1" i="1">
                 <a:solidFill>
                   <a:srgbClr val="FF0000"/>
                 </a:solidFill>
@@ -4261,6 +7918,1138 @@
   <p:clrMapOvr>
     <a:masterClrMapping/>
   </p:clrMapOvr>
+</p:sld>
+</file>
+
+<file path=ppt/slides/slide2.xml><?xml version="1.0" encoding="utf-8"?>
+<p:sld xmlns:a="http://schemas.openxmlformats.org/drawingml/2006/main" xmlns:r="http://schemas.openxmlformats.org/officeDocument/2006/relationships" xmlns:p="http://schemas.openxmlformats.org/presentationml/2006/main">
+  <p:cSld>
+    <p:spTree>
+      <p:nvGrpSpPr>
+        <p:cNvPr id="1" name=""/>
+        <p:cNvGrpSpPr/>
+        <p:nvPr/>
+      </p:nvGrpSpPr>
+      <p:grpSpPr>
+        <a:xfrm>
+          <a:off x="0" y="0"/>
+          <a:ext cx="0" cy="0"/>
+          <a:chOff x="0" y="0"/>
+          <a:chExt cx="0" cy="0"/>
+        </a:xfrm>
+      </p:grpSpPr>
+      <p:pic>
+        <p:nvPicPr>
+          <p:cNvPr id="4" name="Imagen 3">
+            <a:extLst>
+              <a:ext uri="{FF2B5EF4-FFF2-40B4-BE49-F238E27FC236}">
+                <a16:creationId xmlns:a16="http://schemas.microsoft.com/office/drawing/2014/main" id="{46205E3F-66B3-49B0-A68A-4216BD7E3F13}"/>
+              </a:ext>
+            </a:extLst>
+          </p:cNvPr>
+          <p:cNvPicPr>
+            <a:picLocks noChangeAspect="1"/>
+          </p:cNvPicPr>
+          <p:nvPr/>
+        </p:nvPicPr>
+        <p:blipFill>
+          <a:blip r:embed="rId2"/>
+          <a:stretch>
+            <a:fillRect/>
+          </a:stretch>
+        </p:blipFill>
+        <p:spPr>
+          <a:xfrm>
+            <a:off x="14003272" y="4409697"/>
+            <a:ext cx="4026033" cy="2667088"/>
+          </a:xfrm>
+          <a:prstGeom prst="rect">
+            <a:avLst/>
+          </a:prstGeom>
+        </p:spPr>
+      </p:pic>
+      <p:sp>
+        <p:nvSpPr>
+          <p:cNvPr id="6" name="Globo: línea doblada 5">
+            <a:extLst>
+              <a:ext uri="{FF2B5EF4-FFF2-40B4-BE49-F238E27FC236}">
+                <a16:creationId xmlns:a16="http://schemas.microsoft.com/office/drawing/2014/main" id="{8B7CA878-EAA4-435E-BF13-F50BEBED1DFF}"/>
+              </a:ext>
+            </a:extLst>
+          </p:cNvPr>
+          <p:cNvSpPr/>
+          <p:nvPr/>
+        </p:nvSpPr>
+        <p:spPr>
+          <a:xfrm>
+            <a:off x="18079506" y="4307922"/>
+            <a:ext cx="1018351" cy="203552"/>
+          </a:xfrm>
+          <a:prstGeom prst="borderCallout2">
+            <a:avLst>
+              <a:gd name="adj1" fmla="val 18750"/>
+              <a:gd name="adj2" fmla="val -8333"/>
+              <a:gd name="adj3" fmla="val 22273"/>
+              <a:gd name="adj4" fmla="val -39204"/>
+              <a:gd name="adj5" fmla="val 108976"/>
+              <a:gd name="adj6" fmla="val -43850"/>
+            </a:avLst>
+          </a:prstGeom>
+          <a:solidFill>
+            <a:schemeClr val="bg2"/>
+          </a:solidFill>
+          <a:ln>
+            <a:solidFill>
+              <a:srgbClr val="FF0000"/>
+            </a:solidFill>
+          </a:ln>
+        </p:spPr>
+        <p:style>
+          <a:lnRef idx="2">
+            <a:schemeClr val="accent1">
+              <a:shade val="50000"/>
+            </a:schemeClr>
+          </a:lnRef>
+          <a:fillRef idx="1">
+            <a:schemeClr val="accent1"/>
+          </a:fillRef>
+          <a:effectRef idx="0">
+            <a:schemeClr val="accent1"/>
+          </a:effectRef>
+          <a:fontRef idx="minor">
+            <a:schemeClr val="lt1"/>
+          </a:fontRef>
+        </p:style>
+        <p:txBody>
+          <a:bodyPr rot="0" spcFirstLastPara="0" vertOverflow="overflow" horzOverflow="overflow" vert="horz" wrap="square" lIns="121924" tIns="60962" rIns="121924" bIns="60962" numCol="1" spcCol="0" rtlCol="0" fromWordArt="0" anchor="ctr" anchorCtr="0" forceAA="0" compatLnSpc="1">
+            <a:prstTxWarp prst="textNoShape">
+              <a:avLst/>
+            </a:prstTxWarp>
+            <a:noAutofit/>
+          </a:bodyPr>
+          <a:lstStyle/>
+          <a:p>
+            <a:pPr algn="ctr"/>
+            <a:r>
+              <a:rPr lang="en-US" sz="800" b="1" dirty="0">
+                <a:solidFill>
+                  <a:schemeClr val="tx1"/>
+                </a:solidFill>
+              </a:rPr>
+              <a:t>Version de  Catkin</a:t>
+            </a:r>
+            <a:endParaRPr lang="es-ES" sz="800" b="1" dirty="0">
+              <a:solidFill>
+                <a:schemeClr val="tx1"/>
+              </a:solidFill>
+            </a:endParaRPr>
+          </a:p>
+        </p:txBody>
+      </p:sp>
+      <p:sp>
+        <p:nvSpPr>
+          <p:cNvPr id="7" name="Globo: línea doblada 6">
+            <a:extLst>
+              <a:ext uri="{FF2B5EF4-FFF2-40B4-BE49-F238E27FC236}">
+                <a16:creationId xmlns:a16="http://schemas.microsoft.com/office/drawing/2014/main" id="{65A870BF-F4ED-40FF-9290-99631289DE4E}"/>
+              </a:ext>
+            </a:extLst>
+          </p:cNvPr>
+          <p:cNvSpPr/>
+          <p:nvPr/>
+        </p:nvSpPr>
+        <p:spPr>
+          <a:xfrm>
+            <a:off x="18079506" y="4568503"/>
+            <a:ext cx="1018351" cy="274249"/>
+          </a:xfrm>
+          <a:prstGeom prst="borderCallout2">
+            <a:avLst>
+              <a:gd name="adj1" fmla="val 18750"/>
+              <a:gd name="adj2" fmla="val -8333"/>
+              <a:gd name="adj3" fmla="val 22273"/>
+              <a:gd name="adj4" fmla="val -91320"/>
+              <a:gd name="adj5" fmla="val 49297"/>
+              <a:gd name="adj6" fmla="val -109347"/>
+            </a:avLst>
+          </a:prstGeom>
+          <a:solidFill>
+            <a:schemeClr val="bg2"/>
+          </a:solidFill>
+          <a:ln>
+            <a:solidFill>
+              <a:srgbClr val="FF0000"/>
+            </a:solidFill>
+          </a:ln>
+        </p:spPr>
+        <p:style>
+          <a:lnRef idx="2">
+            <a:schemeClr val="accent1">
+              <a:shade val="50000"/>
+            </a:schemeClr>
+          </a:lnRef>
+          <a:fillRef idx="1">
+            <a:schemeClr val="accent1"/>
+          </a:fillRef>
+          <a:effectRef idx="0">
+            <a:schemeClr val="accent1"/>
+          </a:effectRef>
+          <a:fontRef idx="minor">
+            <a:schemeClr val="lt1"/>
+          </a:fontRef>
+        </p:style>
+        <p:txBody>
+          <a:bodyPr rot="0" spcFirstLastPara="0" vertOverflow="overflow" horzOverflow="overflow" vert="horz" wrap="square" lIns="121924" tIns="60962" rIns="121924" bIns="60962" numCol="1" spcCol="0" rtlCol="0" fromWordArt="0" anchor="ctr" anchorCtr="0" forceAA="0" compatLnSpc="1">
+            <a:prstTxWarp prst="textNoShape">
+              <a:avLst/>
+            </a:prstTxWarp>
+            <a:noAutofit/>
+          </a:bodyPr>
+          <a:lstStyle/>
+          <a:p>
+            <a:pPr algn="ctr"/>
+            <a:r>
+              <a:rPr lang="es-ES" sz="800" b="1" dirty="0">
+                <a:solidFill>
+                  <a:schemeClr val="tx1"/>
+                </a:solidFill>
+              </a:rPr>
+              <a:t>Nombre del paquete</a:t>
+            </a:r>
+          </a:p>
+        </p:txBody>
+      </p:sp>
+      <p:sp>
+        <p:nvSpPr>
+          <p:cNvPr id="8" name="Globo: línea doblada 7">
+            <a:extLst>
+              <a:ext uri="{FF2B5EF4-FFF2-40B4-BE49-F238E27FC236}">
+                <a16:creationId xmlns:a16="http://schemas.microsoft.com/office/drawing/2014/main" id="{9BAF6CC7-1A1E-4C40-AC59-0FDC35E75EFD}"/>
+              </a:ext>
+            </a:extLst>
+          </p:cNvPr>
+          <p:cNvSpPr/>
+          <p:nvPr/>
+        </p:nvSpPr>
+        <p:spPr>
+          <a:xfrm>
+            <a:off x="18079506" y="5108793"/>
+            <a:ext cx="1018351" cy="274249"/>
+          </a:xfrm>
+          <a:prstGeom prst="borderCallout2">
+            <a:avLst>
+              <a:gd name="adj1" fmla="val 18750"/>
+              <a:gd name="adj2" fmla="val -8333"/>
+              <a:gd name="adj3" fmla="val 19658"/>
+              <a:gd name="adj4" fmla="val -261755"/>
+              <a:gd name="adj5" fmla="val 67603"/>
+              <a:gd name="adj6" fmla="val -279078"/>
+            </a:avLst>
+          </a:prstGeom>
+          <a:solidFill>
+            <a:schemeClr val="bg2"/>
+          </a:solidFill>
+          <a:ln>
+            <a:solidFill>
+              <a:srgbClr val="FF0000"/>
+            </a:solidFill>
+          </a:ln>
+        </p:spPr>
+        <p:style>
+          <a:lnRef idx="2">
+            <a:schemeClr val="accent1">
+              <a:shade val="50000"/>
+            </a:schemeClr>
+          </a:lnRef>
+          <a:fillRef idx="1">
+            <a:schemeClr val="accent1"/>
+          </a:fillRef>
+          <a:effectRef idx="0">
+            <a:schemeClr val="accent1"/>
+          </a:effectRef>
+          <a:fontRef idx="minor">
+            <a:schemeClr val="lt1"/>
+          </a:fontRef>
+        </p:style>
+        <p:txBody>
+          <a:bodyPr rot="0" spcFirstLastPara="0" vertOverflow="overflow" horzOverflow="overflow" vert="horz" wrap="square" lIns="121924" tIns="60962" rIns="121924" bIns="60962" numCol="1" spcCol="0" rtlCol="0" fromWordArt="0" anchor="ctr" anchorCtr="0" forceAA="0" compatLnSpc="1">
+            <a:prstTxWarp prst="textNoShape">
+              <a:avLst/>
+            </a:prstTxWarp>
+            <a:noAutofit/>
+          </a:bodyPr>
+          <a:lstStyle/>
+          <a:p>
+            <a:pPr algn="ctr"/>
+            <a:r>
+              <a:rPr lang="es-ES" sz="800" b="1" dirty="0">
+                <a:solidFill>
+                  <a:schemeClr val="tx1"/>
+                </a:solidFill>
+              </a:rPr>
+              <a:t>Dependencia del paquete o </a:t>
+            </a:r>
+            <a:r>
+              <a:rPr lang="es-ES" sz="800" b="1" i="1" dirty="0">
+                <a:solidFill>
+                  <a:schemeClr val="tx1"/>
+                </a:solidFill>
+              </a:rPr>
+              <a:t>project</a:t>
+            </a:r>
+          </a:p>
+        </p:txBody>
+      </p:sp>
+      <p:sp>
+        <p:nvSpPr>
+          <p:cNvPr id="9" name="Rectángulo: esquinas redondeadas 8">
+            <a:extLst>
+              <a:ext uri="{FF2B5EF4-FFF2-40B4-BE49-F238E27FC236}">
+                <a16:creationId xmlns:a16="http://schemas.microsoft.com/office/drawing/2014/main" id="{0409B9D7-7703-4636-AE1F-E1ABF13D6A50}"/>
+              </a:ext>
+            </a:extLst>
+          </p:cNvPr>
+          <p:cNvSpPr/>
+          <p:nvPr/>
+        </p:nvSpPr>
+        <p:spPr>
+          <a:xfrm>
+            <a:off x="19097857" y="4986193"/>
+            <a:ext cx="867813" cy="530727"/>
+          </a:xfrm>
+          <a:prstGeom prst="roundRect">
+            <a:avLst/>
+          </a:prstGeom>
+          <a:solidFill>
+            <a:schemeClr val="bg2"/>
+          </a:solidFill>
+          <a:ln>
+            <a:solidFill>
+              <a:srgbClr val="FF0000"/>
+            </a:solidFill>
+          </a:ln>
+        </p:spPr>
+        <p:style>
+          <a:lnRef idx="2">
+            <a:schemeClr val="accent1">
+              <a:shade val="50000"/>
+            </a:schemeClr>
+          </a:lnRef>
+          <a:fillRef idx="1">
+            <a:schemeClr val="accent1"/>
+          </a:fillRef>
+          <a:effectRef idx="0">
+            <a:schemeClr val="accent1"/>
+          </a:effectRef>
+          <a:fontRef idx="minor">
+            <a:schemeClr val="lt1"/>
+          </a:fontRef>
+        </p:style>
+        <p:txBody>
+          <a:bodyPr rot="0" spcFirstLastPara="0" vertOverflow="overflow" horzOverflow="overflow" vert="horz" wrap="square" lIns="121924" tIns="60962" rIns="121924" bIns="60962" numCol="1" spcCol="0" rtlCol="0" fromWordArt="0" anchor="ctr" anchorCtr="0" forceAA="0" compatLnSpc="1">
+            <a:prstTxWarp prst="textNoShape">
+              <a:avLst/>
+            </a:prstTxWarp>
+            <a:noAutofit/>
+          </a:bodyPr>
+          <a:lstStyle/>
+          <a:p>
+            <a:pPr algn="ctr"/>
+            <a:r>
+              <a:rPr lang="es-ES" sz="800">
+                <a:solidFill>
+                  <a:schemeClr val="tx1"/>
+                </a:solidFill>
+              </a:rPr>
+              <a:t>roscpp dependencia para creacion de nodos </a:t>
+            </a:r>
+          </a:p>
+        </p:txBody>
+      </p:sp>
+      <p:sp>
+        <p:nvSpPr>
+          <p:cNvPr id="10" name="Globo: línea doblada 9">
+            <a:extLst>
+              <a:ext uri="{FF2B5EF4-FFF2-40B4-BE49-F238E27FC236}">
+                <a16:creationId xmlns:a16="http://schemas.microsoft.com/office/drawing/2014/main" id="{342B0205-60BB-46EE-998D-97407EAD0B7B}"/>
+              </a:ext>
+            </a:extLst>
+          </p:cNvPr>
+          <p:cNvSpPr/>
+          <p:nvPr/>
+        </p:nvSpPr>
+        <p:spPr>
+          <a:xfrm>
+            <a:off x="18079506" y="6466693"/>
+            <a:ext cx="1018351" cy="274249"/>
+          </a:xfrm>
+          <a:prstGeom prst="borderCallout2">
+            <a:avLst>
+              <a:gd name="adj1" fmla="val 18750"/>
+              <a:gd name="adj2" fmla="val -8333"/>
+              <a:gd name="adj3" fmla="val 22273"/>
+              <a:gd name="adj4" fmla="val -254008"/>
+              <a:gd name="adj5" fmla="val 62373"/>
+              <a:gd name="adj6" fmla="val -271331"/>
+            </a:avLst>
+          </a:prstGeom>
+          <a:solidFill>
+            <a:schemeClr val="bg2"/>
+          </a:solidFill>
+          <a:ln>
+            <a:solidFill>
+              <a:srgbClr val="FF0000"/>
+            </a:solidFill>
+          </a:ln>
+        </p:spPr>
+        <p:style>
+          <a:lnRef idx="2">
+            <a:schemeClr val="accent1">
+              <a:shade val="50000"/>
+            </a:schemeClr>
+          </a:lnRef>
+          <a:fillRef idx="1">
+            <a:schemeClr val="accent1"/>
+          </a:fillRef>
+          <a:effectRef idx="0">
+            <a:schemeClr val="accent1"/>
+          </a:effectRef>
+          <a:fontRef idx="minor">
+            <a:schemeClr val="lt1"/>
+          </a:fontRef>
+        </p:style>
+        <p:txBody>
+          <a:bodyPr rot="0" spcFirstLastPara="0" vertOverflow="overflow" horzOverflow="overflow" vert="horz" wrap="square" lIns="121924" tIns="60962" rIns="121924" bIns="60962" numCol="1" spcCol="0" rtlCol="0" fromWordArt="0" anchor="ctr" anchorCtr="0" forceAA="0" compatLnSpc="1">
+            <a:prstTxWarp prst="textNoShape">
+              <a:avLst/>
+            </a:prstTxWarp>
+            <a:noAutofit/>
+          </a:bodyPr>
+          <a:lstStyle/>
+          <a:p>
+            <a:pPr algn="ctr"/>
+            <a:r>
+              <a:rPr lang="es-ES" sz="800" b="1" dirty="0">
+                <a:solidFill>
+                  <a:schemeClr val="tx1"/>
+                </a:solidFill>
+              </a:rPr>
+              <a:t>Dependencia del paquete o </a:t>
+            </a:r>
+            <a:r>
+              <a:rPr lang="es-ES" sz="800" b="1" i="1" dirty="0">
+                <a:solidFill>
+                  <a:schemeClr val="tx1"/>
+                </a:solidFill>
+              </a:rPr>
+              <a:t>project</a:t>
+            </a:r>
+          </a:p>
+        </p:txBody>
+      </p:sp>
+    </p:spTree>
+    <p:extLst>
+      <p:ext uri="{BB962C8B-B14F-4D97-AF65-F5344CB8AC3E}">
+        <p14:creationId xmlns:p14="http://schemas.microsoft.com/office/powerpoint/2010/main" val="2518437411"/>
+      </p:ext>
+    </p:extLst>
+  </p:cSld>
+  <p:clrMapOvr>
+    <a:masterClrMapping/>
+  </p:clrMapOvr>
+</p:sld>
+</file>
+
+<file path=ppt/slides/slide3.xml><?xml version="1.0" encoding="utf-8"?>
+<p:sld xmlns:a="http://schemas.openxmlformats.org/drawingml/2006/main" xmlns:r="http://schemas.openxmlformats.org/officeDocument/2006/relationships" xmlns:p="http://schemas.openxmlformats.org/presentationml/2006/main">
+  <p:cSld>
+    <p:spTree>
+      <p:nvGrpSpPr>
+        <p:cNvPr id="1" name=""/>
+        <p:cNvGrpSpPr/>
+        <p:nvPr/>
+      </p:nvGrpSpPr>
+      <p:grpSpPr>
+        <a:xfrm>
+          <a:off x="0" y="0"/>
+          <a:ext cx="0" cy="0"/>
+          <a:chOff x="0" y="0"/>
+          <a:chExt cx="0" cy="0"/>
+        </a:xfrm>
+      </p:grpSpPr>
+      <p:pic>
+        <p:nvPicPr>
+          <p:cNvPr id="2" name="Imagen 1">
+            <a:extLst>
+              <a:ext uri="{FF2B5EF4-FFF2-40B4-BE49-F238E27FC236}">
+                <a16:creationId xmlns:a16="http://schemas.microsoft.com/office/drawing/2014/main" id="{5DF67740-B042-40DD-87CE-2634780E0298}"/>
+              </a:ext>
+            </a:extLst>
+          </p:cNvPr>
+          <p:cNvPicPr>
+            <a:picLocks noChangeAspect="1"/>
+          </p:cNvPicPr>
+          <p:nvPr/>
+        </p:nvPicPr>
+        <p:blipFill>
+          <a:blip r:embed="rId2"/>
+          <a:stretch>
+            <a:fillRect/>
+          </a:stretch>
+        </p:blipFill>
+        <p:spPr>
+          <a:xfrm>
+            <a:off x="12769525" y="4235807"/>
+            <a:ext cx="5105400" cy="2562225"/>
+          </a:xfrm>
+          <a:prstGeom prst="rect">
+            <a:avLst/>
+          </a:prstGeom>
+        </p:spPr>
+      </p:pic>
+      <p:sp>
+        <p:nvSpPr>
+          <p:cNvPr id="6" name="Globo: línea doblada 5">
+            <a:extLst>
+              <a:ext uri="{FF2B5EF4-FFF2-40B4-BE49-F238E27FC236}">
+                <a16:creationId xmlns:a16="http://schemas.microsoft.com/office/drawing/2014/main" id="{8B7CA878-EAA4-435E-BF13-F50BEBED1DFF}"/>
+              </a:ext>
+            </a:extLst>
+          </p:cNvPr>
+          <p:cNvSpPr/>
+          <p:nvPr/>
+        </p:nvSpPr>
+        <p:spPr>
+          <a:xfrm>
+            <a:off x="18079506" y="4098910"/>
+            <a:ext cx="1018351" cy="203552"/>
+          </a:xfrm>
+          <a:prstGeom prst="borderCallout2">
+            <a:avLst>
+              <a:gd name="adj1" fmla="val 18750"/>
+              <a:gd name="adj2" fmla="val -8333"/>
+              <a:gd name="adj3" fmla="val 22273"/>
+              <a:gd name="adj4" fmla="val -319785"/>
+              <a:gd name="adj5" fmla="val 92739"/>
+              <a:gd name="adj6" fmla="val -345682"/>
+            </a:avLst>
+          </a:prstGeom>
+          <a:solidFill>
+            <a:schemeClr val="bg2"/>
+          </a:solidFill>
+          <a:ln w="19050">
+            <a:solidFill>
+              <a:srgbClr val="FF0000"/>
+            </a:solidFill>
+          </a:ln>
+        </p:spPr>
+        <p:style>
+          <a:lnRef idx="2">
+            <a:schemeClr val="accent1">
+              <a:shade val="50000"/>
+            </a:schemeClr>
+          </a:lnRef>
+          <a:fillRef idx="1">
+            <a:schemeClr val="accent1"/>
+          </a:fillRef>
+          <a:effectRef idx="0">
+            <a:schemeClr val="accent1"/>
+          </a:effectRef>
+          <a:fontRef idx="minor">
+            <a:schemeClr val="lt1"/>
+          </a:fontRef>
+        </p:style>
+        <p:txBody>
+          <a:bodyPr rot="0" spcFirstLastPara="0" vertOverflow="overflow" horzOverflow="overflow" vert="horz" wrap="square" lIns="121924" tIns="60962" rIns="121924" bIns="60962" numCol="1" spcCol="0" rtlCol="0" fromWordArt="0" anchor="ctr" anchorCtr="0" forceAA="0" compatLnSpc="1">
+            <a:prstTxWarp prst="textNoShape">
+              <a:avLst/>
+            </a:prstTxWarp>
+            <a:noAutofit/>
+          </a:bodyPr>
+          <a:lstStyle/>
+          <a:p>
+            <a:pPr algn="ctr"/>
+            <a:r>
+              <a:rPr lang="en-US" sz="800" b="1" dirty="0">
+                <a:solidFill>
+                  <a:schemeClr val="tx1"/>
+                </a:solidFill>
+              </a:rPr>
+              <a:t>Version de .XML</a:t>
+            </a:r>
+            <a:endParaRPr lang="es-ES" sz="800" b="1" dirty="0">
+              <a:solidFill>
+                <a:schemeClr val="tx1"/>
+              </a:solidFill>
+            </a:endParaRPr>
+          </a:p>
+        </p:txBody>
+      </p:sp>
+      <p:sp>
+        <p:nvSpPr>
+          <p:cNvPr id="7" name="Globo: línea doblada 6">
+            <a:extLst>
+              <a:ext uri="{FF2B5EF4-FFF2-40B4-BE49-F238E27FC236}">
+                <a16:creationId xmlns:a16="http://schemas.microsoft.com/office/drawing/2014/main" id="{65A870BF-F4ED-40FF-9290-99631289DE4E}"/>
+              </a:ext>
+            </a:extLst>
+          </p:cNvPr>
+          <p:cNvSpPr/>
+          <p:nvPr/>
+        </p:nvSpPr>
+        <p:spPr>
+          <a:xfrm>
+            <a:off x="18079506" y="4374182"/>
+            <a:ext cx="1018351" cy="274249"/>
+          </a:xfrm>
+          <a:prstGeom prst="borderCallout2">
+            <a:avLst>
+              <a:gd name="adj1" fmla="val 18750"/>
+              <a:gd name="adj2" fmla="val -8333"/>
+              <a:gd name="adj3" fmla="val 15670"/>
+              <a:gd name="adj4" fmla="val -244233"/>
+              <a:gd name="adj5" fmla="val 82309"/>
+              <a:gd name="adj6" fmla="val -258704"/>
+            </a:avLst>
+          </a:prstGeom>
+          <a:solidFill>
+            <a:schemeClr val="bg2"/>
+          </a:solidFill>
+          <a:ln w="19050">
+            <a:solidFill>
+              <a:srgbClr val="FF0000"/>
+            </a:solidFill>
+          </a:ln>
+        </p:spPr>
+        <p:style>
+          <a:lnRef idx="2">
+            <a:schemeClr val="accent1">
+              <a:shade val="50000"/>
+            </a:schemeClr>
+          </a:lnRef>
+          <a:fillRef idx="1">
+            <a:schemeClr val="accent1"/>
+          </a:fillRef>
+          <a:effectRef idx="0">
+            <a:schemeClr val="accent1"/>
+          </a:effectRef>
+          <a:fontRef idx="minor">
+            <a:schemeClr val="lt1"/>
+          </a:fontRef>
+        </p:style>
+        <p:txBody>
+          <a:bodyPr rot="0" spcFirstLastPara="0" vertOverflow="overflow" horzOverflow="overflow" vert="horz" wrap="square" lIns="121924" tIns="60962" rIns="121924" bIns="60962" numCol="1" spcCol="0" rtlCol="0" fromWordArt="0" anchor="ctr" anchorCtr="0" forceAA="0" compatLnSpc="1">
+            <a:prstTxWarp prst="textNoShape">
+              <a:avLst/>
+            </a:prstTxWarp>
+            <a:noAutofit/>
+          </a:bodyPr>
+          <a:lstStyle/>
+          <a:p>
+            <a:pPr algn="ctr"/>
+            <a:r>
+              <a:rPr lang="es-ES" sz="800" b="1" dirty="0">
+                <a:solidFill>
+                  <a:schemeClr val="tx1"/>
+                </a:solidFill>
+              </a:rPr>
+              <a:t>Nombre del paquete</a:t>
+            </a:r>
+          </a:p>
+        </p:txBody>
+      </p:sp>
+      <p:sp>
+        <p:nvSpPr>
+          <p:cNvPr id="8" name="Globo: línea doblada 7">
+            <a:extLst>
+              <a:ext uri="{FF2B5EF4-FFF2-40B4-BE49-F238E27FC236}">
+                <a16:creationId xmlns:a16="http://schemas.microsoft.com/office/drawing/2014/main" id="{9BAF6CC7-1A1E-4C40-AC59-0FDC35E75EFD}"/>
+              </a:ext>
+            </a:extLst>
+          </p:cNvPr>
+          <p:cNvSpPr/>
+          <p:nvPr/>
+        </p:nvSpPr>
+        <p:spPr>
+          <a:xfrm>
+            <a:off x="18054262" y="5124973"/>
+            <a:ext cx="1018351" cy="274249"/>
+          </a:xfrm>
+          <a:prstGeom prst="borderCallout2">
+            <a:avLst>
+              <a:gd name="adj1" fmla="val 18750"/>
+              <a:gd name="adj2" fmla="val -8333"/>
+              <a:gd name="adj3" fmla="val 19658"/>
+              <a:gd name="adj4" fmla="val -306207"/>
+              <a:gd name="adj5" fmla="val 110519"/>
+              <a:gd name="adj6" fmla="val -320863"/>
+            </a:avLst>
+          </a:prstGeom>
+          <a:solidFill>
+            <a:schemeClr val="bg2"/>
+          </a:solidFill>
+          <a:ln w="19050">
+            <a:solidFill>
+              <a:srgbClr val="FF0000"/>
+            </a:solidFill>
+          </a:ln>
+        </p:spPr>
+        <p:style>
+          <a:lnRef idx="2">
+            <a:schemeClr val="accent1">
+              <a:shade val="50000"/>
+            </a:schemeClr>
+          </a:lnRef>
+          <a:fillRef idx="1">
+            <a:schemeClr val="accent1"/>
+          </a:fillRef>
+          <a:effectRef idx="0">
+            <a:schemeClr val="accent1"/>
+          </a:effectRef>
+          <a:fontRef idx="minor">
+            <a:schemeClr val="lt1"/>
+          </a:fontRef>
+        </p:style>
+        <p:txBody>
+          <a:bodyPr rot="0" spcFirstLastPara="0" vertOverflow="overflow" horzOverflow="overflow" vert="horz" wrap="square" lIns="121924" tIns="60962" rIns="121924" bIns="60962" numCol="1" spcCol="0" rtlCol="0" fromWordArt="0" anchor="ctr" anchorCtr="0" forceAA="0" compatLnSpc="1">
+            <a:prstTxWarp prst="textNoShape">
+              <a:avLst/>
+            </a:prstTxWarp>
+            <a:noAutofit/>
+          </a:bodyPr>
+          <a:lstStyle/>
+          <a:p>
+            <a:pPr algn="ctr"/>
+            <a:r>
+              <a:rPr lang="es-ES" sz="800" b="1" dirty="0">
+                <a:solidFill>
+                  <a:schemeClr val="tx1"/>
+                </a:solidFill>
+              </a:rPr>
+              <a:t>Compilador del paquete</a:t>
+            </a:r>
+            <a:endParaRPr lang="es-ES" sz="800" b="1" i="1" dirty="0">
+              <a:solidFill>
+                <a:schemeClr val="tx1"/>
+              </a:solidFill>
+            </a:endParaRPr>
+          </a:p>
+        </p:txBody>
+      </p:sp>
+      <p:sp>
+        <p:nvSpPr>
+          <p:cNvPr id="11" name="Globo: línea doblada 10">
+            <a:extLst>
+              <a:ext uri="{FF2B5EF4-FFF2-40B4-BE49-F238E27FC236}">
+                <a16:creationId xmlns:a16="http://schemas.microsoft.com/office/drawing/2014/main" id="{A53DD2AF-D484-40E6-B961-1480B3FD31AE}"/>
+              </a:ext>
+            </a:extLst>
+          </p:cNvPr>
+          <p:cNvSpPr/>
+          <p:nvPr/>
+        </p:nvSpPr>
+        <p:spPr>
+          <a:xfrm>
+            <a:off x="18079506" y="4648431"/>
+            <a:ext cx="1340177" cy="274249"/>
+          </a:xfrm>
+          <a:prstGeom prst="borderCallout2">
+            <a:avLst>
+              <a:gd name="adj1" fmla="val 18750"/>
+              <a:gd name="adj2" fmla="val -8333"/>
+              <a:gd name="adj3" fmla="val 18971"/>
+              <a:gd name="adj4" fmla="val -241566"/>
+              <a:gd name="adj5" fmla="val 82309"/>
+              <a:gd name="adj6" fmla="val -258704"/>
+            </a:avLst>
+          </a:prstGeom>
+          <a:solidFill>
+            <a:schemeClr val="bg2"/>
+          </a:solidFill>
+          <a:ln w="19050">
+            <a:solidFill>
+              <a:srgbClr val="FF0000"/>
+            </a:solidFill>
+          </a:ln>
+        </p:spPr>
+        <p:style>
+          <a:lnRef idx="2">
+            <a:schemeClr val="accent1">
+              <a:shade val="50000"/>
+            </a:schemeClr>
+          </a:lnRef>
+          <a:fillRef idx="1">
+            <a:schemeClr val="accent1"/>
+          </a:fillRef>
+          <a:effectRef idx="0">
+            <a:schemeClr val="accent1"/>
+          </a:effectRef>
+          <a:fontRef idx="minor">
+            <a:schemeClr val="lt1"/>
+          </a:fontRef>
+        </p:style>
+        <p:txBody>
+          <a:bodyPr rot="0" spcFirstLastPara="0" vertOverflow="overflow" horzOverflow="overflow" vert="horz" wrap="square" lIns="121924" tIns="60962" rIns="121924" bIns="60962" numCol="1" spcCol="0" rtlCol="0" fromWordArt="0" anchor="ctr" anchorCtr="0" forceAA="0" compatLnSpc="1">
+            <a:prstTxWarp prst="textNoShape">
+              <a:avLst/>
+            </a:prstTxWarp>
+            <a:noAutofit/>
+          </a:bodyPr>
+          <a:lstStyle/>
+          <a:p>
+            <a:pPr algn="ctr"/>
+            <a:r>
+              <a:rPr lang="es-ES" sz="800" b="1" dirty="0">
+                <a:solidFill>
+                  <a:schemeClr val="tx1"/>
+                </a:solidFill>
+              </a:rPr>
+              <a:t>Información del paquete (Autor) (Licencia)</a:t>
+            </a:r>
+          </a:p>
+        </p:txBody>
+      </p:sp>
+      <p:sp>
+        <p:nvSpPr>
+          <p:cNvPr id="12" name="Globo: línea doblada 11">
+            <a:extLst>
+              <a:ext uri="{FF2B5EF4-FFF2-40B4-BE49-F238E27FC236}">
+                <a16:creationId xmlns:a16="http://schemas.microsoft.com/office/drawing/2014/main" id="{A6ED597B-5D22-45F5-9229-1D3413AA2191}"/>
+              </a:ext>
+            </a:extLst>
+          </p:cNvPr>
+          <p:cNvSpPr/>
+          <p:nvPr/>
+        </p:nvSpPr>
+        <p:spPr>
+          <a:xfrm>
+            <a:off x="18054261" y="5420963"/>
+            <a:ext cx="1120979" cy="274249"/>
+          </a:xfrm>
+          <a:prstGeom prst="borderCallout2">
+            <a:avLst>
+              <a:gd name="adj1" fmla="val 35256"/>
+              <a:gd name="adj2" fmla="val -7444"/>
+              <a:gd name="adj3" fmla="val 26260"/>
+              <a:gd name="adj4" fmla="val -292245"/>
+              <a:gd name="adj5" fmla="val 54399"/>
+              <a:gd name="adj6" fmla="val -307796"/>
+            </a:avLst>
+          </a:prstGeom>
+          <a:solidFill>
+            <a:schemeClr val="bg2"/>
+          </a:solidFill>
+          <a:ln w="19050">
+            <a:solidFill>
+              <a:srgbClr val="FF0000"/>
+            </a:solidFill>
+          </a:ln>
+        </p:spPr>
+        <p:style>
+          <a:lnRef idx="2">
+            <a:schemeClr val="accent1">
+              <a:shade val="50000"/>
+            </a:schemeClr>
+          </a:lnRef>
+          <a:fillRef idx="1">
+            <a:schemeClr val="accent1"/>
+          </a:fillRef>
+          <a:effectRef idx="0">
+            <a:schemeClr val="accent1"/>
+          </a:effectRef>
+          <a:fontRef idx="minor">
+            <a:schemeClr val="lt1"/>
+          </a:fontRef>
+        </p:style>
+        <p:txBody>
+          <a:bodyPr rot="0" spcFirstLastPara="0" vertOverflow="overflow" horzOverflow="overflow" vert="horz" wrap="square" lIns="121924" tIns="60962" rIns="121924" bIns="60962" numCol="1" spcCol="0" rtlCol="0" fromWordArt="0" anchor="ctr" anchorCtr="0" forceAA="0" compatLnSpc="1">
+            <a:prstTxWarp prst="textNoShape">
+              <a:avLst/>
+            </a:prstTxWarp>
+            <a:noAutofit/>
+          </a:bodyPr>
+          <a:lstStyle/>
+          <a:p>
+            <a:pPr algn="ctr"/>
+            <a:r>
+              <a:rPr lang="es-ES" sz="800" b="1" dirty="0">
+                <a:solidFill>
+                  <a:schemeClr val="tx1"/>
+                </a:solidFill>
+              </a:rPr>
+              <a:t>Dependencia del paquete a compilar</a:t>
+            </a:r>
+            <a:endParaRPr lang="es-ES" sz="800" b="1" i="1" dirty="0">
+              <a:solidFill>
+                <a:schemeClr val="tx1"/>
+              </a:solidFill>
+            </a:endParaRPr>
+          </a:p>
+        </p:txBody>
+      </p:sp>
+      <p:sp>
+        <p:nvSpPr>
+          <p:cNvPr id="13" name="Globo: línea doblada 12">
+            <a:extLst>
+              <a:ext uri="{FF2B5EF4-FFF2-40B4-BE49-F238E27FC236}">
+                <a16:creationId xmlns:a16="http://schemas.microsoft.com/office/drawing/2014/main" id="{4BBCCBAD-4548-4575-B19D-EE237F5AC4E2}"/>
+              </a:ext>
+            </a:extLst>
+          </p:cNvPr>
+          <p:cNvSpPr/>
+          <p:nvPr/>
+        </p:nvSpPr>
+        <p:spPr>
+          <a:xfrm>
+            <a:off x="18054260" y="5694161"/>
+            <a:ext cx="1120979" cy="274249"/>
+          </a:xfrm>
+          <a:prstGeom prst="borderCallout2">
+            <a:avLst>
+              <a:gd name="adj1" fmla="val 84774"/>
+              <a:gd name="adj2" fmla="val -7444"/>
+              <a:gd name="adj3" fmla="val 82380"/>
+              <a:gd name="adj4" fmla="val -290630"/>
+              <a:gd name="adj5" fmla="val 34592"/>
+              <a:gd name="adj6" fmla="val -319103"/>
+            </a:avLst>
+          </a:prstGeom>
+          <a:solidFill>
+            <a:schemeClr val="bg2"/>
+          </a:solidFill>
+          <a:ln w="19050">
+            <a:solidFill>
+              <a:srgbClr val="FF0000"/>
+            </a:solidFill>
+          </a:ln>
+        </p:spPr>
+        <p:style>
+          <a:lnRef idx="2">
+            <a:schemeClr val="accent1">
+              <a:shade val="50000"/>
+            </a:schemeClr>
+          </a:lnRef>
+          <a:fillRef idx="1">
+            <a:schemeClr val="accent1"/>
+          </a:fillRef>
+          <a:effectRef idx="0">
+            <a:schemeClr val="accent1"/>
+          </a:effectRef>
+          <a:fontRef idx="minor">
+            <a:schemeClr val="lt1"/>
+          </a:fontRef>
+        </p:style>
+        <p:txBody>
+          <a:bodyPr rot="0" spcFirstLastPara="0" vertOverflow="overflow" horzOverflow="overflow" vert="horz" wrap="square" lIns="121924" tIns="60962" rIns="121924" bIns="60962" numCol="1" spcCol="0" rtlCol="0" fromWordArt="0" anchor="ctr" anchorCtr="0" forceAA="0" compatLnSpc="1">
+            <a:prstTxWarp prst="textNoShape">
+              <a:avLst/>
+            </a:prstTxWarp>
+            <a:noAutofit/>
+          </a:bodyPr>
+          <a:lstStyle/>
+          <a:p>
+            <a:pPr algn="ctr"/>
+            <a:r>
+              <a:rPr lang="es-ES" sz="800" b="1" dirty="0">
+                <a:solidFill>
+                  <a:schemeClr val="tx1"/>
+                </a:solidFill>
+              </a:rPr>
+              <a:t>Dependencia del paquete a Ejecutar</a:t>
+            </a:r>
+            <a:endParaRPr lang="es-ES" sz="800" b="1" i="1" dirty="0">
+              <a:solidFill>
+                <a:schemeClr val="tx1"/>
+              </a:solidFill>
+            </a:endParaRPr>
+          </a:p>
+        </p:txBody>
+      </p:sp>
+    </p:spTree>
+    <p:extLst>
+      <p:ext uri="{BB962C8B-B14F-4D97-AF65-F5344CB8AC3E}">
+        <p14:creationId xmlns:p14="http://schemas.microsoft.com/office/powerpoint/2010/main" val="1055705862"/>
+      </p:ext>
+    </p:extLst>
+  </p:cSld>
+  <p:clrMapOvr>
+    <a:masterClrMapping/>
+  </p:clrMapOvr>
+</p:sld>
+</file>
+
+<file path=ppt/slides/slide4.xml><?xml version="1.0" encoding="utf-8"?>
+<p:sld xmlns:a="http://schemas.openxmlformats.org/drawingml/2006/main" xmlns:r="http://schemas.openxmlformats.org/officeDocument/2006/relationships" xmlns:p="http://schemas.openxmlformats.org/presentationml/2006/main">
+  <p:cSld>
+    <p:spTree>
+      <p:nvGrpSpPr>
+        <p:cNvPr id="1" name=""/>
+        <p:cNvGrpSpPr/>
+        <p:nvPr/>
+      </p:nvGrpSpPr>
+      <p:grpSpPr>
+        <a:xfrm>
+          <a:off x="0" y="0"/>
+          <a:ext cx="0" cy="0"/>
+          <a:chOff x="0" y="0"/>
+          <a:chExt cx="0" cy="0"/>
+        </a:xfrm>
+      </p:grpSpPr>
+      <p:graphicFrame>
+        <p:nvGraphicFramePr>
+          <p:cNvPr id="3" name="Diagrama 2">
+            <a:extLst>
+              <a:ext uri="{FF2B5EF4-FFF2-40B4-BE49-F238E27FC236}">
+                <a16:creationId xmlns:a16="http://schemas.microsoft.com/office/drawing/2014/main" id="{FA5D2A53-D8C1-4C94-9960-D6EB69F59298}"/>
+              </a:ext>
+            </a:extLst>
+          </p:cNvPr>
+          <p:cNvGraphicFramePr/>
+          <p:nvPr>
+            <p:extLst>
+              <p:ext uri="{D42A27DB-BD31-4B8C-83A1-F6EECF244321}">
+                <p14:modId xmlns:p14="http://schemas.microsoft.com/office/powerpoint/2010/main" val="4110811312"/>
+              </p:ext>
+            </p:extLst>
+          </p:nvPr>
+        </p:nvGraphicFramePr>
+        <p:xfrm>
+          <a:off x="5338762" y="1890711"/>
+          <a:ext cx="20819609" cy="13882689"/>
+        </p:xfrm>
+        <a:graphic>
+          <a:graphicData uri="http://schemas.openxmlformats.org/drawingml/2006/diagram">
+            <dgm:relIds xmlns:dgm="http://schemas.openxmlformats.org/drawingml/2006/diagram" xmlns:r="http://schemas.openxmlformats.org/officeDocument/2006/relationships" r:dm="rId2" r:lo="rId3" r:qs="rId4" r:cs="rId5"/>
+          </a:graphicData>
+        </a:graphic>
+      </p:graphicFrame>
+      <p:pic>
+        <p:nvPicPr>
+          <p:cNvPr id="9" name="Picture 5">
+            <a:extLst>
+              <a:ext uri="{FF2B5EF4-FFF2-40B4-BE49-F238E27FC236}">
+                <a16:creationId xmlns:a16="http://schemas.microsoft.com/office/drawing/2014/main" id="{0B2CC473-7922-4BFE-B2D9-D6D8FBEE16B3}"/>
+              </a:ext>
+            </a:extLst>
+          </p:cNvPr>
+          <p:cNvPicPr/>
+          <p:nvPr/>
+        </p:nvPicPr>
+        <p:blipFill>
+          <a:blip r:embed="rId7"/>
+          <a:stretch>
+            <a:fillRect/>
+          </a:stretch>
+        </p:blipFill>
+        <p:spPr>
+          <a:xfrm>
+            <a:off x="14068194" y="7596169"/>
+            <a:ext cx="3360744" cy="2471771"/>
+          </a:xfrm>
+          <a:prstGeom prst="rect">
+            <a:avLst/>
+          </a:prstGeom>
+          <a:ln>
+            <a:noFill/>
+          </a:ln>
+        </p:spPr>
+      </p:pic>
+    </p:spTree>
+    <p:extLst>
+      <p:ext uri="{BB962C8B-B14F-4D97-AF65-F5344CB8AC3E}">
+        <p14:creationId xmlns:p14="http://schemas.microsoft.com/office/powerpoint/2010/main" val="1989717392"/>
+      </p:ext>
+    </p:extLst>
+  </p:cSld>
+  <p:clrMapOvr>
+    <a:masterClrMapping/>
+  </p:clrMapOvr>
+  <p:timing>
+    <p:tnLst>
+      <p:par>
+        <p:cTn id="1" dur="indefinite" restart="never" nodeType="tmRoot">
+          <p:childTnLst>
+            <p:seq concurrent="1" nextAc="seek">
+              <p:cTn id="2" dur="indefinite" nodeType="mainSeq">
+                <p:childTnLst>
+                  <p:par>
+                    <p:cTn id="3" fill="hold">
+                      <p:stCondLst>
+                        <p:cond delay="indefinite"/>
+                        <p:cond evt="onBegin" delay="0">
+                          <p:tn val="2"/>
+                        </p:cond>
+                      </p:stCondLst>
+                      <p:childTnLst>
+                        <p:par>
+                          <p:cTn id="4" fill="hold">
+                            <p:stCondLst>
+                              <p:cond delay="0"/>
+                            </p:stCondLst>
+                            <p:childTnLst>
+                              <p:par>
+                                <p:cTn id="5" presetID="5" presetClass="entr" presetSubtype="10" fill="hold" nodeType="withEffect">
+                                  <p:stCondLst>
+                                    <p:cond delay="0"/>
+                                  </p:stCondLst>
+                                  <p:childTnLst>
+                                    <p:set>
+                                      <p:cBhvr>
+                                        <p:cTn id="6" dur="1" fill="hold">
+                                          <p:stCondLst>
+                                            <p:cond delay="0"/>
+                                          </p:stCondLst>
+                                        </p:cTn>
+                                        <p:tgtEl>
+                                          <p:spTgt spid="9"/>
+                                        </p:tgtEl>
+                                        <p:attrNameLst>
+                                          <p:attrName>style.visibility</p:attrName>
+                                        </p:attrNameLst>
+                                      </p:cBhvr>
+                                      <p:to>
+                                        <p:strVal val="visible"/>
+                                      </p:to>
+                                    </p:set>
+                                    <p:animEffect transition="in" filter="checkerboard(across)">
+                                      <p:cBhvr>
+                                        <p:cTn id="7" dur="500"/>
+                                        <p:tgtEl>
+                                          <p:spTgt spid="9"/>
+                                        </p:tgtEl>
+                                      </p:cBhvr>
+                                    </p:animEffect>
+                                  </p:childTnLst>
+                                </p:cTn>
+                              </p:par>
+                            </p:childTnLst>
+                          </p:cTn>
+                        </p:par>
+                      </p:childTnLst>
+                    </p:cTn>
+                  </p:par>
+                </p:childTnLst>
+              </p:cTn>
+              <p:prevCondLst>
+                <p:cond evt="onPrev" delay="0">
+                  <p:tgtEl>
+                    <p:sldTgt/>
+                  </p:tgtEl>
+                </p:cond>
+              </p:prevCondLst>
+              <p:nextCondLst>
+                <p:cond evt="onNext" delay="0">
+                  <p:tgtEl>
+                    <p:sldTgt/>
+                  </p:tgtEl>
+                </p:cond>
+              </p:nextCondLst>
+            </p:seq>
+          </p:childTnLst>
+        </p:cTn>
+      </p:par>
+    </p:tnLst>
+  </p:timing>
 </p:sld>
 </file>
 

--- a/meshes.pptx
+++ b/meshes.pptx
@@ -3893,7 +3893,7 @@
           <a:p>
             <a:fld id="{56E17E0E-BED0-40DA-882A-A57045C57D8C}" type="datetimeFigureOut">
               <a:rPr lang="es-ES" smtClean="0"/>
-              <a:t>24/01/2019</a:t>
+              <a:t>02/06/2019</a:t>
             </a:fld>
             <a:endParaRPr lang="es-ES"/>
           </a:p>
@@ -4063,7 +4063,7 @@
           <a:p>
             <a:fld id="{56E17E0E-BED0-40DA-882A-A57045C57D8C}" type="datetimeFigureOut">
               <a:rPr lang="es-ES" smtClean="0"/>
-              <a:t>24/01/2019</a:t>
+              <a:t>02/06/2019</a:t>
             </a:fld>
             <a:endParaRPr lang="es-ES"/>
           </a:p>
@@ -4243,7 +4243,7 @@
           <a:p>
             <a:fld id="{56E17E0E-BED0-40DA-882A-A57045C57D8C}" type="datetimeFigureOut">
               <a:rPr lang="es-ES" smtClean="0"/>
-              <a:t>24/01/2019</a:t>
+              <a:t>02/06/2019</a:t>
             </a:fld>
             <a:endParaRPr lang="es-ES"/>
           </a:p>
@@ -4413,7 +4413,7 @@
           <a:p>
             <a:fld id="{56E17E0E-BED0-40DA-882A-A57045C57D8C}" type="datetimeFigureOut">
               <a:rPr lang="es-ES" smtClean="0"/>
-              <a:t>24/01/2019</a:t>
+              <a:t>02/06/2019</a:t>
             </a:fld>
             <a:endParaRPr lang="es-ES"/>
           </a:p>
@@ -4659,7 +4659,7 @@
           <a:p>
             <a:fld id="{56E17E0E-BED0-40DA-882A-A57045C57D8C}" type="datetimeFigureOut">
               <a:rPr lang="es-ES" smtClean="0"/>
-              <a:t>24/01/2019</a:t>
+              <a:t>02/06/2019</a:t>
             </a:fld>
             <a:endParaRPr lang="es-ES"/>
           </a:p>
@@ -4891,7 +4891,7 @@
           <a:p>
             <a:fld id="{56E17E0E-BED0-40DA-882A-A57045C57D8C}" type="datetimeFigureOut">
               <a:rPr lang="es-ES" smtClean="0"/>
-              <a:t>24/01/2019</a:t>
+              <a:t>02/06/2019</a:t>
             </a:fld>
             <a:endParaRPr lang="es-ES"/>
           </a:p>
@@ -5258,7 +5258,7 @@
           <a:p>
             <a:fld id="{56E17E0E-BED0-40DA-882A-A57045C57D8C}" type="datetimeFigureOut">
               <a:rPr lang="es-ES" smtClean="0"/>
-              <a:t>24/01/2019</a:t>
+              <a:t>02/06/2019</a:t>
             </a:fld>
             <a:endParaRPr lang="es-ES"/>
           </a:p>
@@ -5376,7 +5376,7 @@
           <a:p>
             <a:fld id="{56E17E0E-BED0-40DA-882A-A57045C57D8C}" type="datetimeFigureOut">
               <a:rPr lang="es-ES" smtClean="0"/>
-              <a:t>24/01/2019</a:t>
+              <a:t>02/06/2019</a:t>
             </a:fld>
             <a:endParaRPr lang="es-ES"/>
           </a:p>
@@ -5471,7 +5471,7 @@
           <a:p>
             <a:fld id="{56E17E0E-BED0-40DA-882A-A57045C57D8C}" type="datetimeFigureOut">
               <a:rPr lang="es-ES" smtClean="0"/>
-              <a:t>24/01/2019</a:t>
+              <a:t>02/06/2019</a:t>
             </a:fld>
             <a:endParaRPr lang="es-ES"/>
           </a:p>
@@ -5748,7 +5748,7 @@
           <a:p>
             <a:fld id="{56E17E0E-BED0-40DA-882A-A57045C57D8C}" type="datetimeFigureOut">
               <a:rPr lang="es-ES" smtClean="0"/>
-              <a:t>24/01/2019</a:t>
+              <a:t>02/06/2019</a:t>
             </a:fld>
             <a:endParaRPr lang="es-ES"/>
           </a:p>
@@ -6005,7 +6005,7 @@
           <a:p>
             <a:fld id="{56E17E0E-BED0-40DA-882A-A57045C57D8C}" type="datetimeFigureOut">
               <a:rPr lang="es-ES" smtClean="0"/>
-              <a:t>24/01/2019</a:t>
+              <a:t>02/06/2019</a:t>
             </a:fld>
             <a:endParaRPr lang="es-ES"/>
           </a:p>
@@ -6218,7 +6218,7 @@
           <a:p>
             <a:fld id="{56E17E0E-BED0-40DA-882A-A57045C57D8C}" type="datetimeFigureOut">
               <a:rPr lang="es-ES" smtClean="0"/>
-              <a:t>24/01/2019</a:t>
+              <a:t>02/06/2019</a:t>
             </a:fld>
             <a:endParaRPr lang="es-ES"/>
           </a:p>
